--- a/datos/matcher_ideas.pptx
+++ b/datos/matcher_ideas.pptx
@@ -118,6 +118,98 @@
     </p:ext>
   </p:extLst>
 </p:presentation>
+</file>
+
+<file path=ppt/revisionInfo.xml><?xml version="1.0" encoding="utf-8"?>
+<p1510:revInfo xmlns:a="http://schemas.openxmlformats.org/drawingml/2006/main" xmlns:r="http://schemas.openxmlformats.org/officeDocument/2006/relationships" xmlns:p1510="http://schemas.microsoft.com/office/powerpoint/2015/10/main">
+  <p1510:revLst>
+    <p1510:client id="{40D94AAD-EA2F-4BEF-9F67-A6150D49E422}" v="24" dt="2022-10-21T08:53:04.379"/>
+  </p1510:revLst>
+</p1510:revInfo>
+</file>
+
+<file path=ppt/changesInfos/changesInfo1.xml><?xml version="1.0" encoding="utf-8"?>
+<pc:chgInfo xmlns:a="http://schemas.openxmlformats.org/drawingml/2006/main" xmlns:r="http://schemas.openxmlformats.org/officeDocument/2006/relationships" xmlns:ac="http://schemas.microsoft.com/office/drawing/2013/main/command" xmlns:pc="http://schemas.microsoft.com/office/powerpoint/2013/main/command">
+  <pc:docChgLst>
+    <pc:chgData name="RAUL ALONSO CALVO" userId="S::raul.alonso@upm.es::7f88ffbc-30bb-4f5f-9cb4-8b3707a1b6f4" providerId="AD" clId="Web-{40D94AAD-EA2F-4BEF-9F67-A6150D49E422}"/>
+    <pc:docChg chg="modSld">
+      <pc:chgData name="RAUL ALONSO CALVO" userId="S::raul.alonso@upm.es::7f88ffbc-30bb-4f5f-9cb4-8b3707a1b6f4" providerId="AD" clId="Web-{40D94AAD-EA2F-4BEF-9F67-A6150D49E422}" dt="2022-10-21T08:53:01.238" v="13" actId="20577"/>
+      <pc:docMkLst>
+        <pc:docMk/>
+      </pc:docMkLst>
+      <pc:sldChg chg="modSp">
+        <pc:chgData name="RAUL ALONSO CALVO" userId="S::raul.alonso@upm.es::7f88ffbc-30bb-4f5f-9cb4-8b3707a1b6f4" providerId="AD" clId="Web-{40D94AAD-EA2F-4BEF-9F67-A6150D49E422}" dt="2022-10-21T08:51:56.001" v="1" actId="20577"/>
+        <pc:sldMkLst>
+          <pc:docMk/>
+          <pc:sldMk cId="3962292587" sldId="262"/>
+        </pc:sldMkLst>
+        <pc:spChg chg="mod">
+          <ac:chgData name="RAUL ALONSO CALVO" userId="S::raul.alonso@upm.es::7f88ffbc-30bb-4f5f-9cb4-8b3707a1b6f4" providerId="AD" clId="Web-{40D94AAD-EA2F-4BEF-9F67-A6150D49E422}" dt="2022-10-21T08:51:56.001" v="1" actId="20577"/>
+          <ac:spMkLst>
+            <pc:docMk/>
+            <pc:sldMk cId="3962292587" sldId="262"/>
+            <ac:spMk id="3" creationId="{D3433EF1-9D1A-7BC0-6E0A-58FC038082D9}"/>
+          </ac:spMkLst>
+        </pc:spChg>
+      </pc:sldChg>
+      <pc:sldChg chg="addSp modSp">
+        <pc:chgData name="RAUL ALONSO CALVO" userId="S::raul.alonso@upm.es::7f88ffbc-30bb-4f5f-9cb4-8b3707a1b6f4" providerId="AD" clId="Web-{40D94AAD-EA2F-4BEF-9F67-A6150D49E422}" dt="2022-10-21T08:53:01.238" v="13" actId="20577"/>
+        <pc:sldMkLst>
+          <pc:docMk/>
+          <pc:sldMk cId="797389041" sldId="264"/>
+        </pc:sldMkLst>
+        <pc:spChg chg="add mod">
+          <ac:chgData name="RAUL ALONSO CALVO" userId="S::raul.alonso@upm.es::7f88ffbc-30bb-4f5f-9cb4-8b3707a1b6f4" providerId="AD" clId="Web-{40D94AAD-EA2F-4BEF-9F67-A6150D49E422}" dt="2022-10-21T08:53:01.238" v="13" actId="20577"/>
+          <ac:spMkLst>
+            <pc:docMk/>
+            <pc:sldMk cId="797389041" sldId="264"/>
+            <ac:spMk id="2" creationId="{C1987AB4-C71C-FB71-9EC6-1377EDBE1032}"/>
+          </ac:spMkLst>
+        </pc:spChg>
+        <pc:spChg chg="mod">
+          <ac:chgData name="RAUL ALONSO CALVO" userId="S::raul.alonso@upm.es::7f88ffbc-30bb-4f5f-9cb4-8b3707a1b6f4" providerId="AD" clId="Web-{40D94AAD-EA2F-4BEF-9F67-A6150D49E422}" dt="2022-10-21T08:52:48.800" v="2" actId="1076"/>
+          <ac:spMkLst>
+            <pc:docMk/>
+            <pc:sldMk cId="797389041" sldId="264"/>
+            <ac:spMk id="9" creationId="{F14EF554-1682-25E1-FD13-741D332CD478}"/>
+          </ac:spMkLst>
+        </pc:spChg>
+        <pc:spChg chg="mod">
+          <ac:chgData name="RAUL ALONSO CALVO" userId="S::raul.alonso@upm.es::7f88ffbc-30bb-4f5f-9cb4-8b3707a1b6f4" providerId="AD" clId="Web-{40D94AAD-EA2F-4BEF-9F67-A6150D49E422}" dt="2022-10-21T08:52:48.800" v="3" actId="1076"/>
+          <ac:spMkLst>
+            <pc:docMk/>
+            <pc:sldMk cId="797389041" sldId="264"/>
+            <ac:spMk id="11" creationId="{077316F8-918F-E70D-E40D-918C72908265}"/>
+          </ac:spMkLst>
+        </pc:spChg>
+        <pc:spChg chg="mod">
+          <ac:chgData name="RAUL ALONSO CALVO" userId="S::raul.alonso@upm.es::7f88ffbc-30bb-4f5f-9cb4-8b3707a1b6f4" providerId="AD" clId="Web-{40D94AAD-EA2F-4BEF-9F67-A6150D49E422}" dt="2022-10-21T08:52:48.816" v="4" actId="1076"/>
+          <ac:spMkLst>
+            <pc:docMk/>
+            <pc:sldMk cId="797389041" sldId="264"/>
+            <ac:spMk id="18" creationId="{D1F38418-0247-DC09-BD23-D92661AE9F6D}"/>
+          </ac:spMkLst>
+        </pc:spChg>
+        <pc:spChg chg="mod">
+          <ac:chgData name="RAUL ALONSO CALVO" userId="S::raul.alonso@upm.es::7f88ffbc-30bb-4f5f-9cb4-8b3707a1b6f4" providerId="AD" clId="Web-{40D94AAD-EA2F-4BEF-9F67-A6150D49E422}" dt="2022-10-21T08:52:48.816" v="5" actId="1076"/>
+          <ac:spMkLst>
+            <pc:docMk/>
+            <pc:sldMk cId="797389041" sldId="264"/>
+            <ac:spMk id="30" creationId="{02832659-1318-D0DC-0DBB-369381B130C4}"/>
+          </ac:spMkLst>
+        </pc:spChg>
+        <pc:spChg chg="mod">
+          <ac:chgData name="RAUL ALONSO CALVO" userId="S::raul.alonso@upm.es::7f88ffbc-30bb-4f5f-9cb4-8b3707a1b6f4" providerId="AD" clId="Web-{40D94AAD-EA2F-4BEF-9F67-A6150D49E422}" dt="2022-10-21T08:52:48.831" v="6" actId="1076"/>
+          <ac:spMkLst>
+            <pc:docMk/>
+            <pc:sldMk cId="797389041" sldId="264"/>
+            <ac:spMk id="31" creationId="{8C4A88BC-B992-1000-FB20-5B9B2FE6C19B}"/>
+          </ac:spMkLst>
+        </pc:spChg>
+      </pc:sldChg>
+    </pc:docChg>
+  </pc:docChgLst>
+</pc:chgInfo>
 </file>
 
 <file path=ppt/slideLayouts/slideLayout1.xml><?xml version="1.0" encoding="utf-8"?>
@@ -9745,7 +9837,7 @@
           <a:noFill/>
         </p:spPr>
         <p:txBody>
-          <a:bodyPr wrap="square" rtlCol="0">
+          <a:bodyPr wrap="square" lIns="91440" tIns="45720" rIns="91440" bIns="45720" rtlCol="0" anchor="t">
             <a:spAutoFit/>
           </a:bodyPr>
           <a:lstStyle/>
@@ -9760,11 +9852,11 @@
             </a:r>
             <a:r>
               <a:rPr lang="es-ES" dirty="0"/>
-              <a:t> </a:t>
-            </a:r>
-            <a:r>
-              <a:rPr lang="es-ES" dirty="0" err="1"/>
-              <a:t>erm</a:t>
+              <a:t> </a:t>
+            </a:r>
+            <a:r>
+              <a:rPr lang="es-ES" dirty="0" err="1"/>
+              <a:t>term</a:t>
             </a:r>
             <a:r>
               <a:rPr lang="es-ES" dirty="0"/>
@@ -24677,7 +24769,7 @@
         </p:nvSpPr>
         <p:spPr>
           <a:xfrm>
-            <a:off x="904126" y="453190"/>
+            <a:off x="904126" y="1170366"/>
             <a:ext cx="6852862" cy="369332"/>
           </a:xfrm>
           <a:prstGeom prst="rect">
@@ -24751,7 +24843,7 @@
         </p:nvSpPr>
         <p:spPr>
           <a:xfrm>
-            <a:off x="904126" y="2002876"/>
+            <a:off x="904126" y="2720052"/>
             <a:ext cx="10448818" cy="369332"/>
           </a:xfrm>
           <a:prstGeom prst="rect">
@@ -24828,7 +24920,7 @@
         </p:nvSpPr>
         <p:spPr>
           <a:xfrm>
-            <a:off x="1234614" y="783138"/>
+            <a:off x="1234614" y="1500314"/>
             <a:ext cx="6852862" cy="369332"/>
           </a:xfrm>
           <a:prstGeom prst="rect">
@@ -24886,7 +24978,7 @@
         </p:nvSpPr>
         <p:spPr>
           <a:xfrm>
-            <a:off x="1234614" y="2372208"/>
+            <a:off x="1234614" y="3089384"/>
             <a:ext cx="7195332" cy="646331"/>
           </a:xfrm>
           <a:prstGeom prst="rect">
@@ -24969,7 +25061,7 @@
         </p:nvSpPr>
         <p:spPr>
           <a:xfrm>
-            <a:off x="964059" y="3587130"/>
+            <a:off x="964059" y="4304306"/>
             <a:ext cx="10448818" cy="369332"/>
           </a:xfrm>
           <a:prstGeom prst="rect">
@@ -25026,6 +25118,52 @@
               <a:effectLst/>
               <a:latin typeface="Calibri" panose="020F0502020204030204" pitchFamily="34" charset="0"/>
             </a:endParaRPr>
+          </a:p>
+        </p:txBody>
+      </p:sp>
+      <p:sp>
+        <p:nvSpPr>
+          <p:cNvPr id="2" name="CuadroTexto 1">
+            <a:extLst>
+              <a:ext uri="{FF2B5EF4-FFF2-40B4-BE49-F238E27FC236}">
+                <a16:creationId xmlns:a16="http://schemas.microsoft.com/office/drawing/2014/main" id="{C1987AB4-C71C-FB71-9EC6-1377EDBE1032}"/>
+              </a:ext>
+            </a:extLst>
+          </p:cNvPr>
+          <p:cNvSpPr txBox="1"/>
+          <p:nvPr/>
+        </p:nvSpPr>
+        <p:spPr>
+          <a:xfrm>
+            <a:off x="904126" y="298797"/>
+            <a:ext cx="6852862" cy="369332"/>
+          </a:xfrm>
+          <a:prstGeom prst="rect">
+            <a:avLst/>
+          </a:prstGeom>
+          <a:noFill/>
+        </p:spPr>
+        <p:txBody>
+          <a:bodyPr wrap="square" lIns="91440" tIns="45720" rIns="91440" bIns="45720" anchor="t">
+            <a:spAutoFit/>
+          </a:bodyPr>
+          <a:lstStyle/>
+          <a:p>
+            <a:pPr>
+              <a:defRPr/>
+            </a:pPr>
+            <a:r>
+              <a:rPr lang="en-US" dirty="0">
+                <a:solidFill>
+                  <a:srgbClr val="000000"/>
+                </a:solidFill>
+                <a:latin typeface="Calibri"/>
+                <a:ea typeface="Calibri"/>
+                <a:cs typeface="Calibri"/>
+              </a:rPr>
+              <a:t>FUTURE WORK</a:t>
+            </a:r>
+            <a:endParaRPr lang="es-ES" dirty="0"/>
           </a:p>
         </p:txBody>
       </p:sp>

--- a/datos/matcher_ideas.pptx
+++ b/datos/matcher_ideas.pptx
@@ -124,12 +124,52 @@
 <p1510:revInfo xmlns:a="http://schemas.openxmlformats.org/drawingml/2006/main" xmlns:r="http://schemas.openxmlformats.org/officeDocument/2006/relationships" xmlns:p1510="http://schemas.microsoft.com/office/powerpoint/2015/10/main">
   <p1510:revLst>
     <p1510:client id="{40D94AAD-EA2F-4BEF-9F67-A6150D49E422}" v="24" dt="2022-10-21T08:53:04.379"/>
+    <p1510:client id="{7DB0D614-643F-4BA8-A211-E55F565268B8}" v="28" dt="2022-10-21T09:41:34.692"/>
   </p1510:revLst>
 </p1510:revInfo>
 </file>
 
 <file path=ppt/changesInfos/changesInfo1.xml><?xml version="1.0" encoding="utf-8"?>
 <pc:chgInfo xmlns:a="http://schemas.openxmlformats.org/drawingml/2006/main" xmlns:r="http://schemas.openxmlformats.org/officeDocument/2006/relationships" xmlns:ac="http://schemas.microsoft.com/office/drawing/2013/main/command" xmlns:pc="http://schemas.microsoft.com/office/powerpoint/2013/main/command">
+  <pc:docChgLst>
+    <pc:chgData name="RAUL ALONSO CALVO" userId="S::raul.alonso@upm.es::7f88ffbc-30bb-4f5f-9cb4-8b3707a1b6f4" providerId="AD" clId="Web-{7DB0D614-643F-4BA8-A211-E55F565268B8}"/>
+    <pc:docChg chg="modSld">
+      <pc:chgData name="RAUL ALONSO CALVO" userId="S::raul.alonso@upm.es::7f88ffbc-30bb-4f5f-9cb4-8b3707a1b6f4" providerId="AD" clId="Web-{7DB0D614-643F-4BA8-A211-E55F565268B8}" dt="2022-10-21T09:41:27.379" v="10" actId="20577"/>
+      <pc:docMkLst>
+        <pc:docMk/>
+      </pc:docMkLst>
+      <pc:sldChg chg="modSp">
+        <pc:chgData name="RAUL ALONSO CALVO" userId="S::raul.alonso@upm.es::7f88ffbc-30bb-4f5f-9cb4-8b3707a1b6f4" providerId="AD" clId="Web-{7DB0D614-643F-4BA8-A211-E55F565268B8}" dt="2022-10-21T09:41:22.379" v="9" actId="20577"/>
+        <pc:sldMkLst>
+          <pc:docMk/>
+          <pc:sldMk cId="2458146850" sldId="259"/>
+        </pc:sldMkLst>
+        <pc:spChg chg="mod">
+          <ac:chgData name="RAUL ALONSO CALVO" userId="S::raul.alonso@upm.es::7f88ffbc-30bb-4f5f-9cb4-8b3707a1b6f4" providerId="AD" clId="Web-{7DB0D614-643F-4BA8-A211-E55F565268B8}" dt="2022-10-21T09:41:22.379" v="9" actId="20577"/>
+          <ac:spMkLst>
+            <pc:docMk/>
+            <pc:sldMk cId="2458146850" sldId="259"/>
+            <ac:spMk id="8" creationId="{7656D392-823B-AB5E-DC79-7DA8B3A1DE90}"/>
+          </ac:spMkLst>
+        </pc:spChg>
+      </pc:sldChg>
+      <pc:sldChg chg="modSp">
+        <pc:chgData name="RAUL ALONSO CALVO" userId="S::raul.alonso@upm.es::7f88ffbc-30bb-4f5f-9cb4-8b3707a1b6f4" providerId="AD" clId="Web-{7DB0D614-643F-4BA8-A211-E55F565268B8}" dt="2022-10-21T09:41:27.379" v="10" actId="20577"/>
+        <pc:sldMkLst>
+          <pc:docMk/>
+          <pc:sldMk cId="12107178" sldId="263"/>
+        </pc:sldMkLst>
+        <pc:spChg chg="mod">
+          <ac:chgData name="RAUL ALONSO CALVO" userId="S::raul.alonso@upm.es::7f88ffbc-30bb-4f5f-9cb4-8b3707a1b6f4" providerId="AD" clId="Web-{7DB0D614-643F-4BA8-A211-E55F565268B8}" dt="2022-10-21T09:41:27.379" v="10" actId="20577"/>
+          <ac:spMkLst>
+            <pc:docMk/>
+            <pc:sldMk cId="12107178" sldId="263"/>
+            <ac:spMk id="8" creationId="{7656D392-823B-AB5E-DC79-7DA8B3A1DE90}"/>
+          </ac:spMkLst>
+        </pc:spChg>
+      </pc:sldChg>
+    </pc:docChg>
+  </pc:docChgLst>
   <pc:docChgLst>
     <pc:chgData name="RAUL ALONSO CALVO" userId="S::raul.alonso@upm.es::7f88ffbc-30bb-4f5f-9cb4-8b3707a1b6f4" providerId="AD" clId="Web-{40D94AAD-EA2F-4BEF-9F67-A6150D49E422}"/>
     <pc:docChg chg="modSld">
@@ -17623,7 +17663,7 @@
           <a:noFill/>
         </p:spPr>
         <p:txBody>
-          <a:bodyPr wrap="square">
+          <a:bodyPr wrap="square" lIns="91440" tIns="45720" rIns="91440" bIns="45720" anchor="t">
             <a:spAutoFit/>
           </a:bodyPr>
           <a:lstStyle/>
@@ -17758,7 +17798,7 @@
           <a:p>
             <a:r>
               <a:rPr lang="es-ES" dirty="0"/>
-              <a:t>  </a:t>
+              <a:t>  </a:t>
             </a:r>
             <a:r>
               <a:rPr lang="es-ES" dirty="0" err="1"/>
@@ -17794,7 +17834,7 @@
             </a:r>
             <a:r>
               <a:rPr lang="es-ES" dirty="0" err="1"/>
-              <a:t>searched</a:t>
+              <a:t>found</a:t>
             </a:r>
             <a:r>
               <a:rPr lang="es-ES" dirty="0"/>
@@ -17804,12 +17844,124 @@
               <a:rPr lang="es-ES" dirty="0" err="1"/>
               <a:t>string</a:t>
             </a:r>
+          </a:p>
+          <a:p>
+            <a:r>
+              <a:rPr lang="es-ES" dirty="0"/>
+              <a:t>  </a:t>
+            </a:r>
+            <a:r>
+              <a:rPr lang="es-ES" dirty="0" err="1"/>
+              <a:t>mf</a:t>
+            </a:r>
+            <a:r>
+              <a:rPr lang="es-ES" dirty="0"/>
+              <a:t> = </a:t>
+            </a:r>
+            <a:r>
+              <a:rPr lang="es-ES" dirty="0" err="1"/>
+              <a:t>number</a:t>
+            </a:r>
+            <a:r>
+              <a:rPr lang="es-ES" dirty="0"/>
+              <a:t> </a:t>
+            </a:r>
+            <a:r>
+              <a:rPr lang="es-ES" dirty="0" err="1"/>
+              <a:t>of</a:t>
+            </a:r>
+            <a:r>
+              <a:rPr lang="es-ES" dirty="0"/>
+              <a:t> </a:t>
+            </a:r>
+            <a:r>
+              <a:rPr lang="es-ES" dirty="0" err="1"/>
+              <a:t>lexemes</a:t>
+            </a:r>
+            <a:r>
+              <a:rPr lang="es-ES" dirty="0"/>
+              <a:t> in </a:t>
+            </a:r>
+            <a:r>
+              <a:rPr lang="es-ES" dirty="0" err="1">
+                <a:ea typeface="+mn-lt"/>
+                <a:cs typeface="+mn-lt"/>
+              </a:rPr>
+              <a:t>found</a:t>
+            </a:r>
+            <a:r>
+              <a:rPr lang="es-ES" dirty="0">
+                <a:ea typeface="+mn-lt"/>
+                <a:cs typeface="+mn-lt"/>
+              </a:rPr>
+              <a:t> </a:t>
+            </a:r>
+            <a:r>
+              <a:rPr lang="es-ES" dirty="0" err="1"/>
+              <a:t>string</a:t>
+            </a:r>
+            <a:endParaRPr lang="es-ES" dirty="0" err="1">
+              <a:cs typeface="Calibri"/>
+            </a:endParaRPr>
+          </a:p>
+          <a:p>
             <a:endParaRPr lang="es-ES" dirty="0"/>
           </a:p>
           <a:p>
             <a:r>
               <a:rPr lang="es-ES" dirty="0"/>
-              <a:t>  </a:t>
+              <a:t>  </a:t>
+            </a:r>
+            <a:r>
+              <a:rPr lang="es-ES" dirty="0" err="1"/>
+              <a:t>ri</a:t>
+            </a:r>
+            <a:r>
+              <a:rPr lang="es-ES" dirty="0"/>
+              <a:t> = mi/ni   -&gt; ratio </a:t>
+            </a:r>
+            <a:r>
+              <a:rPr lang="es-ES" dirty="0" err="1"/>
+              <a:t>of</a:t>
+            </a:r>
+            <a:r>
+              <a:rPr lang="es-ES" dirty="0"/>
+              <a:t> </a:t>
+            </a:r>
+            <a:r>
+              <a:rPr lang="es-ES" dirty="0" err="1"/>
+              <a:t>matching</a:t>
+            </a:r>
+            <a:r>
+              <a:rPr lang="es-ES" dirty="0"/>
+              <a:t> </a:t>
+            </a:r>
+            <a:r>
+              <a:rPr lang="es-ES" dirty="0" err="1"/>
+              <a:t>of</a:t>
+            </a:r>
+            <a:r>
+              <a:rPr lang="es-ES" dirty="0"/>
+              <a:t> input </a:t>
+            </a:r>
+            <a:r>
+              <a:rPr lang="es-ES" dirty="0" err="1"/>
+              <a:t>string</a:t>
+            </a:r>
+            <a:endParaRPr lang="es-ES" dirty="0"/>
+          </a:p>
+          <a:p>
+            <a:r>
+              <a:rPr lang="es-ES" dirty="0"/>
+              <a:t>  </a:t>
+            </a:r>
+            <a:r>
+              <a:rPr lang="es-ES" dirty="0" err="1"/>
+              <a:t>rf</a:t>
+            </a:r>
+            <a:r>
+              <a:rPr lang="es-ES" dirty="0"/>
+              <a:t> = </a:t>
             </a:r>
             <a:r>
               <a:rPr lang="es-ES" dirty="0" err="1"/>
@@ -17817,11 +17969,19 @@
             </a:r>
             <a:r>
               <a:rPr lang="es-ES" dirty="0"/>
-              <a:t> = </a:t>
-            </a:r>
-            <a:r>
-              <a:rPr lang="es-ES" dirty="0" err="1"/>
-              <a:t>number</a:t>
+              <a:t>/</a:t>
+            </a:r>
+            <a:r>
+              <a:rPr lang="es-ES" dirty="0" err="1"/>
+              <a:t>nf</a:t>
+            </a:r>
+            <a:r>
+              <a:rPr lang="es-ES" dirty="0"/>
+              <a:t>   -&gt; ratio </a:t>
+            </a:r>
+            <a:r>
+              <a:rPr lang="es-ES" dirty="0" err="1"/>
+              <a:t>of</a:t>
             </a:r>
             <a:r>
               <a:rPr lang="es-ES" dirty="0"/>
@@ -17829,6 +17989,14 @@
             </a:r>
             <a:r>
               <a:rPr lang="es-ES" dirty="0" err="1"/>
+              <a:t>matching</a:t>
+            </a:r>
+            <a:r>
+              <a:rPr lang="es-ES" dirty="0"/>
+              <a:t> </a:t>
+            </a:r>
+            <a:r>
+              <a:rPr lang="es-ES" dirty="0" err="1"/>
               <a:t>of</a:t>
             </a:r>
             <a:r>
@@ -17836,131 +18004,26 @@
               <a:t> </a:t>
             </a:r>
             <a:r>
-              <a:rPr lang="es-ES" dirty="0" err="1"/>
-              <a:t>lexemes</a:t>
-            </a:r>
-            <a:r>
-              <a:rPr lang="es-ES" dirty="0"/>
-              <a:t> in </a:t>
-            </a:r>
-            <a:r>
-              <a:rPr lang="es-ES" dirty="0" err="1"/>
-              <a:t>searched</a:t>
-            </a:r>
-            <a:r>
-              <a:rPr lang="es-ES" dirty="0"/>
-              <a:t> </a:t>
+              <a:rPr lang="es-ES" dirty="0" err="1">
+                <a:ea typeface="+mn-lt"/>
+                <a:cs typeface="+mn-lt"/>
+              </a:rPr>
+              <a:t>found</a:t>
+            </a:r>
+            <a:r>
+              <a:rPr lang="es-ES" dirty="0">
+                <a:ea typeface="+mn-lt"/>
+                <a:cs typeface="+mn-lt"/>
+              </a:rPr>
+              <a:t> </a:t>
             </a:r>
             <a:r>
               <a:rPr lang="es-ES" dirty="0" err="1"/>
               <a:t>string</a:t>
             </a:r>
-            <a:endParaRPr lang="es-ES" dirty="0"/>
-          </a:p>
-          <a:p>
-            <a:endParaRPr lang="es-ES" dirty="0"/>
-          </a:p>
-          <a:p>
-            <a:r>
-              <a:rPr lang="es-ES" dirty="0"/>
-              <a:t>  </a:t>
-            </a:r>
-            <a:r>
-              <a:rPr lang="es-ES" dirty="0" err="1"/>
-              <a:t>ri</a:t>
-            </a:r>
-            <a:r>
-              <a:rPr lang="es-ES" dirty="0"/>
-              <a:t> = mi/ni   -&gt; ratio </a:t>
-            </a:r>
-            <a:r>
-              <a:rPr lang="es-ES" dirty="0" err="1"/>
-              <a:t>of</a:t>
-            </a:r>
-            <a:r>
-              <a:rPr lang="es-ES" dirty="0"/>
-              <a:t> </a:t>
-            </a:r>
-            <a:r>
-              <a:rPr lang="es-ES" dirty="0" err="1"/>
-              <a:t>matchon</a:t>
-            </a:r>
-            <a:r>
-              <a:rPr lang="es-ES" dirty="0"/>
-              <a:t> </a:t>
-            </a:r>
-            <a:r>
-              <a:rPr lang="es-ES" dirty="0" err="1"/>
-              <a:t>of</a:t>
-            </a:r>
-            <a:r>
-              <a:rPr lang="es-ES" dirty="0"/>
-              <a:t> input </a:t>
-            </a:r>
-            <a:r>
-              <a:rPr lang="es-ES" dirty="0" err="1"/>
-              <a:t>string</a:t>
-            </a:r>
-            <a:endParaRPr lang="es-ES" dirty="0"/>
-          </a:p>
-          <a:p>
-            <a:r>
-              <a:rPr lang="es-ES" dirty="0"/>
-              <a:t>  </a:t>
-            </a:r>
-            <a:r>
-              <a:rPr lang="es-ES" dirty="0" err="1"/>
-              <a:t>rf</a:t>
-            </a:r>
-            <a:r>
-              <a:rPr lang="es-ES" dirty="0"/>
-              <a:t> = </a:t>
-            </a:r>
-            <a:r>
-              <a:rPr lang="es-ES" dirty="0" err="1"/>
-              <a:t>mf</a:t>
-            </a:r>
-            <a:r>
-              <a:rPr lang="es-ES" dirty="0"/>
-              <a:t>/</a:t>
-            </a:r>
-            <a:r>
-              <a:rPr lang="es-ES" dirty="0" err="1"/>
-              <a:t>nf</a:t>
-            </a:r>
-            <a:r>
-              <a:rPr lang="es-ES" dirty="0"/>
-              <a:t>   -&gt; ratio </a:t>
-            </a:r>
-            <a:r>
-              <a:rPr lang="es-ES" dirty="0" err="1"/>
-              <a:t>of</a:t>
-            </a:r>
-            <a:r>
-              <a:rPr lang="es-ES" dirty="0"/>
-              <a:t> </a:t>
-            </a:r>
-            <a:r>
-              <a:rPr lang="es-ES" dirty="0" err="1"/>
-              <a:t>matchon</a:t>
-            </a:r>
-            <a:r>
-              <a:rPr lang="es-ES" dirty="0"/>
-              <a:t> </a:t>
-            </a:r>
-            <a:r>
-              <a:rPr lang="es-ES" dirty="0" err="1"/>
-              <a:t>of</a:t>
-            </a:r>
-            <a:r>
-              <a:rPr lang="es-ES" dirty="0"/>
-              <a:t> input </a:t>
-            </a:r>
-            <a:r>
-              <a:rPr lang="es-ES" dirty="0" err="1"/>
-              <a:t>string</a:t>
-            </a:r>
-            <a:endParaRPr lang="es-ES" dirty="0"/>
+            <a:endParaRPr lang="es-ES" dirty="0" err="1">
+              <a:cs typeface="Calibri"/>
+            </a:endParaRPr>
           </a:p>
         </p:txBody>
       </p:sp>
@@ -20647,344 +20710,501 @@
           <a:noFill/>
         </p:spPr>
         <p:txBody>
-          <a:bodyPr wrap="square">
+          <a:bodyPr wrap="square" lIns="91440" tIns="45720" rIns="91440" bIns="45720" anchor="t">
             <a:spAutoFit/>
           </a:bodyPr>
           <a:lstStyle/>
           <a:p>
             <a:r>
-              <a:rPr lang="es-ES" dirty="0" err="1"/>
+              <a:rPr lang="es-ES" dirty="0" err="1">
+                <a:ea typeface="+mn-lt"/>
+                <a:cs typeface="+mn-lt"/>
+              </a:rPr>
               <a:t>Scoring</a:t>
             </a:r>
             <a:r>
-              <a:rPr lang="es-ES" dirty="0"/>
-              <a:t> </a:t>
-            </a:r>
-            <a:r>
-              <a:rPr lang="es-ES" dirty="0" err="1"/>
+              <a:rPr lang="es-ES" dirty="0">
+                <a:ea typeface="+mn-lt"/>
+                <a:cs typeface="+mn-lt"/>
+              </a:rPr>
+              <a:t> </a:t>
+            </a:r>
+            <a:r>
+              <a:rPr lang="es-ES" dirty="0" err="1">
+                <a:ea typeface="+mn-lt"/>
+                <a:cs typeface="+mn-lt"/>
+              </a:rPr>
               <a:t>for</a:t>
             </a:r>
             <a:r>
-              <a:rPr lang="es-ES" dirty="0"/>
-              <a:t> </a:t>
-            </a:r>
-            <a:r>
-              <a:rPr lang="es-ES" dirty="0" err="1"/>
+              <a:rPr lang="es-ES" dirty="0">
+                <a:ea typeface="+mn-lt"/>
+                <a:cs typeface="+mn-lt"/>
+              </a:rPr>
+              <a:t> </a:t>
+            </a:r>
+            <a:r>
+              <a:rPr lang="es-ES" dirty="0" err="1">
+                <a:ea typeface="+mn-lt"/>
+                <a:cs typeface="+mn-lt"/>
+              </a:rPr>
               <a:t>each</a:t>
             </a:r>
             <a:r>
-              <a:rPr lang="es-ES" dirty="0"/>
-              <a:t> match in foodex2 </a:t>
-            </a:r>
-            <a:r>
-              <a:rPr lang="es-ES" dirty="0" err="1"/>
+              <a:rPr lang="es-ES" dirty="0">
+                <a:ea typeface="+mn-lt"/>
+                <a:cs typeface="+mn-lt"/>
+              </a:rPr>
+              <a:t> match in foodex2 </a:t>
+            </a:r>
+            <a:r>
+              <a:rPr lang="es-ES" dirty="0" err="1">
+                <a:ea typeface="+mn-lt"/>
+                <a:cs typeface="+mn-lt"/>
+              </a:rPr>
               <a:t>facet</a:t>
             </a:r>
             <a:r>
-              <a:rPr lang="es-ES" dirty="0"/>
-              <a:t> </a:t>
-            </a:r>
-            <a:r>
-              <a:rPr lang="es-ES" dirty="0" err="1"/>
+              <a:rPr lang="es-ES" dirty="0">
+                <a:ea typeface="+mn-lt"/>
+                <a:cs typeface="+mn-lt"/>
+              </a:rPr>
+              <a:t> </a:t>
+            </a:r>
+            <a:r>
+              <a:rPr lang="es-ES" dirty="0" err="1">
+                <a:ea typeface="+mn-lt"/>
+                <a:cs typeface="+mn-lt"/>
+              </a:rPr>
               <a:t>involves</a:t>
             </a:r>
             <a:r>
-              <a:rPr lang="es-ES" dirty="0"/>
+              <a:rPr lang="es-ES" dirty="0">
+                <a:ea typeface="+mn-lt"/>
+                <a:cs typeface="+mn-lt"/>
+              </a:rPr>
               <a:t>:</a:t>
             </a:r>
-          </a:p>
-          <a:p>
-            <a:r>
-              <a:rPr lang="es-ES" dirty="0"/>
-              <a:t>  ni = </a:t>
-            </a:r>
-            <a:r>
-              <a:rPr lang="es-ES" dirty="0" err="1"/>
+            <a:endParaRPr lang="en-US" dirty="0">
+              <a:ea typeface="+mn-lt"/>
+              <a:cs typeface="+mn-lt"/>
+            </a:endParaRPr>
+          </a:p>
+          <a:p>
+            <a:r>
+              <a:rPr lang="es-ES" dirty="0">
+                <a:ea typeface="+mn-lt"/>
+                <a:cs typeface="+mn-lt"/>
+              </a:rPr>
+              <a:t>  ni = </a:t>
+            </a:r>
+            <a:r>
+              <a:rPr lang="es-ES" dirty="0" err="1">
+                <a:ea typeface="+mn-lt"/>
+                <a:cs typeface="+mn-lt"/>
+              </a:rPr>
               <a:t>number</a:t>
             </a:r>
             <a:r>
-              <a:rPr lang="es-ES" dirty="0"/>
-              <a:t> </a:t>
-            </a:r>
-            <a:r>
-              <a:rPr lang="es-ES" dirty="0" err="1"/>
+              <a:rPr lang="es-ES" dirty="0">
+                <a:ea typeface="+mn-lt"/>
+                <a:cs typeface="+mn-lt"/>
+              </a:rPr>
+              <a:t> </a:t>
+            </a:r>
+            <a:r>
+              <a:rPr lang="es-ES" dirty="0" err="1">
+                <a:ea typeface="+mn-lt"/>
+                <a:cs typeface="+mn-lt"/>
+              </a:rPr>
               <a:t>of</a:t>
             </a:r>
             <a:r>
-              <a:rPr lang="es-ES" dirty="0"/>
-              <a:t> </a:t>
-            </a:r>
-            <a:r>
-              <a:rPr lang="es-ES" dirty="0" err="1"/>
+              <a:rPr lang="es-ES" dirty="0">
+                <a:ea typeface="+mn-lt"/>
+                <a:cs typeface="+mn-lt"/>
+              </a:rPr>
+              <a:t> </a:t>
+            </a:r>
+            <a:r>
+              <a:rPr lang="es-ES" dirty="0" err="1">
+                <a:ea typeface="+mn-lt"/>
+                <a:cs typeface="+mn-lt"/>
+              </a:rPr>
               <a:t>lexemes</a:t>
             </a:r>
             <a:r>
-              <a:rPr lang="es-ES" dirty="0"/>
-              <a:t> in </a:t>
-            </a:r>
-            <a:r>
-              <a:rPr lang="es-ES" dirty="0" err="1"/>
+              <a:rPr lang="es-ES" dirty="0">
+                <a:ea typeface="+mn-lt"/>
+                <a:cs typeface="+mn-lt"/>
+              </a:rPr>
+              <a:t> in </a:t>
+            </a:r>
+            <a:r>
+              <a:rPr lang="es-ES" dirty="0" err="1">
+                <a:ea typeface="+mn-lt"/>
+                <a:cs typeface="+mn-lt"/>
+              </a:rPr>
               <a:t>searched</a:t>
             </a:r>
             <a:r>
-              <a:rPr lang="es-ES" dirty="0"/>
-              <a:t> </a:t>
-            </a:r>
-            <a:r>
-              <a:rPr lang="es-ES" dirty="0" err="1"/>
+              <a:rPr lang="es-ES" dirty="0">
+                <a:ea typeface="+mn-lt"/>
+                <a:cs typeface="+mn-lt"/>
+              </a:rPr>
+              <a:t> </a:t>
+            </a:r>
+            <a:r>
+              <a:rPr lang="es-ES" dirty="0" err="1">
+                <a:ea typeface="+mn-lt"/>
+                <a:cs typeface="+mn-lt"/>
+              </a:rPr>
               <a:t>string</a:t>
             </a:r>
-            <a:endParaRPr lang="es-ES" dirty="0"/>
-          </a:p>
-          <a:p>
-            <a:r>
-              <a:rPr lang="es-ES" dirty="0"/>
-              <a:t>  mi = </a:t>
-            </a:r>
-            <a:r>
-              <a:rPr lang="es-ES" dirty="0" err="1"/>
+          </a:p>
+          <a:p>
+            <a:r>
+              <a:rPr lang="es-ES" dirty="0">
+                <a:ea typeface="+mn-lt"/>
+                <a:cs typeface="+mn-lt"/>
+              </a:rPr>
+              <a:t>  mi = </a:t>
+            </a:r>
+            <a:r>
+              <a:rPr lang="es-ES" dirty="0" err="1">
+                <a:ea typeface="+mn-lt"/>
+                <a:cs typeface="+mn-lt"/>
+              </a:rPr>
               <a:t>number</a:t>
             </a:r>
             <a:r>
-              <a:rPr lang="es-ES" dirty="0"/>
-              <a:t> </a:t>
-            </a:r>
-            <a:r>
-              <a:rPr lang="es-ES" dirty="0" err="1"/>
+              <a:rPr lang="es-ES" dirty="0">
+                <a:ea typeface="+mn-lt"/>
+                <a:cs typeface="+mn-lt"/>
+              </a:rPr>
+              <a:t> </a:t>
+            </a:r>
+            <a:r>
+              <a:rPr lang="es-ES" dirty="0" err="1">
+                <a:ea typeface="+mn-lt"/>
+                <a:cs typeface="+mn-lt"/>
+              </a:rPr>
               <a:t>of</a:t>
             </a:r>
             <a:r>
-              <a:rPr lang="es-ES" dirty="0"/>
-              <a:t> </a:t>
-            </a:r>
-            <a:r>
-              <a:rPr lang="es-ES" dirty="0" err="1"/>
+              <a:rPr lang="es-ES" dirty="0">
+                <a:ea typeface="+mn-lt"/>
+                <a:cs typeface="+mn-lt"/>
+              </a:rPr>
+              <a:t> </a:t>
+            </a:r>
+            <a:r>
+              <a:rPr lang="es-ES" dirty="0" err="1">
+                <a:ea typeface="+mn-lt"/>
+                <a:cs typeface="+mn-lt"/>
+              </a:rPr>
               <a:t>lexemes</a:t>
             </a:r>
             <a:r>
-              <a:rPr lang="es-ES" dirty="0"/>
-              <a:t> in </a:t>
-            </a:r>
-            <a:r>
-              <a:rPr lang="es-ES" dirty="0" err="1"/>
+              <a:rPr lang="es-ES" dirty="0">
+                <a:ea typeface="+mn-lt"/>
+                <a:cs typeface="+mn-lt"/>
+              </a:rPr>
+              <a:t> in </a:t>
+            </a:r>
+            <a:r>
+              <a:rPr lang="es-ES" dirty="0" err="1">
+                <a:ea typeface="+mn-lt"/>
+                <a:cs typeface="+mn-lt"/>
+              </a:rPr>
               <a:t>searched</a:t>
             </a:r>
             <a:r>
-              <a:rPr lang="es-ES" dirty="0"/>
-              <a:t> </a:t>
-            </a:r>
-            <a:r>
-              <a:rPr lang="es-ES" dirty="0" err="1"/>
+              <a:rPr lang="es-ES" dirty="0">
+                <a:ea typeface="+mn-lt"/>
+                <a:cs typeface="+mn-lt"/>
+              </a:rPr>
+              <a:t> </a:t>
+            </a:r>
+            <a:r>
+              <a:rPr lang="es-ES" dirty="0" err="1">
+                <a:ea typeface="+mn-lt"/>
+                <a:cs typeface="+mn-lt"/>
+              </a:rPr>
               <a:t>string</a:t>
             </a:r>
-            <a:endParaRPr lang="es-ES" dirty="0"/>
-          </a:p>
-          <a:p>
-            <a:r>
-              <a:rPr lang="es-ES" dirty="0"/>
-              <a:t>  </a:t>
-            </a:r>
-            <a:r>
-              <a:rPr lang="es-ES" dirty="0" err="1"/>
+          </a:p>
+          <a:p>
+            <a:r>
+              <a:rPr lang="es-ES" dirty="0">
+                <a:ea typeface="+mn-lt"/>
+                <a:cs typeface="+mn-lt"/>
+              </a:rPr>
+              <a:t>  </a:t>
+            </a:r>
+            <a:r>
+              <a:rPr lang="es-ES" dirty="0" err="1">
+                <a:ea typeface="+mn-lt"/>
+                <a:cs typeface="+mn-lt"/>
+              </a:rPr>
               <a:t>nf</a:t>
             </a:r>
             <a:r>
-              <a:rPr lang="es-ES" dirty="0"/>
-              <a:t> = </a:t>
-            </a:r>
-            <a:r>
-              <a:rPr lang="es-ES" dirty="0" err="1"/>
+              <a:rPr lang="es-ES" dirty="0">
+                <a:ea typeface="+mn-lt"/>
+                <a:cs typeface="+mn-lt"/>
+              </a:rPr>
+              <a:t> = </a:t>
+            </a:r>
+            <a:r>
+              <a:rPr lang="es-ES" dirty="0" err="1">
+                <a:ea typeface="+mn-lt"/>
+                <a:cs typeface="+mn-lt"/>
+              </a:rPr>
               <a:t>number</a:t>
             </a:r>
             <a:r>
-              <a:rPr lang="es-ES" dirty="0"/>
-              <a:t> </a:t>
-            </a:r>
-            <a:r>
-              <a:rPr lang="es-ES" dirty="0" err="1"/>
+              <a:rPr lang="es-ES" dirty="0">
+                <a:ea typeface="+mn-lt"/>
+                <a:cs typeface="+mn-lt"/>
+              </a:rPr>
+              <a:t> </a:t>
+            </a:r>
+            <a:r>
+              <a:rPr lang="es-ES" dirty="0" err="1">
+                <a:ea typeface="+mn-lt"/>
+                <a:cs typeface="+mn-lt"/>
+              </a:rPr>
               <a:t>of</a:t>
             </a:r>
             <a:r>
-              <a:rPr lang="es-ES" dirty="0"/>
-              <a:t> </a:t>
-            </a:r>
-            <a:r>
-              <a:rPr lang="es-ES" dirty="0" err="1"/>
+              <a:rPr lang="es-ES" dirty="0">
+                <a:ea typeface="+mn-lt"/>
+                <a:cs typeface="+mn-lt"/>
+              </a:rPr>
+              <a:t> </a:t>
+            </a:r>
+            <a:r>
+              <a:rPr lang="es-ES" dirty="0" err="1">
+                <a:ea typeface="+mn-lt"/>
+                <a:cs typeface="+mn-lt"/>
+              </a:rPr>
               <a:t>lexemes</a:t>
             </a:r>
             <a:r>
-              <a:rPr lang="es-ES" dirty="0"/>
-              <a:t> in </a:t>
-            </a:r>
-            <a:r>
-              <a:rPr lang="es-ES" dirty="0" err="1"/>
-              <a:t>searched</a:t>
-            </a:r>
-            <a:r>
-              <a:rPr lang="es-ES" dirty="0"/>
-              <a:t> </a:t>
-            </a:r>
-            <a:r>
-              <a:rPr lang="es-ES" dirty="0" err="1"/>
+              <a:rPr lang="es-ES" dirty="0">
+                <a:ea typeface="+mn-lt"/>
+                <a:cs typeface="+mn-lt"/>
+              </a:rPr>
+              <a:t> in </a:t>
+            </a:r>
+            <a:r>
+              <a:rPr lang="es-ES" dirty="0" err="1">
+                <a:ea typeface="+mn-lt"/>
+                <a:cs typeface="+mn-lt"/>
+              </a:rPr>
+              <a:t>found</a:t>
+            </a:r>
+            <a:r>
+              <a:rPr lang="es-ES" dirty="0">
+                <a:ea typeface="+mn-lt"/>
+                <a:cs typeface="+mn-lt"/>
+              </a:rPr>
+              <a:t> </a:t>
+            </a:r>
+            <a:r>
+              <a:rPr lang="es-ES" dirty="0" err="1">
+                <a:ea typeface="+mn-lt"/>
+                <a:cs typeface="+mn-lt"/>
+              </a:rPr>
               <a:t>string</a:t>
             </a:r>
-            <a:endParaRPr lang="es-ES" dirty="0"/>
-          </a:p>
-          <a:p>
-            <a:r>
-              <a:rPr lang="es-ES" dirty="0"/>
-              <a:t>  </a:t>
-            </a:r>
-            <a:r>
-              <a:rPr lang="es-ES" dirty="0" err="1"/>
+            <a:endParaRPr lang="es-ES" dirty="0">
+              <a:ea typeface="+mn-lt"/>
+              <a:cs typeface="+mn-lt"/>
+            </a:endParaRPr>
+          </a:p>
+          <a:p>
+            <a:r>
+              <a:rPr lang="es-ES" dirty="0">
+                <a:ea typeface="+mn-lt"/>
+                <a:cs typeface="+mn-lt"/>
+              </a:rPr>
+              <a:t>  </a:t>
+            </a:r>
+            <a:r>
+              <a:rPr lang="es-ES" dirty="0" err="1">
+                <a:ea typeface="+mn-lt"/>
+                <a:cs typeface="+mn-lt"/>
+              </a:rPr>
               <a:t>mf</a:t>
             </a:r>
             <a:r>
-              <a:rPr lang="es-ES" dirty="0"/>
-              <a:t> = </a:t>
-            </a:r>
-            <a:r>
-              <a:rPr lang="es-ES" dirty="0" err="1"/>
+              <a:rPr lang="es-ES" dirty="0">
+                <a:ea typeface="+mn-lt"/>
+                <a:cs typeface="+mn-lt"/>
+              </a:rPr>
+              <a:t> = </a:t>
+            </a:r>
+            <a:r>
+              <a:rPr lang="es-ES" dirty="0" err="1">
+                <a:ea typeface="+mn-lt"/>
+                <a:cs typeface="+mn-lt"/>
+              </a:rPr>
               <a:t>number</a:t>
             </a:r>
             <a:r>
-              <a:rPr lang="es-ES" dirty="0"/>
-              <a:t> </a:t>
-            </a:r>
-            <a:r>
-              <a:rPr lang="es-ES" dirty="0" err="1"/>
+              <a:rPr lang="es-ES" dirty="0">
+                <a:ea typeface="+mn-lt"/>
+                <a:cs typeface="+mn-lt"/>
+              </a:rPr>
+              <a:t> </a:t>
+            </a:r>
+            <a:r>
+              <a:rPr lang="es-ES" dirty="0" err="1">
+                <a:ea typeface="+mn-lt"/>
+                <a:cs typeface="+mn-lt"/>
+              </a:rPr>
               <a:t>of</a:t>
             </a:r>
             <a:r>
-              <a:rPr lang="es-ES" dirty="0"/>
-              <a:t> </a:t>
-            </a:r>
-            <a:r>
-              <a:rPr lang="es-ES" dirty="0" err="1"/>
+              <a:rPr lang="es-ES" dirty="0">
+                <a:ea typeface="+mn-lt"/>
+                <a:cs typeface="+mn-lt"/>
+              </a:rPr>
+              <a:t> </a:t>
+            </a:r>
+            <a:r>
+              <a:rPr lang="es-ES" dirty="0" err="1">
+                <a:ea typeface="+mn-lt"/>
+                <a:cs typeface="+mn-lt"/>
+              </a:rPr>
               <a:t>lexemes</a:t>
             </a:r>
             <a:r>
-              <a:rPr lang="es-ES" dirty="0"/>
-              <a:t> in </a:t>
-            </a:r>
-            <a:r>
-              <a:rPr lang="es-ES" dirty="0" err="1"/>
-              <a:t>searched</a:t>
-            </a:r>
-            <a:r>
-              <a:rPr lang="es-ES" dirty="0"/>
-              <a:t> </a:t>
-            </a:r>
-            <a:r>
-              <a:rPr lang="es-ES" dirty="0" err="1"/>
+              <a:rPr lang="es-ES" dirty="0">
+                <a:ea typeface="+mn-lt"/>
+                <a:cs typeface="+mn-lt"/>
+              </a:rPr>
+              <a:t> in </a:t>
+            </a:r>
+            <a:r>
+              <a:rPr lang="es-ES" dirty="0" err="1"/>
+              <a:t>found</a:t>
+            </a:r>
+            <a:r>
+              <a:rPr lang="es-ES" dirty="0"/>
+              <a:t> </a:t>
+            </a:r>
+            <a:r>
+              <a:rPr lang="es-ES" dirty="0" err="1">
+                <a:ea typeface="+mn-lt"/>
+                <a:cs typeface="+mn-lt"/>
+              </a:rPr>
               <a:t>string</a:t>
             </a:r>
-            <a:endParaRPr lang="es-ES" dirty="0"/>
-          </a:p>
-          <a:p>
-            <a:endParaRPr lang="es-ES" dirty="0"/>
-          </a:p>
-          <a:p>
-            <a:r>
-              <a:rPr lang="es-ES" dirty="0"/>
-              <a:t>  </a:t>
-            </a:r>
-            <a:r>
-              <a:rPr lang="es-ES" dirty="0" err="1"/>
+            <a:endParaRPr lang="en-US" dirty="0" err="1">
+              <a:ea typeface="+mn-lt"/>
+              <a:cs typeface="+mn-lt"/>
+            </a:endParaRPr>
+          </a:p>
+          <a:p>
+            <a:endParaRPr lang="es-ES" dirty="0">
+              <a:ea typeface="+mn-lt"/>
+              <a:cs typeface="+mn-lt"/>
+            </a:endParaRPr>
+          </a:p>
+          <a:p>
+            <a:r>
+              <a:rPr lang="es-ES" dirty="0">
+                <a:ea typeface="+mn-lt"/>
+                <a:cs typeface="+mn-lt"/>
+              </a:rPr>
+              <a:t>  </a:t>
+            </a:r>
+            <a:r>
+              <a:rPr lang="es-ES" dirty="0" err="1">
+                <a:ea typeface="+mn-lt"/>
+                <a:cs typeface="+mn-lt"/>
+              </a:rPr>
               <a:t>ri</a:t>
             </a:r>
             <a:r>
-              <a:rPr lang="es-ES" dirty="0"/>
-              <a:t> = mi/ni   -&gt; ratio </a:t>
-            </a:r>
-            <a:r>
-              <a:rPr lang="es-ES" dirty="0" err="1"/>
+              <a:rPr lang="es-ES" dirty="0">
+                <a:ea typeface="+mn-lt"/>
+                <a:cs typeface="+mn-lt"/>
+              </a:rPr>
+              <a:t> = mi/ni   -&gt; ratio </a:t>
+            </a:r>
+            <a:r>
+              <a:rPr lang="es-ES" dirty="0" err="1">
+                <a:ea typeface="+mn-lt"/>
+                <a:cs typeface="+mn-lt"/>
+              </a:rPr>
               <a:t>of</a:t>
             </a:r>
             <a:r>
-              <a:rPr lang="es-ES" dirty="0"/>
-              <a:t> </a:t>
-            </a:r>
-            <a:r>
-              <a:rPr lang="es-ES" dirty="0" err="1"/>
-              <a:t>matchon</a:t>
-            </a:r>
-            <a:r>
-              <a:rPr lang="es-ES" dirty="0"/>
-              <a:t> </a:t>
-            </a:r>
-            <a:r>
-              <a:rPr lang="es-ES" dirty="0" err="1"/>
+              <a:rPr lang="es-ES" dirty="0">
+                <a:ea typeface="+mn-lt"/>
+                <a:cs typeface="+mn-lt"/>
+              </a:rPr>
+              <a:t> </a:t>
+            </a:r>
+            <a:r>
+              <a:rPr lang="es-ES" dirty="0" err="1">
+                <a:ea typeface="+mn-lt"/>
+                <a:cs typeface="+mn-lt"/>
+              </a:rPr>
+              <a:t>matching</a:t>
+            </a:r>
+            <a:r>
+              <a:rPr lang="es-ES" dirty="0">
+                <a:ea typeface="+mn-lt"/>
+                <a:cs typeface="+mn-lt"/>
+              </a:rPr>
+              <a:t> </a:t>
+            </a:r>
+            <a:r>
+              <a:rPr lang="es-ES" dirty="0" err="1">
+                <a:ea typeface="+mn-lt"/>
+                <a:cs typeface="+mn-lt"/>
+              </a:rPr>
               <a:t>of</a:t>
             </a:r>
             <a:r>
-              <a:rPr lang="es-ES" dirty="0"/>
-              <a:t> input </a:t>
-            </a:r>
-            <a:r>
-              <a:rPr lang="es-ES" dirty="0" err="1"/>
+              <a:rPr lang="es-ES" dirty="0">
+                <a:ea typeface="+mn-lt"/>
+                <a:cs typeface="+mn-lt"/>
+              </a:rPr>
+              <a:t> input </a:t>
+            </a:r>
+            <a:r>
+              <a:rPr lang="es-ES" dirty="0" err="1">
+                <a:ea typeface="+mn-lt"/>
+                <a:cs typeface="+mn-lt"/>
+              </a:rPr>
               <a:t>string</a:t>
             </a:r>
-            <a:endParaRPr lang="es-ES" dirty="0"/>
-          </a:p>
-          <a:p>
-            <a:r>
-              <a:rPr lang="es-ES" dirty="0"/>
-              <a:t>  </a:t>
-            </a:r>
-            <a:r>
-              <a:rPr lang="es-ES" dirty="0" err="1"/>
-              <a:t>rf</a:t>
-            </a:r>
-            <a:r>
-              <a:rPr lang="es-ES" dirty="0"/>
-              <a:t> = </a:t>
-            </a:r>
-            <a:r>
-              <a:rPr lang="es-ES" dirty="0" err="1"/>
-              <a:t>mf</a:t>
-            </a:r>
-            <a:r>
-              <a:rPr lang="es-ES" dirty="0"/>
-              <a:t>/</a:t>
-            </a:r>
-            <a:r>
-              <a:rPr lang="es-ES" dirty="0" err="1"/>
-              <a:t>nf</a:t>
-            </a:r>
-            <a:r>
-              <a:rPr lang="es-ES" dirty="0"/>
-              <a:t>   -&gt; ratio </a:t>
-            </a:r>
-            <a:r>
-              <a:rPr lang="es-ES" dirty="0" err="1"/>
-              <a:t>of</a:t>
-            </a:r>
-            <a:r>
-              <a:rPr lang="es-ES" dirty="0"/>
-              <a:t> </a:t>
-            </a:r>
-            <a:r>
-              <a:rPr lang="es-ES" dirty="0" err="1"/>
-              <a:t>matchon</a:t>
-            </a:r>
-            <a:r>
-              <a:rPr lang="es-ES" dirty="0"/>
-              <a:t> </a:t>
-            </a:r>
-            <a:r>
-              <a:rPr lang="es-ES" dirty="0" err="1"/>
-              <a:t>of</a:t>
-            </a:r>
-            <a:r>
-              <a:rPr lang="es-ES" dirty="0"/>
-              <a:t> input </a:t>
-            </a:r>
-            <a:r>
-              <a:rPr lang="es-ES" dirty="0" err="1"/>
+          </a:p>
+          <a:p>
+            <a:r>
+              <a:rPr lang="es-ES">
+                <a:ea typeface="+mn-lt"/>
+                <a:cs typeface="+mn-lt"/>
+              </a:rPr>
+              <a:t>  rf = mf/nf   -&gt; ratio of matching of </a:t>
+            </a:r>
+            <a:r>
+              <a:rPr lang="es-ES"/>
+              <a:t>found </a:t>
+            </a:r>
+            <a:r>
+              <a:rPr lang="es-ES">
+                <a:ea typeface="+mn-lt"/>
+                <a:cs typeface="+mn-lt"/>
+              </a:rPr>
               <a:t>string</a:t>
             </a:r>
-            <a:endParaRPr lang="es-ES" dirty="0"/>
           </a:p>
         </p:txBody>
       </p:sp>

--- a/datos/matcher_ideas.pptx
+++ b/datos/matcher_ideas.pptx
@@ -13,7 +13,12 @@
     <p:sldId id="259" r:id="rId7"/>
     <p:sldId id="263" r:id="rId8"/>
     <p:sldId id="261" r:id="rId9"/>
-    <p:sldId id="264" r:id="rId10"/>
+    <p:sldId id="266" r:id="rId10"/>
+    <p:sldId id="265" r:id="rId11"/>
+    <p:sldId id="267" r:id="rId12"/>
+    <p:sldId id="268" r:id="rId13"/>
+    <p:sldId id="269" r:id="rId14"/>
+    <p:sldId id="264" r:id="rId15"/>
   </p:sldIdLst>
   <p:sldSz cx="12192000" cy="6858000"/>
   <p:notesSz cx="6858000" cy="9144000"/>
@@ -5675,6 +5680,5254 @@
 </p:sld>
 </file>
 
+<file path=ppt/slides/slide10.xml><?xml version="1.0" encoding="utf-8"?>
+<p:sld xmlns:a="http://schemas.openxmlformats.org/drawingml/2006/main" xmlns:r="http://schemas.openxmlformats.org/officeDocument/2006/relationships" xmlns:p="http://schemas.openxmlformats.org/presentationml/2006/main">
+  <p:cSld>
+    <p:spTree>
+      <p:nvGrpSpPr>
+        <p:cNvPr id="1" name=""/>
+        <p:cNvGrpSpPr/>
+        <p:nvPr/>
+      </p:nvGrpSpPr>
+      <p:grpSpPr>
+        <a:xfrm>
+          <a:off x="0" y="0"/>
+          <a:ext cx="0" cy="0"/>
+          <a:chOff x="0" y="0"/>
+          <a:chExt cx="0" cy="0"/>
+        </a:xfrm>
+      </p:grpSpPr>
+      <p:sp>
+        <p:nvSpPr>
+          <p:cNvPr id="81" name="CuadroTexto 80">
+            <a:extLst>
+              <a:ext uri="{FF2B5EF4-FFF2-40B4-BE49-F238E27FC236}">
+                <a16:creationId xmlns:a16="http://schemas.microsoft.com/office/drawing/2014/main" id="{F5A0E246-5EFB-6CAA-3BC3-F0CE019FE07C}"/>
+              </a:ext>
+            </a:extLst>
+          </p:cNvPr>
+          <p:cNvSpPr txBox="1"/>
+          <p:nvPr/>
+        </p:nvSpPr>
+        <p:spPr>
+          <a:xfrm>
+            <a:off x="480186" y="288589"/>
+            <a:ext cx="4918884" cy="369332"/>
+          </a:xfrm>
+          <a:prstGeom prst="rect">
+            <a:avLst/>
+          </a:prstGeom>
+          <a:noFill/>
+        </p:spPr>
+        <p:txBody>
+          <a:bodyPr wrap="square">
+            <a:spAutoFit/>
+          </a:bodyPr>
+          <a:lstStyle/>
+          <a:p>
+            <a:r>
+              <a:rPr lang="es-ES" dirty="0"/>
+              <a:t>Compute ni, mi, </a:t>
+            </a:r>
+            <a:r>
+              <a:rPr lang="es-ES" dirty="0" err="1"/>
+              <a:t>nf</a:t>
+            </a:r>
+            <a:r>
+              <a:rPr lang="es-ES" dirty="0"/>
+              <a:t> and </a:t>
+            </a:r>
+            <a:r>
+              <a:rPr lang="es-ES" dirty="0" err="1"/>
+              <a:t>mf</a:t>
+            </a:r>
+            <a:r>
+              <a:rPr lang="es-ES" dirty="0"/>
+              <a:t> </a:t>
+            </a:r>
+            <a:r>
+              <a:rPr lang="es-ES" dirty="0" err="1"/>
+              <a:t>for</a:t>
+            </a:r>
+            <a:r>
+              <a:rPr lang="es-ES" dirty="0"/>
+              <a:t> </a:t>
+            </a:r>
+            <a:r>
+              <a:rPr lang="es-ES" dirty="0" err="1"/>
+              <a:t>each</a:t>
+            </a:r>
+            <a:r>
+              <a:rPr lang="es-ES" dirty="0"/>
+              <a:t> match</a:t>
+            </a:r>
+          </a:p>
+        </p:txBody>
+      </p:sp>
+      <p:graphicFrame>
+        <p:nvGraphicFramePr>
+          <p:cNvPr id="84" name="Tabla 84">
+            <a:extLst>
+              <a:ext uri="{FF2B5EF4-FFF2-40B4-BE49-F238E27FC236}">
+                <a16:creationId xmlns:a16="http://schemas.microsoft.com/office/drawing/2014/main" id="{44A841D1-E709-9002-488C-8516DA18327C}"/>
+              </a:ext>
+            </a:extLst>
+          </p:cNvPr>
+          <p:cNvGraphicFramePr>
+            <a:graphicFrameLocks noGrp="1"/>
+          </p:cNvGraphicFramePr>
+          <p:nvPr>
+            <p:extLst>
+              <p:ext uri="{D42A27DB-BD31-4B8C-83A1-F6EECF244321}">
+                <p14:modId xmlns:p14="http://schemas.microsoft.com/office/powerpoint/2010/main" val="3903136495"/>
+              </p:ext>
+            </p:extLst>
+          </p:nvPr>
+        </p:nvGraphicFramePr>
+        <p:xfrm>
+          <a:off x="945222" y="955871"/>
+          <a:ext cx="9965933" cy="2936045"/>
+        </p:xfrm>
+        <a:graphic>
+          <a:graphicData uri="http://schemas.openxmlformats.org/drawingml/2006/table">
+            <a:tbl>
+              <a:tblPr firstRow="1" bandRow="1">
+                <a:tableStyleId>{5C22544A-7EE6-4342-B048-85BDC9FD1C3A}</a:tableStyleId>
+              </a:tblPr>
+              <a:tblGrid>
+                <a:gridCol w="2167848">
+                  <a:extLst>
+                    <a:ext uri="{9D8B030D-6E8A-4147-A177-3AD203B41FA5}">
+                      <a16:colId xmlns:a16="http://schemas.microsoft.com/office/drawing/2014/main" val="2323036827"/>
+                    </a:ext>
+                  </a:extLst>
+                </a:gridCol>
+                <a:gridCol w="785973">
+                  <a:extLst>
+                    <a:ext uri="{9D8B030D-6E8A-4147-A177-3AD203B41FA5}">
+                      <a16:colId xmlns:a16="http://schemas.microsoft.com/office/drawing/2014/main" val="4219651512"/>
+                    </a:ext>
+                  </a:extLst>
+                </a:gridCol>
+                <a:gridCol w="2774022">
+                  <a:extLst>
+                    <a:ext uri="{9D8B030D-6E8A-4147-A177-3AD203B41FA5}">
+                      <a16:colId xmlns:a16="http://schemas.microsoft.com/office/drawing/2014/main" val="4260845430"/>
+                    </a:ext>
+                  </a:extLst>
+                </a:gridCol>
+                <a:gridCol w="863029">
+                  <a:extLst>
+                    <a:ext uri="{9D8B030D-6E8A-4147-A177-3AD203B41FA5}">
+                      <a16:colId xmlns:a16="http://schemas.microsoft.com/office/drawing/2014/main" val="3954425737"/>
+                    </a:ext>
+                  </a:extLst>
+                </a:gridCol>
+                <a:gridCol w="924675">
+                  <a:extLst>
+                    <a:ext uri="{9D8B030D-6E8A-4147-A177-3AD203B41FA5}">
+                      <a16:colId xmlns:a16="http://schemas.microsoft.com/office/drawing/2014/main" val="3348056202"/>
+                    </a:ext>
+                  </a:extLst>
+                </a:gridCol>
+                <a:gridCol w="785973">
+                  <a:extLst>
+                    <a:ext uri="{9D8B030D-6E8A-4147-A177-3AD203B41FA5}">
+                      <a16:colId xmlns:a16="http://schemas.microsoft.com/office/drawing/2014/main" val="3042750458"/>
+                    </a:ext>
+                  </a:extLst>
+                </a:gridCol>
+                <a:gridCol w="791110">
+                  <a:extLst>
+                    <a:ext uri="{9D8B030D-6E8A-4147-A177-3AD203B41FA5}">
+                      <a16:colId xmlns:a16="http://schemas.microsoft.com/office/drawing/2014/main" val="3737268772"/>
+                    </a:ext>
+                  </a:extLst>
+                </a:gridCol>
+                <a:gridCol w="873303">
+                  <a:extLst>
+                    <a:ext uri="{9D8B030D-6E8A-4147-A177-3AD203B41FA5}">
+                      <a16:colId xmlns:a16="http://schemas.microsoft.com/office/drawing/2014/main" val="1304415790"/>
+                    </a:ext>
+                  </a:extLst>
+                </a:gridCol>
+              </a:tblGrid>
+              <a:tr h="655925">
+                <a:tc>
+                  <a:txBody>
+                    <a:bodyPr/>
+                    <a:lstStyle/>
+                    <a:p>
+                      <a:r>
+                        <a:rPr lang="es-ES" dirty="0" err="1"/>
+                        <a:t>searchedText</a:t>
+                      </a:r>
+                      <a:br>
+                        <a:rPr lang="es-ES" dirty="0"/>
+                      </a:br>
+                      <a:r>
+                        <a:rPr lang="es-ES" dirty="0"/>
+                        <a:t>(BEDCA)</a:t>
+                      </a:r>
+                    </a:p>
+                  </a:txBody>
+                  <a:tcPr/>
+                </a:tc>
+                <a:tc>
+                  <a:txBody>
+                    <a:bodyPr/>
+                    <a:lstStyle/>
+                    <a:p>
+                      <a:r>
+                        <a:rPr lang="es-ES" dirty="0"/>
+                        <a:t>ni</a:t>
+                      </a:r>
+                    </a:p>
+                  </a:txBody>
+                  <a:tcPr/>
+                </a:tc>
+                <a:tc>
+                  <a:txBody>
+                    <a:bodyPr/>
+                    <a:lstStyle/>
+                    <a:p>
+                      <a:r>
+                        <a:rPr lang="es-ES" dirty="0"/>
+                        <a:t>Match </a:t>
+                      </a:r>
+                      <a:r>
+                        <a:rPr lang="es-ES" dirty="0" err="1"/>
+                        <a:t>from</a:t>
+                      </a:r>
+                      <a:r>
+                        <a:rPr lang="es-ES" dirty="0"/>
+                        <a:t> </a:t>
+                      </a:r>
+                      <a:r>
+                        <a:rPr lang="es-ES" dirty="0" err="1"/>
+                        <a:t>facet</a:t>
+                      </a:r>
+                      <a:endParaRPr lang="es-ES" dirty="0"/>
+                    </a:p>
+                  </a:txBody>
+                  <a:tcPr/>
+                </a:tc>
+                <a:tc>
+                  <a:txBody>
+                    <a:bodyPr/>
+                    <a:lstStyle/>
+                    <a:p>
+                      <a:r>
+                        <a:rPr lang="es-ES" dirty="0" err="1"/>
+                        <a:t>nf</a:t>
+                      </a:r>
+                      <a:endParaRPr lang="es-ES" dirty="0"/>
+                    </a:p>
+                  </a:txBody>
+                  <a:tcPr/>
+                </a:tc>
+                <a:tc>
+                  <a:txBody>
+                    <a:bodyPr/>
+                    <a:lstStyle/>
+                    <a:p>
+                      <a:r>
+                        <a:rPr lang="es-ES" dirty="0"/>
+                        <a:t>mi</a:t>
+                      </a:r>
+                    </a:p>
+                  </a:txBody>
+                  <a:tcPr/>
+                </a:tc>
+                <a:tc>
+                  <a:txBody>
+                    <a:bodyPr/>
+                    <a:lstStyle/>
+                    <a:p>
+                      <a:r>
+                        <a:rPr lang="es-ES" dirty="0" err="1"/>
+                        <a:t>mf</a:t>
+                      </a:r>
+                      <a:endParaRPr lang="es-ES" dirty="0"/>
+                    </a:p>
+                  </a:txBody>
+                  <a:tcPr/>
+                </a:tc>
+                <a:tc>
+                  <a:txBody>
+                    <a:bodyPr/>
+                    <a:lstStyle/>
+                    <a:p>
+                      <a:r>
+                        <a:rPr lang="es-ES" dirty="0" err="1"/>
+                        <a:t>ri</a:t>
+                      </a:r>
+                      <a:endParaRPr lang="es-ES" dirty="0"/>
+                    </a:p>
+                  </a:txBody>
+                  <a:tcPr/>
+                </a:tc>
+                <a:tc>
+                  <a:txBody>
+                    <a:bodyPr/>
+                    <a:lstStyle/>
+                    <a:p>
+                      <a:r>
+                        <a:rPr lang="es-ES" dirty="0" err="1"/>
+                        <a:t>rf</a:t>
+                      </a:r>
+                      <a:endParaRPr lang="es-ES" dirty="0"/>
+                    </a:p>
+                  </a:txBody>
+                  <a:tcPr/>
+                </a:tc>
+                <a:extLst>
+                  <a:ext uri="{0D108BD9-81ED-4DB2-BD59-A6C34878D82A}">
+                    <a16:rowId xmlns:a16="http://schemas.microsoft.com/office/drawing/2014/main" val="3148219874"/>
+                  </a:ext>
+                </a:extLst>
+              </a:tr>
+              <a:tr h="380020">
+                <a:tc>
+                  <a:txBody>
+                    <a:bodyPr/>
+                    <a:lstStyle/>
+                    <a:p>
+                      <a:r>
+                        <a:rPr lang="es-ES" dirty="0"/>
+                        <a:t>Tuna</a:t>
+                      </a:r>
+                    </a:p>
+                  </a:txBody>
+                  <a:tcPr/>
+                </a:tc>
+                <a:tc>
+                  <a:txBody>
+                    <a:bodyPr/>
+                    <a:lstStyle/>
+                    <a:p>
+                      <a:r>
+                        <a:rPr lang="es-ES" dirty="0"/>
+                        <a:t>1</a:t>
+                      </a:r>
+                    </a:p>
+                  </a:txBody>
+                  <a:tcPr/>
+                </a:tc>
+                <a:tc>
+                  <a:txBody>
+                    <a:bodyPr/>
+                    <a:lstStyle/>
+                    <a:p>
+                      <a:r>
+                        <a:rPr lang="es-ES" dirty="0"/>
+                        <a:t>Tuna and bonito (</a:t>
+                      </a:r>
+                      <a:r>
+                        <a:rPr lang="es-ES" dirty="0" err="1"/>
+                        <a:t>generic</a:t>
+                      </a:r>
+                      <a:r>
+                        <a:rPr lang="es-ES" dirty="0"/>
+                        <a:t>)</a:t>
+                      </a:r>
+                    </a:p>
+                  </a:txBody>
+                  <a:tcPr/>
+                </a:tc>
+                <a:tc>
+                  <a:txBody>
+                    <a:bodyPr/>
+                    <a:lstStyle/>
+                    <a:p>
+                      <a:r>
+                        <a:rPr lang="es-ES" dirty="0"/>
+                        <a:t>3</a:t>
+                      </a:r>
+                    </a:p>
+                  </a:txBody>
+                  <a:tcPr/>
+                </a:tc>
+                <a:tc>
+                  <a:txBody>
+                    <a:bodyPr/>
+                    <a:lstStyle/>
+                    <a:p>
+                      <a:r>
+                        <a:rPr lang="es-ES" dirty="0"/>
+                        <a:t>1</a:t>
+                      </a:r>
+                    </a:p>
+                  </a:txBody>
+                  <a:tcPr/>
+                </a:tc>
+                <a:tc>
+                  <a:txBody>
+                    <a:bodyPr/>
+                    <a:lstStyle/>
+                    <a:p>
+                      <a:r>
+                        <a:rPr lang="es-ES" dirty="0"/>
+                        <a:t>1</a:t>
+                      </a:r>
+                    </a:p>
+                  </a:txBody>
+                  <a:tcPr/>
+                </a:tc>
+                <a:tc>
+                  <a:txBody>
+                    <a:bodyPr/>
+                    <a:lstStyle/>
+                    <a:p>
+                      <a:r>
+                        <a:rPr lang="es-ES" dirty="0"/>
+                        <a:t>1</a:t>
+                      </a:r>
+                    </a:p>
+                  </a:txBody>
+                  <a:tcPr/>
+                </a:tc>
+                <a:tc>
+                  <a:txBody>
+                    <a:bodyPr/>
+                    <a:lstStyle/>
+                    <a:p>
+                      <a:r>
+                        <a:rPr lang="es-ES" dirty="0"/>
+                        <a:t>0.333</a:t>
+                      </a:r>
+                    </a:p>
+                  </a:txBody>
+                  <a:tcPr/>
+                </a:tc>
+                <a:extLst>
+                  <a:ext uri="{0D108BD9-81ED-4DB2-BD59-A6C34878D82A}">
+                    <a16:rowId xmlns:a16="http://schemas.microsoft.com/office/drawing/2014/main" val="6458497"/>
+                  </a:ext>
+                </a:extLst>
+              </a:tr>
+              <a:tr h="380020">
+                <a:tc>
+                  <a:txBody>
+                    <a:bodyPr/>
+                    <a:lstStyle/>
+                    <a:p>
+                      <a:r>
+                        <a:rPr lang="es-ES" dirty="0"/>
+                        <a:t>Tuna</a:t>
+                      </a:r>
+                    </a:p>
+                  </a:txBody>
+                  <a:tcPr/>
+                </a:tc>
+                <a:tc>
+                  <a:txBody>
+                    <a:bodyPr/>
+                    <a:lstStyle/>
+                    <a:p>
+                      <a:r>
+                        <a:rPr lang="es-ES" dirty="0"/>
+                        <a:t>1</a:t>
+                      </a:r>
+                    </a:p>
+                  </a:txBody>
+                  <a:tcPr/>
+                </a:tc>
+                <a:tc>
+                  <a:txBody>
+                    <a:bodyPr/>
+                    <a:lstStyle/>
+                    <a:p>
+                      <a:r>
+                        <a:rPr lang="es-ES" dirty="0"/>
+                        <a:t>Tuna</a:t>
+                      </a:r>
+                    </a:p>
+                  </a:txBody>
+                  <a:tcPr/>
+                </a:tc>
+                <a:tc>
+                  <a:txBody>
+                    <a:bodyPr/>
+                    <a:lstStyle/>
+                    <a:p>
+                      <a:r>
+                        <a:rPr lang="es-ES" dirty="0"/>
+                        <a:t>1</a:t>
+                      </a:r>
+                    </a:p>
+                  </a:txBody>
+                  <a:tcPr/>
+                </a:tc>
+                <a:tc>
+                  <a:txBody>
+                    <a:bodyPr/>
+                    <a:lstStyle/>
+                    <a:p>
+                      <a:r>
+                        <a:rPr lang="es-ES" dirty="0"/>
+                        <a:t>1</a:t>
+                      </a:r>
+                    </a:p>
+                  </a:txBody>
+                  <a:tcPr/>
+                </a:tc>
+                <a:tc>
+                  <a:txBody>
+                    <a:bodyPr/>
+                    <a:lstStyle/>
+                    <a:p>
+                      <a:r>
+                        <a:rPr lang="es-ES" dirty="0"/>
+                        <a:t>1</a:t>
+                      </a:r>
+                    </a:p>
+                  </a:txBody>
+                  <a:tcPr/>
+                </a:tc>
+                <a:tc>
+                  <a:txBody>
+                    <a:bodyPr/>
+                    <a:lstStyle/>
+                    <a:p>
+                      <a:r>
+                        <a:rPr lang="es-ES" dirty="0"/>
+                        <a:t>1</a:t>
+                      </a:r>
+                    </a:p>
+                  </a:txBody>
+                  <a:tcPr/>
+                </a:tc>
+                <a:tc>
+                  <a:txBody>
+                    <a:bodyPr/>
+                    <a:lstStyle/>
+                    <a:p>
+                      <a:r>
+                        <a:rPr lang="es-ES" dirty="0"/>
+                        <a:t>1</a:t>
+                      </a:r>
+                    </a:p>
+                  </a:txBody>
+                  <a:tcPr/>
+                </a:tc>
+                <a:extLst>
+                  <a:ext uri="{0D108BD9-81ED-4DB2-BD59-A6C34878D82A}">
+                    <a16:rowId xmlns:a16="http://schemas.microsoft.com/office/drawing/2014/main" val="3305724439"/>
+                  </a:ext>
+                </a:extLst>
+              </a:tr>
+              <a:tr h="380020">
+                <a:tc>
+                  <a:txBody>
+                    <a:bodyPr/>
+                    <a:lstStyle/>
+                    <a:p>
+                      <a:r>
+                        <a:rPr lang="es-ES" dirty="0"/>
+                        <a:t>Tuna</a:t>
+                      </a:r>
+                    </a:p>
+                  </a:txBody>
+                  <a:tcPr/>
+                </a:tc>
+                <a:tc>
+                  <a:txBody>
+                    <a:bodyPr/>
+                    <a:lstStyle/>
+                    <a:p>
+                      <a:r>
+                        <a:rPr lang="es-ES" dirty="0"/>
+                        <a:t>1</a:t>
+                      </a:r>
+                    </a:p>
+                  </a:txBody>
+                  <a:tcPr/>
+                </a:tc>
+                <a:tc>
+                  <a:txBody>
+                    <a:bodyPr/>
+                    <a:lstStyle/>
+                    <a:p>
+                      <a:r>
+                        <a:rPr lang="es-ES" dirty="0"/>
+                        <a:t>Tuna, </a:t>
+                      </a:r>
+                      <a:r>
+                        <a:rPr lang="es-ES" dirty="0" err="1"/>
+                        <a:t>bigeye</a:t>
+                      </a:r>
+                      <a:endParaRPr lang="es-ES" dirty="0"/>
+                    </a:p>
+                  </a:txBody>
+                  <a:tcPr/>
+                </a:tc>
+                <a:tc>
+                  <a:txBody>
+                    <a:bodyPr/>
+                    <a:lstStyle/>
+                    <a:p>
+                      <a:r>
+                        <a:rPr lang="es-ES" dirty="0"/>
+                        <a:t>2</a:t>
+                      </a:r>
+                    </a:p>
+                  </a:txBody>
+                  <a:tcPr/>
+                </a:tc>
+                <a:tc>
+                  <a:txBody>
+                    <a:bodyPr/>
+                    <a:lstStyle/>
+                    <a:p>
+                      <a:r>
+                        <a:rPr lang="es-ES" dirty="0"/>
+                        <a:t>1</a:t>
+                      </a:r>
+                    </a:p>
+                  </a:txBody>
+                  <a:tcPr/>
+                </a:tc>
+                <a:tc>
+                  <a:txBody>
+                    <a:bodyPr/>
+                    <a:lstStyle/>
+                    <a:p>
+                      <a:r>
+                        <a:rPr lang="es-ES" dirty="0"/>
+                        <a:t>1</a:t>
+                      </a:r>
+                    </a:p>
+                  </a:txBody>
+                  <a:tcPr/>
+                </a:tc>
+                <a:tc>
+                  <a:txBody>
+                    <a:bodyPr/>
+                    <a:lstStyle/>
+                    <a:p>
+                      <a:r>
+                        <a:rPr lang="es-ES" dirty="0"/>
+                        <a:t>1</a:t>
+                      </a:r>
+                    </a:p>
+                  </a:txBody>
+                  <a:tcPr/>
+                </a:tc>
+                <a:tc>
+                  <a:txBody>
+                    <a:bodyPr/>
+                    <a:lstStyle/>
+                    <a:p>
+                      <a:r>
+                        <a:rPr lang="es-ES" dirty="0"/>
+                        <a:t>0.5</a:t>
+                      </a:r>
+                    </a:p>
+                  </a:txBody>
+                  <a:tcPr/>
+                </a:tc>
+                <a:extLst>
+                  <a:ext uri="{0D108BD9-81ED-4DB2-BD59-A6C34878D82A}">
+                    <a16:rowId xmlns:a16="http://schemas.microsoft.com/office/drawing/2014/main" val="434430061"/>
+                  </a:ext>
+                </a:extLst>
+              </a:tr>
+              <a:tr h="380020">
+                <a:tc>
+                  <a:txBody>
+                    <a:bodyPr/>
+                    <a:lstStyle/>
+                    <a:p>
+                      <a:r>
+                        <a:rPr lang="es-ES" dirty="0"/>
+                        <a:t>Tuna</a:t>
+                      </a:r>
+                    </a:p>
+                  </a:txBody>
+                  <a:tcPr/>
+                </a:tc>
+                <a:tc>
+                  <a:txBody>
+                    <a:bodyPr/>
+                    <a:lstStyle/>
+                    <a:p>
+                      <a:r>
+                        <a:rPr lang="es-ES" dirty="0"/>
+                        <a:t>1</a:t>
+                      </a:r>
+                    </a:p>
+                  </a:txBody>
+                  <a:tcPr/>
+                </a:tc>
+                <a:tc>
+                  <a:txBody>
+                    <a:bodyPr/>
+                    <a:lstStyle/>
+                    <a:p>
+                      <a:r>
+                        <a:rPr lang="es-ES" dirty="0"/>
+                        <a:t>Tuna, </a:t>
+                      </a:r>
+                      <a:r>
+                        <a:rPr lang="es-ES" dirty="0" err="1"/>
+                        <a:t>blackfin</a:t>
+                      </a:r>
+                      <a:endParaRPr lang="es-ES" dirty="0"/>
+                    </a:p>
+                  </a:txBody>
+                  <a:tcPr/>
+                </a:tc>
+                <a:tc>
+                  <a:txBody>
+                    <a:bodyPr/>
+                    <a:lstStyle/>
+                    <a:p>
+                      <a:r>
+                        <a:rPr lang="es-ES" dirty="0"/>
+                        <a:t>2</a:t>
+                      </a:r>
+                    </a:p>
+                  </a:txBody>
+                  <a:tcPr/>
+                </a:tc>
+                <a:tc>
+                  <a:txBody>
+                    <a:bodyPr/>
+                    <a:lstStyle/>
+                    <a:p>
+                      <a:r>
+                        <a:rPr lang="es-ES" dirty="0"/>
+                        <a:t>1</a:t>
+                      </a:r>
+                    </a:p>
+                  </a:txBody>
+                  <a:tcPr/>
+                </a:tc>
+                <a:tc>
+                  <a:txBody>
+                    <a:bodyPr/>
+                    <a:lstStyle/>
+                    <a:p>
+                      <a:r>
+                        <a:rPr lang="es-ES" dirty="0"/>
+                        <a:t>1</a:t>
+                      </a:r>
+                    </a:p>
+                  </a:txBody>
+                  <a:tcPr/>
+                </a:tc>
+                <a:tc>
+                  <a:txBody>
+                    <a:bodyPr/>
+                    <a:lstStyle/>
+                    <a:p>
+                      <a:r>
+                        <a:rPr lang="es-ES" dirty="0"/>
+                        <a:t>1</a:t>
+                      </a:r>
+                    </a:p>
+                  </a:txBody>
+                  <a:tcPr/>
+                </a:tc>
+                <a:tc>
+                  <a:txBody>
+                    <a:bodyPr/>
+                    <a:lstStyle/>
+                    <a:p>
+                      <a:r>
+                        <a:rPr lang="es-ES" dirty="0"/>
+                        <a:t>0.5</a:t>
+                      </a:r>
+                    </a:p>
+                  </a:txBody>
+                  <a:tcPr/>
+                </a:tc>
+                <a:extLst>
+                  <a:ext uri="{0D108BD9-81ED-4DB2-BD59-A6C34878D82A}">
+                    <a16:rowId xmlns:a16="http://schemas.microsoft.com/office/drawing/2014/main" val="2925796638"/>
+                  </a:ext>
+                </a:extLst>
+              </a:tr>
+              <a:tr h="380020">
+                <a:tc>
+                  <a:txBody>
+                    <a:bodyPr/>
+                    <a:lstStyle/>
+                    <a:p>
+                      <a:r>
+                        <a:rPr lang="es-ES" dirty="0"/>
+                        <a:t>…</a:t>
+                      </a:r>
+                    </a:p>
+                  </a:txBody>
+                  <a:tcPr/>
+                </a:tc>
+                <a:tc>
+                  <a:txBody>
+                    <a:bodyPr/>
+                    <a:lstStyle/>
+                    <a:p>
+                      <a:r>
+                        <a:rPr lang="es-ES" dirty="0"/>
+                        <a:t>…</a:t>
+                      </a:r>
+                    </a:p>
+                  </a:txBody>
+                  <a:tcPr/>
+                </a:tc>
+                <a:tc>
+                  <a:txBody>
+                    <a:bodyPr/>
+                    <a:lstStyle/>
+                    <a:p>
+                      <a:r>
+                        <a:rPr lang="es-ES" dirty="0"/>
+                        <a:t>…</a:t>
+                      </a:r>
+                    </a:p>
+                  </a:txBody>
+                  <a:tcPr/>
+                </a:tc>
+                <a:tc>
+                  <a:txBody>
+                    <a:bodyPr/>
+                    <a:lstStyle/>
+                    <a:p>
+                      <a:r>
+                        <a:rPr lang="es-ES" dirty="0"/>
+                        <a:t>…</a:t>
+                      </a:r>
+                    </a:p>
+                  </a:txBody>
+                  <a:tcPr/>
+                </a:tc>
+                <a:tc>
+                  <a:txBody>
+                    <a:bodyPr/>
+                    <a:lstStyle/>
+                    <a:p>
+                      <a:r>
+                        <a:rPr lang="es-ES" dirty="0"/>
+                        <a:t>…</a:t>
+                      </a:r>
+                    </a:p>
+                  </a:txBody>
+                  <a:tcPr/>
+                </a:tc>
+                <a:tc>
+                  <a:txBody>
+                    <a:bodyPr/>
+                    <a:lstStyle/>
+                    <a:p>
+                      <a:r>
+                        <a:rPr lang="es-ES" dirty="0"/>
+                        <a:t>…</a:t>
+                      </a:r>
+                    </a:p>
+                  </a:txBody>
+                  <a:tcPr/>
+                </a:tc>
+                <a:tc>
+                  <a:txBody>
+                    <a:bodyPr/>
+                    <a:lstStyle/>
+                    <a:p>
+                      <a:r>
+                        <a:rPr lang="es-ES" dirty="0"/>
+                        <a:t>…</a:t>
+                      </a:r>
+                    </a:p>
+                  </a:txBody>
+                  <a:tcPr/>
+                </a:tc>
+                <a:tc>
+                  <a:txBody>
+                    <a:bodyPr/>
+                    <a:lstStyle/>
+                    <a:p>
+                      <a:r>
+                        <a:rPr lang="es-ES" dirty="0"/>
+                        <a:t>…</a:t>
+                      </a:r>
+                    </a:p>
+                  </a:txBody>
+                  <a:tcPr/>
+                </a:tc>
+                <a:extLst>
+                  <a:ext uri="{0D108BD9-81ED-4DB2-BD59-A6C34878D82A}">
+                    <a16:rowId xmlns:a16="http://schemas.microsoft.com/office/drawing/2014/main" val="3538489641"/>
+                  </a:ext>
+                </a:extLst>
+              </a:tr>
+              <a:tr h="380020">
+                <a:tc>
+                  <a:txBody>
+                    <a:bodyPr/>
+                    <a:lstStyle/>
+                    <a:p>
+                      <a:r>
+                        <a:rPr lang="es-ES" dirty="0"/>
+                        <a:t>Tuna</a:t>
+                      </a:r>
+                    </a:p>
+                  </a:txBody>
+                  <a:tcPr/>
+                </a:tc>
+                <a:tc>
+                  <a:txBody>
+                    <a:bodyPr/>
+                    <a:lstStyle/>
+                    <a:p>
+                      <a:r>
+                        <a:rPr lang="es-ES" dirty="0"/>
+                        <a:t>1</a:t>
+                      </a:r>
+                    </a:p>
+                  </a:txBody>
+                  <a:tcPr/>
+                </a:tc>
+                <a:tc>
+                  <a:txBody>
+                    <a:bodyPr/>
+                    <a:lstStyle/>
+                    <a:p>
+                      <a:r>
+                        <a:rPr lang="es-ES" dirty="0" err="1"/>
+                        <a:t>Northern</a:t>
+                      </a:r>
+                      <a:r>
+                        <a:rPr lang="es-ES" dirty="0"/>
+                        <a:t> </a:t>
+                      </a:r>
+                      <a:r>
+                        <a:rPr lang="es-ES" dirty="0" err="1"/>
+                        <a:t>bluefin</a:t>
+                      </a:r>
+                      <a:r>
+                        <a:rPr lang="es-ES" dirty="0"/>
+                        <a:t> tuna</a:t>
+                      </a:r>
+                    </a:p>
+                  </a:txBody>
+                  <a:tcPr/>
+                </a:tc>
+                <a:tc>
+                  <a:txBody>
+                    <a:bodyPr/>
+                    <a:lstStyle/>
+                    <a:p>
+                      <a:r>
+                        <a:rPr lang="es-ES" dirty="0"/>
+                        <a:t>3</a:t>
+                      </a:r>
+                    </a:p>
+                  </a:txBody>
+                  <a:tcPr/>
+                </a:tc>
+                <a:tc>
+                  <a:txBody>
+                    <a:bodyPr/>
+                    <a:lstStyle/>
+                    <a:p>
+                      <a:r>
+                        <a:rPr lang="es-ES" dirty="0"/>
+                        <a:t>1</a:t>
+                      </a:r>
+                    </a:p>
+                  </a:txBody>
+                  <a:tcPr/>
+                </a:tc>
+                <a:tc>
+                  <a:txBody>
+                    <a:bodyPr/>
+                    <a:lstStyle/>
+                    <a:p>
+                      <a:r>
+                        <a:rPr lang="es-ES" dirty="0"/>
+                        <a:t>1</a:t>
+                      </a:r>
+                    </a:p>
+                  </a:txBody>
+                  <a:tcPr/>
+                </a:tc>
+                <a:tc>
+                  <a:txBody>
+                    <a:bodyPr/>
+                    <a:lstStyle/>
+                    <a:p>
+                      <a:r>
+                        <a:rPr lang="es-ES" dirty="0"/>
+                        <a:t>1</a:t>
+                      </a:r>
+                    </a:p>
+                  </a:txBody>
+                  <a:tcPr/>
+                </a:tc>
+                <a:tc>
+                  <a:txBody>
+                    <a:bodyPr/>
+                    <a:lstStyle/>
+                    <a:p>
+                      <a:r>
+                        <a:rPr lang="es-ES" dirty="0"/>
+                        <a:t>0.33</a:t>
+                      </a:r>
+                    </a:p>
+                  </a:txBody>
+                  <a:tcPr/>
+                </a:tc>
+                <a:extLst>
+                  <a:ext uri="{0D108BD9-81ED-4DB2-BD59-A6C34878D82A}">
+                    <a16:rowId xmlns:a16="http://schemas.microsoft.com/office/drawing/2014/main" val="1126643404"/>
+                  </a:ext>
+                </a:extLst>
+              </a:tr>
+            </a:tbl>
+          </a:graphicData>
+        </a:graphic>
+      </p:graphicFrame>
+      <p:sp>
+        <p:nvSpPr>
+          <p:cNvPr id="86" name="CuadroTexto 85">
+            <a:extLst>
+              <a:ext uri="{FF2B5EF4-FFF2-40B4-BE49-F238E27FC236}">
+                <a16:creationId xmlns:a16="http://schemas.microsoft.com/office/drawing/2014/main" id="{5FEE67E0-E64B-0D82-1828-5B4D775116A9}"/>
+              </a:ext>
+            </a:extLst>
+          </p:cNvPr>
+          <p:cNvSpPr txBox="1"/>
+          <p:nvPr/>
+        </p:nvSpPr>
+        <p:spPr>
+          <a:xfrm>
+            <a:off x="3317388" y="4071015"/>
+            <a:ext cx="6095144" cy="2308324"/>
+          </a:xfrm>
+          <a:prstGeom prst="rect">
+            <a:avLst/>
+          </a:prstGeom>
+          <a:noFill/>
+        </p:spPr>
+        <p:txBody>
+          <a:bodyPr wrap="square" lIns="91440" tIns="45720" rIns="91440" bIns="45720" anchor="t">
+            <a:spAutoFit/>
+          </a:bodyPr>
+          <a:lstStyle/>
+          <a:p>
+            <a:r>
+              <a:rPr lang="es-ES" dirty="0" err="1"/>
+              <a:t>Scoring</a:t>
+            </a:r>
+            <a:r>
+              <a:rPr lang="es-ES" dirty="0"/>
+              <a:t> </a:t>
+            </a:r>
+            <a:r>
+              <a:rPr lang="es-ES" dirty="0" err="1"/>
+              <a:t>for</a:t>
+            </a:r>
+            <a:r>
+              <a:rPr lang="es-ES" dirty="0"/>
+              <a:t> </a:t>
+            </a:r>
+            <a:r>
+              <a:rPr lang="es-ES" dirty="0" err="1"/>
+              <a:t>each</a:t>
+            </a:r>
+            <a:r>
+              <a:rPr lang="es-ES" dirty="0"/>
+              <a:t> match in foodex2 </a:t>
+            </a:r>
+            <a:r>
+              <a:rPr lang="es-ES" dirty="0" err="1"/>
+              <a:t>facet</a:t>
+            </a:r>
+            <a:r>
+              <a:rPr lang="es-ES" dirty="0"/>
+              <a:t> </a:t>
+            </a:r>
+            <a:r>
+              <a:rPr lang="es-ES" dirty="0" err="1"/>
+              <a:t>involves</a:t>
+            </a:r>
+            <a:r>
+              <a:rPr lang="es-ES" dirty="0"/>
+              <a:t>:</a:t>
+            </a:r>
+          </a:p>
+          <a:p>
+            <a:r>
+              <a:rPr lang="es-ES" dirty="0"/>
+              <a:t>  ni = </a:t>
+            </a:r>
+            <a:r>
+              <a:rPr lang="es-ES" dirty="0" err="1"/>
+              <a:t>number</a:t>
+            </a:r>
+            <a:r>
+              <a:rPr lang="es-ES" dirty="0"/>
+              <a:t> </a:t>
+            </a:r>
+            <a:r>
+              <a:rPr lang="es-ES" dirty="0" err="1"/>
+              <a:t>of</a:t>
+            </a:r>
+            <a:r>
+              <a:rPr lang="es-ES" dirty="0"/>
+              <a:t> </a:t>
+            </a:r>
+            <a:r>
+              <a:rPr lang="es-ES" dirty="0" err="1"/>
+              <a:t>lexemes</a:t>
+            </a:r>
+            <a:r>
+              <a:rPr lang="es-ES" dirty="0"/>
+              <a:t> in </a:t>
+            </a:r>
+            <a:r>
+              <a:rPr lang="es-ES" dirty="0" err="1"/>
+              <a:t>searched</a:t>
+            </a:r>
+            <a:r>
+              <a:rPr lang="es-ES" dirty="0"/>
+              <a:t> </a:t>
+            </a:r>
+            <a:r>
+              <a:rPr lang="es-ES" dirty="0" err="1"/>
+              <a:t>string</a:t>
+            </a:r>
+            <a:endParaRPr lang="es-ES" dirty="0"/>
+          </a:p>
+          <a:p>
+            <a:r>
+              <a:rPr lang="es-ES" dirty="0"/>
+              <a:t>  mi = </a:t>
+            </a:r>
+            <a:r>
+              <a:rPr lang="es-ES" dirty="0" err="1"/>
+              <a:t>number</a:t>
+            </a:r>
+            <a:r>
+              <a:rPr lang="es-ES" dirty="0"/>
+              <a:t> </a:t>
+            </a:r>
+            <a:r>
+              <a:rPr lang="es-ES" dirty="0" err="1"/>
+              <a:t>of</a:t>
+            </a:r>
+            <a:r>
+              <a:rPr lang="es-ES" dirty="0"/>
+              <a:t> </a:t>
+            </a:r>
+            <a:r>
+              <a:rPr lang="es-ES" dirty="0" err="1"/>
+              <a:t>lexemes</a:t>
+            </a:r>
+            <a:r>
+              <a:rPr lang="es-ES" dirty="0"/>
+              <a:t> in </a:t>
+            </a:r>
+            <a:r>
+              <a:rPr lang="es-ES" dirty="0" err="1"/>
+              <a:t>searched</a:t>
+            </a:r>
+            <a:r>
+              <a:rPr lang="es-ES" dirty="0"/>
+              <a:t> </a:t>
+            </a:r>
+            <a:r>
+              <a:rPr lang="es-ES" dirty="0" err="1"/>
+              <a:t>string</a:t>
+            </a:r>
+            <a:endParaRPr lang="es-ES" dirty="0"/>
+          </a:p>
+          <a:p>
+            <a:r>
+              <a:rPr lang="es-ES" dirty="0"/>
+              <a:t>  </a:t>
+            </a:r>
+            <a:r>
+              <a:rPr lang="es-ES" dirty="0" err="1"/>
+              <a:t>nf</a:t>
+            </a:r>
+            <a:r>
+              <a:rPr lang="es-ES" dirty="0"/>
+              <a:t> = </a:t>
+            </a:r>
+            <a:r>
+              <a:rPr lang="es-ES" dirty="0" err="1"/>
+              <a:t>number</a:t>
+            </a:r>
+            <a:r>
+              <a:rPr lang="es-ES" dirty="0"/>
+              <a:t> </a:t>
+            </a:r>
+            <a:r>
+              <a:rPr lang="es-ES" dirty="0" err="1"/>
+              <a:t>of</a:t>
+            </a:r>
+            <a:r>
+              <a:rPr lang="es-ES" dirty="0"/>
+              <a:t> </a:t>
+            </a:r>
+            <a:r>
+              <a:rPr lang="es-ES" dirty="0" err="1"/>
+              <a:t>lexemes</a:t>
+            </a:r>
+            <a:r>
+              <a:rPr lang="es-ES" dirty="0"/>
+              <a:t> in </a:t>
+            </a:r>
+            <a:r>
+              <a:rPr lang="es-ES" dirty="0" err="1"/>
+              <a:t>found</a:t>
+            </a:r>
+            <a:r>
+              <a:rPr lang="es-ES" dirty="0"/>
+              <a:t> </a:t>
+            </a:r>
+            <a:r>
+              <a:rPr lang="es-ES" dirty="0" err="1"/>
+              <a:t>string</a:t>
+            </a:r>
+          </a:p>
+          <a:p>
+            <a:r>
+              <a:rPr lang="es-ES" dirty="0"/>
+              <a:t>  </a:t>
+            </a:r>
+            <a:r>
+              <a:rPr lang="es-ES" dirty="0" err="1"/>
+              <a:t>mf</a:t>
+            </a:r>
+            <a:r>
+              <a:rPr lang="es-ES" dirty="0"/>
+              <a:t> = </a:t>
+            </a:r>
+            <a:r>
+              <a:rPr lang="es-ES" dirty="0" err="1"/>
+              <a:t>number</a:t>
+            </a:r>
+            <a:r>
+              <a:rPr lang="es-ES" dirty="0"/>
+              <a:t> </a:t>
+            </a:r>
+            <a:r>
+              <a:rPr lang="es-ES" dirty="0" err="1"/>
+              <a:t>of</a:t>
+            </a:r>
+            <a:r>
+              <a:rPr lang="es-ES" dirty="0"/>
+              <a:t> </a:t>
+            </a:r>
+            <a:r>
+              <a:rPr lang="es-ES" dirty="0" err="1"/>
+              <a:t>lexemes</a:t>
+            </a:r>
+            <a:r>
+              <a:rPr lang="es-ES" dirty="0"/>
+              <a:t> in </a:t>
+            </a:r>
+            <a:r>
+              <a:rPr lang="es-ES" dirty="0" err="1">
+                <a:ea typeface="+mn-lt"/>
+                <a:cs typeface="+mn-lt"/>
+              </a:rPr>
+              <a:t>found</a:t>
+            </a:r>
+            <a:r>
+              <a:rPr lang="es-ES" dirty="0">
+                <a:ea typeface="+mn-lt"/>
+                <a:cs typeface="+mn-lt"/>
+              </a:rPr>
+              <a:t> </a:t>
+            </a:r>
+            <a:r>
+              <a:rPr lang="es-ES" dirty="0" err="1"/>
+              <a:t>string</a:t>
+            </a:r>
+            <a:endParaRPr lang="es-ES" dirty="0" err="1">
+              <a:cs typeface="Calibri"/>
+            </a:endParaRPr>
+          </a:p>
+          <a:p>
+            <a:endParaRPr lang="es-ES" dirty="0"/>
+          </a:p>
+          <a:p>
+            <a:r>
+              <a:rPr lang="es-ES" dirty="0"/>
+              <a:t>  </a:t>
+            </a:r>
+            <a:r>
+              <a:rPr lang="es-ES" dirty="0" err="1"/>
+              <a:t>ri</a:t>
+            </a:r>
+            <a:r>
+              <a:rPr lang="es-ES" dirty="0"/>
+              <a:t> = mi/ni   -&gt; ratio </a:t>
+            </a:r>
+            <a:r>
+              <a:rPr lang="es-ES" dirty="0" err="1"/>
+              <a:t>of</a:t>
+            </a:r>
+            <a:r>
+              <a:rPr lang="es-ES" dirty="0"/>
+              <a:t> </a:t>
+            </a:r>
+            <a:r>
+              <a:rPr lang="es-ES" dirty="0" err="1"/>
+              <a:t>matching</a:t>
+            </a:r>
+            <a:r>
+              <a:rPr lang="es-ES" dirty="0"/>
+              <a:t> </a:t>
+            </a:r>
+            <a:r>
+              <a:rPr lang="es-ES" dirty="0" err="1"/>
+              <a:t>of</a:t>
+            </a:r>
+            <a:r>
+              <a:rPr lang="es-ES" dirty="0"/>
+              <a:t> input </a:t>
+            </a:r>
+            <a:r>
+              <a:rPr lang="es-ES" dirty="0" err="1"/>
+              <a:t>string</a:t>
+            </a:r>
+            <a:endParaRPr lang="es-ES" dirty="0"/>
+          </a:p>
+          <a:p>
+            <a:r>
+              <a:rPr lang="es-ES" dirty="0"/>
+              <a:t>  </a:t>
+            </a:r>
+            <a:r>
+              <a:rPr lang="es-ES" dirty="0" err="1"/>
+              <a:t>rf</a:t>
+            </a:r>
+            <a:r>
+              <a:rPr lang="es-ES" dirty="0"/>
+              <a:t> = </a:t>
+            </a:r>
+            <a:r>
+              <a:rPr lang="es-ES" dirty="0" err="1"/>
+              <a:t>mf</a:t>
+            </a:r>
+            <a:r>
+              <a:rPr lang="es-ES" dirty="0"/>
+              <a:t>/</a:t>
+            </a:r>
+            <a:r>
+              <a:rPr lang="es-ES" dirty="0" err="1"/>
+              <a:t>nf</a:t>
+            </a:r>
+            <a:r>
+              <a:rPr lang="es-ES" dirty="0"/>
+              <a:t>   -&gt; ratio </a:t>
+            </a:r>
+            <a:r>
+              <a:rPr lang="es-ES" dirty="0" err="1"/>
+              <a:t>of</a:t>
+            </a:r>
+            <a:r>
+              <a:rPr lang="es-ES" dirty="0"/>
+              <a:t> </a:t>
+            </a:r>
+            <a:r>
+              <a:rPr lang="es-ES" dirty="0" err="1"/>
+              <a:t>matching</a:t>
+            </a:r>
+            <a:r>
+              <a:rPr lang="es-ES" dirty="0"/>
+              <a:t> </a:t>
+            </a:r>
+            <a:r>
+              <a:rPr lang="es-ES" dirty="0" err="1"/>
+              <a:t>of</a:t>
+            </a:r>
+            <a:r>
+              <a:rPr lang="es-ES" dirty="0"/>
+              <a:t> </a:t>
+            </a:r>
+            <a:r>
+              <a:rPr lang="es-ES" dirty="0" err="1">
+                <a:ea typeface="+mn-lt"/>
+                <a:cs typeface="+mn-lt"/>
+              </a:rPr>
+              <a:t>found</a:t>
+            </a:r>
+            <a:r>
+              <a:rPr lang="es-ES" dirty="0">
+                <a:ea typeface="+mn-lt"/>
+                <a:cs typeface="+mn-lt"/>
+              </a:rPr>
+              <a:t> </a:t>
+            </a:r>
+            <a:r>
+              <a:rPr lang="es-ES" dirty="0" err="1"/>
+              <a:t>string</a:t>
+            </a:r>
+            <a:endParaRPr lang="es-ES" dirty="0" err="1">
+              <a:cs typeface="Calibri"/>
+            </a:endParaRPr>
+          </a:p>
+        </p:txBody>
+      </p:sp>
+    </p:spTree>
+    <p:extLst>
+      <p:ext uri="{BB962C8B-B14F-4D97-AF65-F5344CB8AC3E}">
+        <p14:creationId xmlns:p14="http://schemas.microsoft.com/office/powerpoint/2010/main" val="4038986009"/>
+      </p:ext>
+    </p:extLst>
+  </p:cSld>
+  <p:clrMapOvr>
+    <a:masterClrMapping/>
+  </p:clrMapOvr>
+</p:sld>
+</file>
+
+<file path=ppt/slides/slide11.xml><?xml version="1.0" encoding="utf-8"?>
+<p:sld xmlns:a="http://schemas.openxmlformats.org/drawingml/2006/main" xmlns:r="http://schemas.openxmlformats.org/officeDocument/2006/relationships" xmlns:p="http://schemas.openxmlformats.org/presentationml/2006/main">
+  <p:cSld>
+    <p:spTree>
+      <p:nvGrpSpPr>
+        <p:cNvPr id="1" name=""/>
+        <p:cNvGrpSpPr/>
+        <p:nvPr/>
+      </p:nvGrpSpPr>
+      <p:grpSpPr>
+        <a:xfrm>
+          <a:off x="0" y="0"/>
+          <a:ext cx="0" cy="0"/>
+          <a:chOff x="0" y="0"/>
+          <a:chExt cx="0" cy="0"/>
+        </a:xfrm>
+      </p:grpSpPr>
+      <p:sp>
+        <p:nvSpPr>
+          <p:cNvPr id="81" name="CuadroTexto 80">
+            <a:extLst>
+              <a:ext uri="{FF2B5EF4-FFF2-40B4-BE49-F238E27FC236}">
+                <a16:creationId xmlns:a16="http://schemas.microsoft.com/office/drawing/2014/main" id="{F5A0E246-5EFB-6CAA-3BC3-F0CE019FE07C}"/>
+              </a:ext>
+            </a:extLst>
+          </p:cNvPr>
+          <p:cNvSpPr txBox="1"/>
+          <p:nvPr/>
+        </p:nvSpPr>
+        <p:spPr>
+          <a:xfrm>
+            <a:off x="480186" y="288589"/>
+            <a:ext cx="4918884" cy="369332"/>
+          </a:xfrm>
+          <a:prstGeom prst="rect">
+            <a:avLst/>
+          </a:prstGeom>
+          <a:noFill/>
+        </p:spPr>
+        <p:txBody>
+          <a:bodyPr wrap="square">
+            <a:spAutoFit/>
+          </a:bodyPr>
+          <a:lstStyle/>
+          <a:p>
+            <a:r>
+              <a:rPr lang="es-ES" dirty="0" err="1"/>
+              <a:t>Order</a:t>
+            </a:r>
+            <a:r>
+              <a:rPr lang="es-ES" dirty="0"/>
+              <a:t> </a:t>
+            </a:r>
+            <a:r>
+              <a:rPr lang="es-ES" dirty="0" err="1"/>
+              <a:t>by</a:t>
+            </a:r>
+            <a:r>
+              <a:rPr lang="es-ES" dirty="0"/>
+              <a:t> </a:t>
+            </a:r>
+            <a:r>
+              <a:rPr lang="es-ES" dirty="0" err="1"/>
+              <a:t>higher</a:t>
+            </a:r>
+            <a:r>
+              <a:rPr lang="es-ES" dirty="0"/>
+              <a:t> ni, and </a:t>
+            </a:r>
+            <a:r>
+              <a:rPr lang="es-ES" dirty="0" err="1"/>
+              <a:t>nf</a:t>
+            </a:r>
+            <a:endParaRPr lang="es-ES" dirty="0"/>
+          </a:p>
+        </p:txBody>
+      </p:sp>
+      <p:graphicFrame>
+        <p:nvGraphicFramePr>
+          <p:cNvPr id="84" name="Tabla 84">
+            <a:extLst>
+              <a:ext uri="{FF2B5EF4-FFF2-40B4-BE49-F238E27FC236}">
+                <a16:creationId xmlns:a16="http://schemas.microsoft.com/office/drawing/2014/main" id="{44A841D1-E709-9002-488C-8516DA18327C}"/>
+              </a:ext>
+            </a:extLst>
+          </p:cNvPr>
+          <p:cNvGraphicFramePr>
+            <a:graphicFrameLocks noGrp="1"/>
+          </p:cNvGraphicFramePr>
+          <p:nvPr>
+            <p:extLst>
+              <p:ext uri="{D42A27DB-BD31-4B8C-83A1-F6EECF244321}">
+                <p14:modId xmlns:p14="http://schemas.microsoft.com/office/powerpoint/2010/main" val="2611200406"/>
+              </p:ext>
+            </p:extLst>
+          </p:nvPr>
+        </p:nvGraphicFramePr>
+        <p:xfrm>
+          <a:off x="945222" y="955871"/>
+          <a:ext cx="9965933" cy="2936045"/>
+        </p:xfrm>
+        <a:graphic>
+          <a:graphicData uri="http://schemas.openxmlformats.org/drawingml/2006/table">
+            <a:tbl>
+              <a:tblPr firstRow="1" bandRow="1">
+                <a:tableStyleId>{5C22544A-7EE6-4342-B048-85BDC9FD1C3A}</a:tableStyleId>
+              </a:tblPr>
+              <a:tblGrid>
+                <a:gridCol w="2167848">
+                  <a:extLst>
+                    <a:ext uri="{9D8B030D-6E8A-4147-A177-3AD203B41FA5}">
+                      <a16:colId xmlns:a16="http://schemas.microsoft.com/office/drawing/2014/main" val="2323036827"/>
+                    </a:ext>
+                  </a:extLst>
+                </a:gridCol>
+                <a:gridCol w="785973">
+                  <a:extLst>
+                    <a:ext uri="{9D8B030D-6E8A-4147-A177-3AD203B41FA5}">
+                      <a16:colId xmlns:a16="http://schemas.microsoft.com/office/drawing/2014/main" val="4219651512"/>
+                    </a:ext>
+                  </a:extLst>
+                </a:gridCol>
+                <a:gridCol w="2774022">
+                  <a:extLst>
+                    <a:ext uri="{9D8B030D-6E8A-4147-A177-3AD203B41FA5}">
+                      <a16:colId xmlns:a16="http://schemas.microsoft.com/office/drawing/2014/main" val="4260845430"/>
+                    </a:ext>
+                  </a:extLst>
+                </a:gridCol>
+                <a:gridCol w="863029">
+                  <a:extLst>
+                    <a:ext uri="{9D8B030D-6E8A-4147-A177-3AD203B41FA5}">
+                      <a16:colId xmlns:a16="http://schemas.microsoft.com/office/drawing/2014/main" val="3954425737"/>
+                    </a:ext>
+                  </a:extLst>
+                </a:gridCol>
+                <a:gridCol w="924675">
+                  <a:extLst>
+                    <a:ext uri="{9D8B030D-6E8A-4147-A177-3AD203B41FA5}">
+                      <a16:colId xmlns:a16="http://schemas.microsoft.com/office/drawing/2014/main" val="3348056202"/>
+                    </a:ext>
+                  </a:extLst>
+                </a:gridCol>
+                <a:gridCol w="785973">
+                  <a:extLst>
+                    <a:ext uri="{9D8B030D-6E8A-4147-A177-3AD203B41FA5}">
+                      <a16:colId xmlns:a16="http://schemas.microsoft.com/office/drawing/2014/main" val="3042750458"/>
+                    </a:ext>
+                  </a:extLst>
+                </a:gridCol>
+                <a:gridCol w="791110">
+                  <a:extLst>
+                    <a:ext uri="{9D8B030D-6E8A-4147-A177-3AD203B41FA5}">
+                      <a16:colId xmlns:a16="http://schemas.microsoft.com/office/drawing/2014/main" val="3737268772"/>
+                    </a:ext>
+                  </a:extLst>
+                </a:gridCol>
+                <a:gridCol w="873303">
+                  <a:extLst>
+                    <a:ext uri="{9D8B030D-6E8A-4147-A177-3AD203B41FA5}">
+                      <a16:colId xmlns:a16="http://schemas.microsoft.com/office/drawing/2014/main" val="1304415790"/>
+                    </a:ext>
+                  </a:extLst>
+                </a:gridCol>
+              </a:tblGrid>
+              <a:tr h="655925">
+                <a:tc>
+                  <a:txBody>
+                    <a:bodyPr/>
+                    <a:lstStyle/>
+                    <a:p>
+                      <a:r>
+                        <a:rPr lang="es-ES" dirty="0" err="1"/>
+                        <a:t>searchedText</a:t>
+                      </a:r>
+                      <a:br>
+                        <a:rPr lang="es-ES" dirty="0"/>
+                      </a:br>
+                      <a:r>
+                        <a:rPr lang="es-ES" dirty="0"/>
+                        <a:t>(BEDCA)</a:t>
+                      </a:r>
+                    </a:p>
+                  </a:txBody>
+                  <a:tcPr/>
+                </a:tc>
+                <a:tc>
+                  <a:txBody>
+                    <a:bodyPr/>
+                    <a:lstStyle/>
+                    <a:p>
+                      <a:r>
+                        <a:rPr lang="es-ES" dirty="0"/>
+                        <a:t>ni</a:t>
+                      </a:r>
+                    </a:p>
+                  </a:txBody>
+                  <a:tcPr/>
+                </a:tc>
+                <a:tc>
+                  <a:txBody>
+                    <a:bodyPr/>
+                    <a:lstStyle/>
+                    <a:p>
+                      <a:r>
+                        <a:rPr lang="es-ES" dirty="0"/>
+                        <a:t>Match </a:t>
+                      </a:r>
+                      <a:r>
+                        <a:rPr lang="es-ES" dirty="0" err="1"/>
+                        <a:t>from</a:t>
+                      </a:r>
+                      <a:r>
+                        <a:rPr lang="es-ES" dirty="0"/>
+                        <a:t> </a:t>
+                      </a:r>
+                      <a:r>
+                        <a:rPr lang="es-ES" dirty="0" err="1"/>
+                        <a:t>facet</a:t>
+                      </a:r>
+                      <a:endParaRPr lang="es-ES" dirty="0"/>
+                    </a:p>
+                  </a:txBody>
+                  <a:tcPr/>
+                </a:tc>
+                <a:tc>
+                  <a:txBody>
+                    <a:bodyPr/>
+                    <a:lstStyle/>
+                    <a:p>
+                      <a:r>
+                        <a:rPr lang="es-ES" dirty="0" err="1"/>
+                        <a:t>nf</a:t>
+                      </a:r>
+                      <a:endParaRPr lang="es-ES" dirty="0"/>
+                    </a:p>
+                  </a:txBody>
+                  <a:tcPr/>
+                </a:tc>
+                <a:tc>
+                  <a:txBody>
+                    <a:bodyPr/>
+                    <a:lstStyle/>
+                    <a:p>
+                      <a:r>
+                        <a:rPr lang="es-ES" dirty="0"/>
+                        <a:t>mi</a:t>
+                      </a:r>
+                    </a:p>
+                  </a:txBody>
+                  <a:tcPr/>
+                </a:tc>
+                <a:tc>
+                  <a:txBody>
+                    <a:bodyPr/>
+                    <a:lstStyle/>
+                    <a:p>
+                      <a:r>
+                        <a:rPr lang="es-ES" dirty="0" err="1"/>
+                        <a:t>mf</a:t>
+                      </a:r>
+                      <a:endParaRPr lang="es-ES" dirty="0"/>
+                    </a:p>
+                  </a:txBody>
+                  <a:tcPr/>
+                </a:tc>
+                <a:tc>
+                  <a:txBody>
+                    <a:bodyPr/>
+                    <a:lstStyle/>
+                    <a:p>
+                      <a:r>
+                        <a:rPr lang="es-ES" dirty="0" err="1"/>
+                        <a:t>ri</a:t>
+                      </a:r>
+                      <a:endParaRPr lang="es-ES" dirty="0"/>
+                    </a:p>
+                  </a:txBody>
+                  <a:tcPr/>
+                </a:tc>
+                <a:tc>
+                  <a:txBody>
+                    <a:bodyPr/>
+                    <a:lstStyle/>
+                    <a:p>
+                      <a:r>
+                        <a:rPr lang="es-ES" dirty="0" err="1"/>
+                        <a:t>rf</a:t>
+                      </a:r>
+                      <a:endParaRPr lang="es-ES" dirty="0"/>
+                    </a:p>
+                  </a:txBody>
+                  <a:tcPr/>
+                </a:tc>
+                <a:extLst>
+                  <a:ext uri="{0D108BD9-81ED-4DB2-BD59-A6C34878D82A}">
+                    <a16:rowId xmlns:a16="http://schemas.microsoft.com/office/drawing/2014/main" val="3148219874"/>
+                  </a:ext>
+                </a:extLst>
+              </a:tr>
+              <a:tr h="380020">
+                <a:tc>
+                  <a:txBody>
+                    <a:bodyPr/>
+                    <a:lstStyle/>
+                    <a:p>
+                      <a:r>
+                        <a:rPr lang="es-ES" dirty="0"/>
+                        <a:t>Tuna</a:t>
+                      </a:r>
+                    </a:p>
+                  </a:txBody>
+                  <a:tcPr/>
+                </a:tc>
+                <a:tc>
+                  <a:txBody>
+                    <a:bodyPr/>
+                    <a:lstStyle/>
+                    <a:p>
+                      <a:r>
+                        <a:rPr lang="es-ES" dirty="0"/>
+                        <a:t>1</a:t>
+                      </a:r>
+                    </a:p>
+                  </a:txBody>
+                  <a:tcPr/>
+                </a:tc>
+                <a:tc>
+                  <a:txBody>
+                    <a:bodyPr/>
+                    <a:lstStyle/>
+                    <a:p>
+                      <a:r>
+                        <a:rPr lang="es-ES" dirty="0"/>
+                        <a:t>Tuna</a:t>
+                      </a:r>
+                    </a:p>
+                  </a:txBody>
+                  <a:tcPr/>
+                </a:tc>
+                <a:tc>
+                  <a:txBody>
+                    <a:bodyPr/>
+                    <a:lstStyle/>
+                    <a:p>
+                      <a:r>
+                        <a:rPr lang="es-ES" dirty="0"/>
+                        <a:t>1</a:t>
+                      </a:r>
+                    </a:p>
+                  </a:txBody>
+                  <a:tcPr/>
+                </a:tc>
+                <a:tc>
+                  <a:txBody>
+                    <a:bodyPr/>
+                    <a:lstStyle/>
+                    <a:p>
+                      <a:r>
+                        <a:rPr lang="es-ES" dirty="0"/>
+                        <a:t>1</a:t>
+                      </a:r>
+                    </a:p>
+                  </a:txBody>
+                  <a:tcPr/>
+                </a:tc>
+                <a:tc>
+                  <a:txBody>
+                    <a:bodyPr/>
+                    <a:lstStyle/>
+                    <a:p>
+                      <a:r>
+                        <a:rPr lang="es-ES" dirty="0"/>
+                        <a:t>1</a:t>
+                      </a:r>
+                    </a:p>
+                  </a:txBody>
+                  <a:tcPr/>
+                </a:tc>
+                <a:tc>
+                  <a:txBody>
+                    <a:bodyPr/>
+                    <a:lstStyle/>
+                    <a:p>
+                      <a:r>
+                        <a:rPr lang="es-ES" dirty="0"/>
+                        <a:t>1</a:t>
+                      </a:r>
+                    </a:p>
+                  </a:txBody>
+                  <a:tcPr/>
+                </a:tc>
+                <a:tc>
+                  <a:txBody>
+                    <a:bodyPr/>
+                    <a:lstStyle/>
+                    <a:p>
+                      <a:r>
+                        <a:rPr lang="es-ES" dirty="0"/>
+                        <a:t>1</a:t>
+                      </a:r>
+                    </a:p>
+                  </a:txBody>
+                  <a:tcPr/>
+                </a:tc>
+                <a:extLst>
+                  <a:ext uri="{0D108BD9-81ED-4DB2-BD59-A6C34878D82A}">
+                    <a16:rowId xmlns:a16="http://schemas.microsoft.com/office/drawing/2014/main" val="6458497"/>
+                  </a:ext>
+                </a:extLst>
+              </a:tr>
+              <a:tr h="380020">
+                <a:tc>
+                  <a:txBody>
+                    <a:bodyPr/>
+                    <a:lstStyle/>
+                    <a:p>
+                      <a:r>
+                        <a:rPr lang="es-ES" dirty="0"/>
+                        <a:t>Tuna</a:t>
+                      </a:r>
+                    </a:p>
+                  </a:txBody>
+                  <a:tcPr/>
+                </a:tc>
+                <a:tc>
+                  <a:txBody>
+                    <a:bodyPr/>
+                    <a:lstStyle/>
+                    <a:p>
+                      <a:r>
+                        <a:rPr lang="es-ES" dirty="0"/>
+                        <a:t>1</a:t>
+                      </a:r>
+                    </a:p>
+                  </a:txBody>
+                  <a:tcPr/>
+                </a:tc>
+                <a:tc>
+                  <a:txBody>
+                    <a:bodyPr/>
+                    <a:lstStyle/>
+                    <a:p>
+                      <a:r>
+                        <a:rPr lang="es-ES" dirty="0"/>
+                        <a:t>Tuna, </a:t>
+                      </a:r>
+                      <a:r>
+                        <a:rPr lang="es-ES" dirty="0" err="1"/>
+                        <a:t>bigeye</a:t>
+                      </a:r>
+                      <a:endParaRPr lang="es-ES" dirty="0"/>
+                    </a:p>
+                  </a:txBody>
+                  <a:tcPr/>
+                </a:tc>
+                <a:tc>
+                  <a:txBody>
+                    <a:bodyPr/>
+                    <a:lstStyle/>
+                    <a:p>
+                      <a:r>
+                        <a:rPr lang="es-ES" dirty="0"/>
+                        <a:t>2</a:t>
+                      </a:r>
+                    </a:p>
+                  </a:txBody>
+                  <a:tcPr/>
+                </a:tc>
+                <a:tc>
+                  <a:txBody>
+                    <a:bodyPr/>
+                    <a:lstStyle/>
+                    <a:p>
+                      <a:r>
+                        <a:rPr lang="es-ES" dirty="0"/>
+                        <a:t>1</a:t>
+                      </a:r>
+                    </a:p>
+                  </a:txBody>
+                  <a:tcPr/>
+                </a:tc>
+                <a:tc>
+                  <a:txBody>
+                    <a:bodyPr/>
+                    <a:lstStyle/>
+                    <a:p>
+                      <a:r>
+                        <a:rPr lang="es-ES" dirty="0"/>
+                        <a:t>1</a:t>
+                      </a:r>
+                    </a:p>
+                  </a:txBody>
+                  <a:tcPr/>
+                </a:tc>
+                <a:tc>
+                  <a:txBody>
+                    <a:bodyPr/>
+                    <a:lstStyle/>
+                    <a:p>
+                      <a:r>
+                        <a:rPr lang="es-ES" dirty="0"/>
+                        <a:t>1</a:t>
+                      </a:r>
+                    </a:p>
+                  </a:txBody>
+                  <a:tcPr/>
+                </a:tc>
+                <a:tc>
+                  <a:txBody>
+                    <a:bodyPr/>
+                    <a:lstStyle/>
+                    <a:p>
+                      <a:r>
+                        <a:rPr lang="es-ES" dirty="0"/>
+                        <a:t>0.5</a:t>
+                      </a:r>
+                    </a:p>
+                  </a:txBody>
+                  <a:tcPr/>
+                </a:tc>
+                <a:extLst>
+                  <a:ext uri="{0D108BD9-81ED-4DB2-BD59-A6C34878D82A}">
+                    <a16:rowId xmlns:a16="http://schemas.microsoft.com/office/drawing/2014/main" val="3305724439"/>
+                  </a:ext>
+                </a:extLst>
+              </a:tr>
+              <a:tr h="380020">
+                <a:tc>
+                  <a:txBody>
+                    <a:bodyPr/>
+                    <a:lstStyle/>
+                    <a:p>
+                      <a:r>
+                        <a:rPr lang="es-ES" dirty="0"/>
+                        <a:t>Tuna</a:t>
+                      </a:r>
+                    </a:p>
+                  </a:txBody>
+                  <a:tcPr/>
+                </a:tc>
+                <a:tc>
+                  <a:txBody>
+                    <a:bodyPr/>
+                    <a:lstStyle/>
+                    <a:p>
+                      <a:r>
+                        <a:rPr lang="es-ES" dirty="0"/>
+                        <a:t>1</a:t>
+                      </a:r>
+                    </a:p>
+                  </a:txBody>
+                  <a:tcPr/>
+                </a:tc>
+                <a:tc>
+                  <a:txBody>
+                    <a:bodyPr/>
+                    <a:lstStyle/>
+                    <a:p>
+                      <a:r>
+                        <a:rPr lang="es-ES" dirty="0"/>
+                        <a:t>Tuna, </a:t>
+                      </a:r>
+                      <a:r>
+                        <a:rPr lang="es-ES" dirty="0" err="1"/>
+                        <a:t>blackfin</a:t>
+                      </a:r>
+                      <a:endParaRPr lang="es-ES" dirty="0"/>
+                    </a:p>
+                  </a:txBody>
+                  <a:tcPr/>
+                </a:tc>
+                <a:tc>
+                  <a:txBody>
+                    <a:bodyPr/>
+                    <a:lstStyle/>
+                    <a:p>
+                      <a:r>
+                        <a:rPr lang="es-ES" dirty="0"/>
+                        <a:t>2</a:t>
+                      </a:r>
+                    </a:p>
+                  </a:txBody>
+                  <a:tcPr/>
+                </a:tc>
+                <a:tc>
+                  <a:txBody>
+                    <a:bodyPr/>
+                    <a:lstStyle/>
+                    <a:p>
+                      <a:r>
+                        <a:rPr lang="es-ES" dirty="0"/>
+                        <a:t>1</a:t>
+                      </a:r>
+                    </a:p>
+                  </a:txBody>
+                  <a:tcPr/>
+                </a:tc>
+                <a:tc>
+                  <a:txBody>
+                    <a:bodyPr/>
+                    <a:lstStyle/>
+                    <a:p>
+                      <a:r>
+                        <a:rPr lang="es-ES" dirty="0"/>
+                        <a:t>1</a:t>
+                      </a:r>
+                    </a:p>
+                  </a:txBody>
+                  <a:tcPr/>
+                </a:tc>
+                <a:tc>
+                  <a:txBody>
+                    <a:bodyPr/>
+                    <a:lstStyle/>
+                    <a:p>
+                      <a:r>
+                        <a:rPr lang="es-ES" dirty="0"/>
+                        <a:t>1</a:t>
+                      </a:r>
+                    </a:p>
+                  </a:txBody>
+                  <a:tcPr/>
+                </a:tc>
+                <a:tc>
+                  <a:txBody>
+                    <a:bodyPr/>
+                    <a:lstStyle/>
+                    <a:p>
+                      <a:r>
+                        <a:rPr lang="es-ES" dirty="0"/>
+                        <a:t>0.5</a:t>
+                      </a:r>
+                    </a:p>
+                  </a:txBody>
+                  <a:tcPr/>
+                </a:tc>
+                <a:extLst>
+                  <a:ext uri="{0D108BD9-81ED-4DB2-BD59-A6C34878D82A}">
+                    <a16:rowId xmlns:a16="http://schemas.microsoft.com/office/drawing/2014/main" val="434430061"/>
+                  </a:ext>
+                </a:extLst>
+              </a:tr>
+              <a:tr h="380020">
+                <a:tc>
+                  <a:txBody>
+                    <a:bodyPr/>
+                    <a:lstStyle/>
+                    <a:p>
+                      <a:r>
+                        <a:rPr lang="es-ES" dirty="0"/>
+                        <a:t>…</a:t>
+                      </a:r>
+                    </a:p>
+                  </a:txBody>
+                  <a:tcPr/>
+                </a:tc>
+                <a:tc>
+                  <a:txBody>
+                    <a:bodyPr/>
+                    <a:lstStyle/>
+                    <a:p>
+                      <a:r>
+                        <a:rPr lang="es-ES" dirty="0"/>
+                        <a:t>…</a:t>
+                      </a:r>
+                    </a:p>
+                  </a:txBody>
+                  <a:tcPr/>
+                </a:tc>
+                <a:tc>
+                  <a:txBody>
+                    <a:bodyPr/>
+                    <a:lstStyle/>
+                    <a:p>
+                      <a:r>
+                        <a:rPr lang="es-ES" dirty="0"/>
+                        <a:t>…</a:t>
+                      </a:r>
+                    </a:p>
+                  </a:txBody>
+                  <a:tcPr/>
+                </a:tc>
+                <a:tc>
+                  <a:txBody>
+                    <a:bodyPr/>
+                    <a:lstStyle/>
+                    <a:p>
+                      <a:r>
+                        <a:rPr lang="es-ES" dirty="0"/>
+                        <a:t>…</a:t>
+                      </a:r>
+                    </a:p>
+                  </a:txBody>
+                  <a:tcPr/>
+                </a:tc>
+                <a:tc>
+                  <a:txBody>
+                    <a:bodyPr/>
+                    <a:lstStyle/>
+                    <a:p>
+                      <a:r>
+                        <a:rPr lang="es-ES" dirty="0"/>
+                        <a:t>…</a:t>
+                      </a:r>
+                    </a:p>
+                  </a:txBody>
+                  <a:tcPr/>
+                </a:tc>
+                <a:tc>
+                  <a:txBody>
+                    <a:bodyPr/>
+                    <a:lstStyle/>
+                    <a:p>
+                      <a:r>
+                        <a:rPr lang="es-ES" dirty="0"/>
+                        <a:t>…</a:t>
+                      </a:r>
+                    </a:p>
+                  </a:txBody>
+                  <a:tcPr/>
+                </a:tc>
+                <a:tc>
+                  <a:txBody>
+                    <a:bodyPr/>
+                    <a:lstStyle/>
+                    <a:p>
+                      <a:r>
+                        <a:rPr lang="es-ES" dirty="0"/>
+                        <a:t>…</a:t>
+                      </a:r>
+                    </a:p>
+                  </a:txBody>
+                  <a:tcPr/>
+                </a:tc>
+                <a:tc>
+                  <a:txBody>
+                    <a:bodyPr/>
+                    <a:lstStyle/>
+                    <a:p>
+                      <a:r>
+                        <a:rPr lang="es-ES" dirty="0"/>
+                        <a:t>…</a:t>
+                      </a:r>
+                    </a:p>
+                  </a:txBody>
+                  <a:tcPr/>
+                </a:tc>
+                <a:extLst>
+                  <a:ext uri="{0D108BD9-81ED-4DB2-BD59-A6C34878D82A}">
+                    <a16:rowId xmlns:a16="http://schemas.microsoft.com/office/drawing/2014/main" val="2925796638"/>
+                  </a:ext>
+                </a:extLst>
+              </a:tr>
+              <a:tr h="380020">
+                <a:tc>
+                  <a:txBody>
+                    <a:bodyPr/>
+                    <a:lstStyle/>
+                    <a:p>
+                      <a:r>
+                        <a:rPr lang="es-ES" dirty="0"/>
+                        <a:t>Tuna</a:t>
+                      </a:r>
+                    </a:p>
+                  </a:txBody>
+                  <a:tcPr/>
+                </a:tc>
+                <a:tc>
+                  <a:txBody>
+                    <a:bodyPr/>
+                    <a:lstStyle/>
+                    <a:p>
+                      <a:r>
+                        <a:rPr lang="es-ES" dirty="0"/>
+                        <a:t>1</a:t>
+                      </a:r>
+                    </a:p>
+                  </a:txBody>
+                  <a:tcPr/>
+                </a:tc>
+                <a:tc>
+                  <a:txBody>
+                    <a:bodyPr/>
+                    <a:lstStyle/>
+                    <a:p>
+                      <a:r>
+                        <a:rPr lang="es-ES" dirty="0"/>
+                        <a:t>Tuna and bonito (</a:t>
+                      </a:r>
+                      <a:r>
+                        <a:rPr lang="es-ES" dirty="0" err="1"/>
+                        <a:t>generic</a:t>
+                      </a:r>
+                      <a:r>
+                        <a:rPr lang="es-ES" dirty="0"/>
+                        <a:t>)</a:t>
+                      </a:r>
+                    </a:p>
+                  </a:txBody>
+                  <a:tcPr/>
+                </a:tc>
+                <a:tc>
+                  <a:txBody>
+                    <a:bodyPr/>
+                    <a:lstStyle/>
+                    <a:p>
+                      <a:r>
+                        <a:rPr lang="es-ES" dirty="0"/>
+                        <a:t>3</a:t>
+                      </a:r>
+                    </a:p>
+                  </a:txBody>
+                  <a:tcPr/>
+                </a:tc>
+                <a:tc>
+                  <a:txBody>
+                    <a:bodyPr/>
+                    <a:lstStyle/>
+                    <a:p>
+                      <a:r>
+                        <a:rPr lang="es-ES" dirty="0"/>
+                        <a:t>1</a:t>
+                      </a:r>
+                    </a:p>
+                  </a:txBody>
+                  <a:tcPr/>
+                </a:tc>
+                <a:tc>
+                  <a:txBody>
+                    <a:bodyPr/>
+                    <a:lstStyle/>
+                    <a:p>
+                      <a:r>
+                        <a:rPr lang="es-ES" dirty="0"/>
+                        <a:t>1</a:t>
+                      </a:r>
+                    </a:p>
+                  </a:txBody>
+                  <a:tcPr/>
+                </a:tc>
+                <a:tc>
+                  <a:txBody>
+                    <a:bodyPr/>
+                    <a:lstStyle/>
+                    <a:p>
+                      <a:r>
+                        <a:rPr lang="es-ES" dirty="0"/>
+                        <a:t>1</a:t>
+                      </a:r>
+                    </a:p>
+                  </a:txBody>
+                  <a:tcPr/>
+                </a:tc>
+                <a:tc>
+                  <a:txBody>
+                    <a:bodyPr/>
+                    <a:lstStyle/>
+                    <a:p>
+                      <a:r>
+                        <a:rPr lang="es-ES" dirty="0"/>
+                        <a:t>0.333</a:t>
+                      </a:r>
+                    </a:p>
+                  </a:txBody>
+                  <a:tcPr/>
+                </a:tc>
+                <a:extLst>
+                  <a:ext uri="{0D108BD9-81ED-4DB2-BD59-A6C34878D82A}">
+                    <a16:rowId xmlns:a16="http://schemas.microsoft.com/office/drawing/2014/main" val="3538489641"/>
+                  </a:ext>
+                </a:extLst>
+              </a:tr>
+              <a:tr h="380020">
+                <a:tc>
+                  <a:txBody>
+                    <a:bodyPr/>
+                    <a:lstStyle/>
+                    <a:p>
+                      <a:r>
+                        <a:rPr lang="es-ES" dirty="0"/>
+                        <a:t>Tuna</a:t>
+                      </a:r>
+                    </a:p>
+                  </a:txBody>
+                  <a:tcPr/>
+                </a:tc>
+                <a:tc>
+                  <a:txBody>
+                    <a:bodyPr/>
+                    <a:lstStyle/>
+                    <a:p>
+                      <a:r>
+                        <a:rPr lang="es-ES" dirty="0"/>
+                        <a:t>1</a:t>
+                      </a:r>
+                    </a:p>
+                  </a:txBody>
+                  <a:tcPr/>
+                </a:tc>
+                <a:tc>
+                  <a:txBody>
+                    <a:bodyPr/>
+                    <a:lstStyle/>
+                    <a:p>
+                      <a:r>
+                        <a:rPr lang="es-ES" dirty="0" err="1"/>
+                        <a:t>Northern</a:t>
+                      </a:r>
+                      <a:r>
+                        <a:rPr lang="es-ES" dirty="0"/>
+                        <a:t> </a:t>
+                      </a:r>
+                      <a:r>
+                        <a:rPr lang="es-ES" dirty="0" err="1"/>
+                        <a:t>bluefin</a:t>
+                      </a:r>
+                      <a:r>
+                        <a:rPr lang="es-ES" dirty="0"/>
+                        <a:t> tuna</a:t>
+                      </a:r>
+                    </a:p>
+                  </a:txBody>
+                  <a:tcPr/>
+                </a:tc>
+                <a:tc>
+                  <a:txBody>
+                    <a:bodyPr/>
+                    <a:lstStyle/>
+                    <a:p>
+                      <a:r>
+                        <a:rPr lang="es-ES" dirty="0"/>
+                        <a:t>3</a:t>
+                      </a:r>
+                    </a:p>
+                  </a:txBody>
+                  <a:tcPr/>
+                </a:tc>
+                <a:tc>
+                  <a:txBody>
+                    <a:bodyPr/>
+                    <a:lstStyle/>
+                    <a:p>
+                      <a:r>
+                        <a:rPr lang="es-ES" dirty="0"/>
+                        <a:t>1</a:t>
+                      </a:r>
+                    </a:p>
+                  </a:txBody>
+                  <a:tcPr/>
+                </a:tc>
+                <a:tc>
+                  <a:txBody>
+                    <a:bodyPr/>
+                    <a:lstStyle/>
+                    <a:p>
+                      <a:r>
+                        <a:rPr lang="es-ES" dirty="0"/>
+                        <a:t>1</a:t>
+                      </a:r>
+                    </a:p>
+                  </a:txBody>
+                  <a:tcPr/>
+                </a:tc>
+                <a:tc>
+                  <a:txBody>
+                    <a:bodyPr/>
+                    <a:lstStyle/>
+                    <a:p>
+                      <a:r>
+                        <a:rPr lang="es-ES" dirty="0"/>
+                        <a:t>1</a:t>
+                      </a:r>
+                    </a:p>
+                  </a:txBody>
+                  <a:tcPr/>
+                </a:tc>
+                <a:tc>
+                  <a:txBody>
+                    <a:bodyPr/>
+                    <a:lstStyle/>
+                    <a:p>
+                      <a:r>
+                        <a:rPr lang="es-ES" dirty="0"/>
+                        <a:t>0.33</a:t>
+                      </a:r>
+                    </a:p>
+                  </a:txBody>
+                  <a:tcPr/>
+                </a:tc>
+                <a:extLst>
+                  <a:ext uri="{0D108BD9-81ED-4DB2-BD59-A6C34878D82A}">
+                    <a16:rowId xmlns:a16="http://schemas.microsoft.com/office/drawing/2014/main" val="1126643404"/>
+                  </a:ext>
+                </a:extLst>
+              </a:tr>
+            </a:tbl>
+          </a:graphicData>
+        </a:graphic>
+      </p:graphicFrame>
+      <p:sp>
+        <p:nvSpPr>
+          <p:cNvPr id="3" name="CuadroTexto 2">
+            <a:extLst>
+              <a:ext uri="{FF2B5EF4-FFF2-40B4-BE49-F238E27FC236}">
+                <a16:creationId xmlns:a16="http://schemas.microsoft.com/office/drawing/2014/main" id="{5ED71958-5A6B-1FFB-EA78-E666FA687A1C}"/>
+              </a:ext>
+            </a:extLst>
+          </p:cNvPr>
+          <p:cNvSpPr txBox="1"/>
+          <p:nvPr/>
+        </p:nvSpPr>
+        <p:spPr>
+          <a:xfrm>
+            <a:off x="1557819" y="4359282"/>
+            <a:ext cx="6095144" cy="646331"/>
+          </a:xfrm>
+          <a:prstGeom prst="rect">
+            <a:avLst/>
+          </a:prstGeom>
+          <a:noFill/>
+        </p:spPr>
+        <p:txBody>
+          <a:bodyPr wrap="square">
+            <a:spAutoFit/>
+          </a:bodyPr>
+          <a:lstStyle/>
+          <a:p>
+            <a:r>
+              <a:rPr lang="es-ES" dirty="0" err="1"/>
+              <a:t>For</a:t>
+            </a:r>
+            <a:r>
+              <a:rPr lang="es-ES" dirty="0"/>
+              <a:t> </a:t>
+            </a:r>
+            <a:r>
+              <a:rPr lang="es-ES" dirty="0" err="1"/>
+              <a:t>ri</a:t>
+            </a:r>
+            <a:r>
+              <a:rPr lang="es-ES" dirty="0"/>
+              <a:t> = 1</a:t>
+            </a:r>
+          </a:p>
+          <a:p>
+            <a:r>
+              <a:rPr lang="es-ES" dirty="0"/>
+              <a:t>  </a:t>
+            </a:r>
+            <a:r>
+              <a:rPr lang="es-ES" dirty="0" err="1"/>
+              <a:t>rf</a:t>
+            </a:r>
+            <a:r>
+              <a:rPr lang="es-ES" dirty="0"/>
+              <a:t> </a:t>
+            </a:r>
+            <a:r>
+              <a:rPr lang="es-ES" dirty="0" err="1"/>
+              <a:t>we</a:t>
+            </a:r>
+            <a:r>
+              <a:rPr lang="es-ES" dirty="0"/>
+              <a:t> </a:t>
+            </a:r>
+            <a:r>
+              <a:rPr lang="es-ES" dirty="0" err="1"/>
+              <a:t>should</a:t>
+            </a:r>
+            <a:r>
+              <a:rPr lang="es-ES" dirty="0"/>
+              <a:t> </a:t>
+            </a:r>
+            <a:r>
+              <a:rPr lang="es-ES" dirty="0" err="1"/>
+              <a:t>choose</a:t>
+            </a:r>
+            <a:r>
+              <a:rPr lang="es-ES" dirty="0"/>
+              <a:t> </a:t>
+            </a:r>
+            <a:r>
+              <a:rPr lang="es-ES" dirty="0" err="1"/>
+              <a:t>the</a:t>
+            </a:r>
+            <a:r>
+              <a:rPr lang="es-ES" dirty="0"/>
+              <a:t> </a:t>
+            </a:r>
+            <a:r>
+              <a:rPr lang="es-ES" dirty="0" err="1"/>
+              <a:t>highest</a:t>
+            </a:r>
+            <a:r>
+              <a:rPr lang="es-ES" dirty="0"/>
+              <a:t> (at </a:t>
+            </a:r>
+            <a:r>
+              <a:rPr lang="es-ES" dirty="0" err="1"/>
+              <a:t>least</a:t>
+            </a:r>
+            <a:r>
+              <a:rPr lang="es-ES" dirty="0"/>
+              <a:t> 0.6)</a:t>
+            </a:r>
+          </a:p>
+        </p:txBody>
+      </p:sp>
+      <p:graphicFrame>
+        <p:nvGraphicFramePr>
+          <p:cNvPr id="4" name="Tabla 3">
+            <a:extLst>
+              <a:ext uri="{FF2B5EF4-FFF2-40B4-BE49-F238E27FC236}">
+                <a16:creationId xmlns:a16="http://schemas.microsoft.com/office/drawing/2014/main" id="{C81F39AE-B6B2-0D6C-B191-BAFBA11E2F57}"/>
+              </a:ext>
+            </a:extLst>
+          </p:cNvPr>
+          <p:cNvGraphicFramePr>
+            <a:graphicFrameLocks noGrp="1"/>
+          </p:cNvGraphicFramePr>
+          <p:nvPr>
+            <p:extLst>
+              <p:ext uri="{D42A27DB-BD31-4B8C-83A1-F6EECF244321}">
+                <p14:modId xmlns:p14="http://schemas.microsoft.com/office/powerpoint/2010/main" val="3840211925"/>
+              </p:ext>
+            </p:extLst>
+          </p:nvPr>
+        </p:nvGraphicFramePr>
+        <p:xfrm>
+          <a:off x="945221" y="5565418"/>
+          <a:ext cx="9965933" cy="380020"/>
+        </p:xfrm>
+        <a:graphic>
+          <a:graphicData uri="http://schemas.openxmlformats.org/drawingml/2006/table">
+            <a:tbl>
+              <a:tblPr firstRow="1" bandRow="1">
+                <a:tableStyleId>{00A15C55-8517-42AA-B614-E9B94910E393}</a:tableStyleId>
+              </a:tblPr>
+              <a:tblGrid>
+                <a:gridCol w="2167848">
+                  <a:extLst>
+                    <a:ext uri="{9D8B030D-6E8A-4147-A177-3AD203B41FA5}">
+                      <a16:colId xmlns:a16="http://schemas.microsoft.com/office/drawing/2014/main" val="3746229235"/>
+                    </a:ext>
+                  </a:extLst>
+                </a:gridCol>
+                <a:gridCol w="785973">
+                  <a:extLst>
+                    <a:ext uri="{9D8B030D-6E8A-4147-A177-3AD203B41FA5}">
+                      <a16:colId xmlns:a16="http://schemas.microsoft.com/office/drawing/2014/main" val="1628898954"/>
+                    </a:ext>
+                  </a:extLst>
+                </a:gridCol>
+                <a:gridCol w="2774022">
+                  <a:extLst>
+                    <a:ext uri="{9D8B030D-6E8A-4147-A177-3AD203B41FA5}">
+                      <a16:colId xmlns:a16="http://schemas.microsoft.com/office/drawing/2014/main" val="3897002610"/>
+                    </a:ext>
+                  </a:extLst>
+                </a:gridCol>
+                <a:gridCol w="863029">
+                  <a:extLst>
+                    <a:ext uri="{9D8B030D-6E8A-4147-A177-3AD203B41FA5}">
+                      <a16:colId xmlns:a16="http://schemas.microsoft.com/office/drawing/2014/main" val="821749581"/>
+                    </a:ext>
+                  </a:extLst>
+                </a:gridCol>
+                <a:gridCol w="924675">
+                  <a:extLst>
+                    <a:ext uri="{9D8B030D-6E8A-4147-A177-3AD203B41FA5}">
+                      <a16:colId xmlns:a16="http://schemas.microsoft.com/office/drawing/2014/main" val="68598049"/>
+                    </a:ext>
+                  </a:extLst>
+                </a:gridCol>
+                <a:gridCol w="785973">
+                  <a:extLst>
+                    <a:ext uri="{9D8B030D-6E8A-4147-A177-3AD203B41FA5}">
+                      <a16:colId xmlns:a16="http://schemas.microsoft.com/office/drawing/2014/main" val="2247109727"/>
+                    </a:ext>
+                  </a:extLst>
+                </a:gridCol>
+                <a:gridCol w="791110">
+                  <a:extLst>
+                    <a:ext uri="{9D8B030D-6E8A-4147-A177-3AD203B41FA5}">
+                      <a16:colId xmlns:a16="http://schemas.microsoft.com/office/drawing/2014/main" val="986338938"/>
+                    </a:ext>
+                  </a:extLst>
+                </a:gridCol>
+                <a:gridCol w="873303">
+                  <a:extLst>
+                    <a:ext uri="{9D8B030D-6E8A-4147-A177-3AD203B41FA5}">
+                      <a16:colId xmlns:a16="http://schemas.microsoft.com/office/drawing/2014/main" val="2025426748"/>
+                    </a:ext>
+                  </a:extLst>
+                </a:gridCol>
+              </a:tblGrid>
+              <a:tr h="380020">
+                <a:tc>
+                  <a:txBody>
+                    <a:bodyPr/>
+                    <a:lstStyle/>
+                    <a:p>
+                      <a:r>
+                        <a:rPr lang="es-ES" dirty="0"/>
+                        <a:t>Tuna</a:t>
+                      </a:r>
+                    </a:p>
+                  </a:txBody>
+                  <a:tcPr/>
+                </a:tc>
+                <a:tc>
+                  <a:txBody>
+                    <a:bodyPr/>
+                    <a:lstStyle/>
+                    <a:p>
+                      <a:r>
+                        <a:rPr lang="es-ES" dirty="0"/>
+                        <a:t>1</a:t>
+                      </a:r>
+                    </a:p>
+                  </a:txBody>
+                  <a:tcPr/>
+                </a:tc>
+                <a:tc>
+                  <a:txBody>
+                    <a:bodyPr/>
+                    <a:lstStyle/>
+                    <a:p>
+                      <a:r>
+                        <a:rPr lang="es-ES" dirty="0"/>
+                        <a:t>Tuna</a:t>
+                      </a:r>
+                    </a:p>
+                  </a:txBody>
+                  <a:tcPr/>
+                </a:tc>
+                <a:tc>
+                  <a:txBody>
+                    <a:bodyPr/>
+                    <a:lstStyle/>
+                    <a:p>
+                      <a:r>
+                        <a:rPr lang="es-ES" dirty="0"/>
+                        <a:t>1</a:t>
+                      </a:r>
+                    </a:p>
+                  </a:txBody>
+                  <a:tcPr/>
+                </a:tc>
+                <a:tc>
+                  <a:txBody>
+                    <a:bodyPr/>
+                    <a:lstStyle/>
+                    <a:p>
+                      <a:r>
+                        <a:rPr lang="es-ES" dirty="0"/>
+                        <a:t>1</a:t>
+                      </a:r>
+                    </a:p>
+                  </a:txBody>
+                  <a:tcPr/>
+                </a:tc>
+                <a:tc>
+                  <a:txBody>
+                    <a:bodyPr/>
+                    <a:lstStyle/>
+                    <a:p>
+                      <a:r>
+                        <a:rPr lang="es-ES" dirty="0"/>
+                        <a:t>1</a:t>
+                      </a:r>
+                    </a:p>
+                  </a:txBody>
+                  <a:tcPr/>
+                </a:tc>
+                <a:tc>
+                  <a:txBody>
+                    <a:bodyPr/>
+                    <a:lstStyle/>
+                    <a:p>
+                      <a:r>
+                        <a:rPr lang="es-ES" dirty="0"/>
+                        <a:t>1</a:t>
+                      </a:r>
+                    </a:p>
+                  </a:txBody>
+                  <a:tcPr/>
+                </a:tc>
+                <a:tc>
+                  <a:txBody>
+                    <a:bodyPr/>
+                    <a:lstStyle/>
+                    <a:p>
+                      <a:r>
+                        <a:rPr lang="es-ES" dirty="0"/>
+                        <a:t>1</a:t>
+                      </a:r>
+                    </a:p>
+                  </a:txBody>
+                  <a:tcPr/>
+                </a:tc>
+                <a:extLst>
+                  <a:ext uri="{0D108BD9-81ED-4DB2-BD59-A6C34878D82A}">
+                    <a16:rowId xmlns:a16="http://schemas.microsoft.com/office/drawing/2014/main" val="3700088865"/>
+                  </a:ext>
+                </a:extLst>
+              </a:tr>
+            </a:tbl>
+          </a:graphicData>
+        </a:graphic>
+      </p:graphicFrame>
+    </p:spTree>
+    <p:extLst>
+      <p:ext uri="{BB962C8B-B14F-4D97-AF65-F5344CB8AC3E}">
+        <p14:creationId xmlns:p14="http://schemas.microsoft.com/office/powerpoint/2010/main" val="2121474413"/>
+      </p:ext>
+    </p:extLst>
+  </p:cSld>
+  <p:clrMapOvr>
+    <a:masterClrMapping/>
+  </p:clrMapOvr>
+</p:sld>
+</file>
+
+<file path=ppt/slides/slide12.xml><?xml version="1.0" encoding="utf-8"?>
+<p:sld xmlns:a="http://schemas.openxmlformats.org/drawingml/2006/main" xmlns:r="http://schemas.openxmlformats.org/officeDocument/2006/relationships" xmlns:p="http://schemas.openxmlformats.org/presentationml/2006/main">
+  <p:cSld>
+    <p:spTree>
+      <p:nvGrpSpPr>
+        <p:cNvPr id="1" name=""/>
+        <p:cNvGrpSpPr/>
+        <p:nvPr/>
+      </p:nvGrpSpPr>
+      <p:grpSpPr>
+        <a:xfrm>
+          <a:off x="0" y="0"/>
+          <a:ext cx="0" cy="0"/>
+          <a:chOff x="0" y="0"/>
+          <a:chExt cx="0" cy="0"/>
+        </a:xfrm>
+      </p:grpSpPr>
+      <p:sp>
+        <p:nvSpPr>
+          <p:cNvPr id="81" name="CuadroTexto 80">
+            <a:extLst>
+              <a:ext uri="{FF2B5EF4-FFF2-40B4-BE49-F238E27FC236}">
+                <a16:creationId xmlns:a16="http://schemas.microsoft.com/office/drawing/2014/main" id="{F5A0E246-5EFB-6CAA-3BC3-F0CE019FE07C}"/>
+              </a:ext>
+            </a:extLst>
+          </p:cNvPr>
+          <p:cNvSpPr txBox="1"/>
+          <p:nvPr/>
+        </p:nvSpPr>
+        <p:spPr>
+          <a:xfrm>
+            <a:off x="480186" y="288589"/>
+            <a:ext cx="4918884" cy="369332"/>
+          </a:xfrm>
+          <a:prstGeom prst="rect">
+            <a:avLst/>
+          </a:prstGeom>
+          <a:noFill/>
+        </p:spPr>
+        <p:txBody>
+          <a:bodyPr wrap="square">
+            <a:spAutoFit/>
+          </a:bodyPr>
+          <a:lstStyle/>
+          <a:p>
+            <a:r>
+              <a:rPr lang="es-ES" dirty="0"/>
+              <a:t>Compute ni, mi, </a:t>
+            </a:r>
+            <a:r>
+              <a:rPr lang="es-ES" dirty="0" err="1"/>
+              <a:t>nf</a:t>
+            </a:r>
+            <a:r>
+              <a:rPr lang="es-ES" dirty="0"/>
+              <a:t> and </a:t>
+            </a:r>
+            <a:r>
+              <a:rPr lang="es-ES" dirty="0" err="1"/>
+              <a:t>mf</a:t>
+            </a:r>
+            <a:r>
+              <a:rPr lang="es-ES" dirty="0"/>
+              <a:t> </a:t>
+            </a:r>
+            <a:r>
+              <a:rPr lang="es-ES" dirty="0" err="1"/>
+              <a:t>for</a:t>
+            </a:r>
+            <a:r>
+              <a:rPr lang="es-ES" dirty="0"/>
+              <a:t> </a:t>
+            </a:r>
+            <a:r>
+              <a:rPr lang="es-ES" dirty="0" err="1"/>
+              <a:t>each</a:t>
+            </a:r>
+            <a:r>
+              <a:rPr lang="es-ES" dirty="0"/>
+              <a:t> match</a:t>
+            </a:r>
+          </a:p>
+        </p:txBody>
+      </p:sp>
+      <p:graphicFrame>
+        <p:nvGraphicFramePr>
+          <p:cNvPr id="84" name="Tabla 84">
+            <a:extLst>
+              <a:ext uri="{FF2B5EF4-FFF2-40B4-BE49-F238E27FC236}">
+                <a16:creationId xmlns:a16="http://schemas.microsoft.com/office/drawing/2014/main" id="{44A841D1-E709-9002-488C-8516DA18327C}"/>
+              </a:ext>
+            </a:extLst>
+          </p:cNvPr>
+          <p:cNvGraphicFramePr>
+            <a:graphicFrameLocks noGrp="1"/>
+          </p:cNvGraphicFramePr>
+          <p:nvPr>
+            <p:extLst>
+              <p:ext uri="{D42A27DB-BD31-4B8C-83A1-F6EECF244321}">
+                <p14:modId xmlns:p14="http://schemas.microsoft.com/office/powerpoint/2010/main" val="1201258341"/>
+              </p:ext>
+            </p:extLst>
+          </p:nvPr>
+        </p:nvGraphicFramePr>
+        <p:xfrm>
+          <a:off x="945222" y="955871"/>
+          <a:ext cx="9965933" cy="1795985"/>
+        </p:xfrm>
+        <a:graphic>
+          <a:graphicData uri="http://schemas.openxmlformats.org/drawingml/2006/table">
+            <a:tbl>
+              <a:tblPr firstRow="1" bandRow="1">
+                <a:tableStyleId>{5C22544A-7EE6-4342-B048-85BDC9FD1C3A}</a:tableStyleId>
+              </a:tblPr>
+              <a:tblGrid>
+                <a:gridCol w="2167848">
+                  <a:extLst>
+                    <a:ext uri="{9D8B030D-6E8A-4147-A177-3AD203B41FA5}">
+                      <a16:colId xmlns:a16="http://schemas.microsoft.com/office/drawing/2014/main" val="2323036827"/>
+                    </a:ext>
+                  </a:extLst>
+                </a:gridCol>
+                <a:gridCol w="785973">
+                  <a:extLst>
+                    <a:ext uri="{9D8B030D-6E8A-4147-A177-3AD203B41FA5}">
+                      <a16:colId xmlns:a16="http://schemas.microsoft.com/office/drawing/2014/main" val="4219651512"/>
+                    </a:ext>
+                  </a:extLst>
+                </a:gridCol>
+                <a:gridCol w="2994917">
+                  <a:extLst>
+                    <a:ext uri="{9D8B030D-6E8A-4147-A177-3AD203B41FA5}">
+                      <a16:colId xmlns:a16="http://schemas.microsoft.com/office/drawing/2014/main" val="4260845430"/>
+                    </a:ext>
+                  </a:extLst>
+                </a:gridCol>
+                <a:gridCol w="642134">
+                  <a:extLst>
+                    <a:ext uri="{9D8B030D-6E8A-4147-A177-3AD203B41FA5}">
+                      <a16:colId xmlns:a16="http://schemas.microsoft.com/office/drawing/2014/main" val="3954425737"/>
+                    </a:ext>
+                  </a:extLst>
+                </a:gridCol>
+                <a:gridCol w="924675">
+                  <a:extLst>
+                    <a:ext uri="{9D8B030D-6E8A-4147-A177-3AD203B41FA5}">
+                      <a16:colId xmlns:a16="http://schemas.microsoft.com/office/drawing/2014/main" val="3348056202"/>
+                    </a:ext>
+                  </a:extLst>
+                </a:gridCol>
+                <a:gridCol w="785973">
+                  <a:extLst>
+                    <a:ext uri="{9D8B030D-6E8A-4147-A177-3AD203B41FA5}">
+                      <a16:colId xmlns:a16="http://schemas.microsoft.com/office/drawing/2014/main" val="3042750458"/>
+                    </a:ext>
+                  </a:extLst>
+                </a:gridCol>
+                <a:gridCol w="791110">
+                  <a:extLst>
+                    <a:ext uri="{9D8B030D-6E8A-4147-A177-3AD203B41FA5}">
+                      <a16:colId xmlns:a16="http://schemas.microsoft.com/office/drawing/2014/main" val="3737268772"/>
+                    </a:ext>
+                  </a:extLst>
+                </a:gridCol>
+                <a:gridCol w="873303">
+                  <a:extLst>
+                    <a:ext uri="{9D8B030D-6E8A-4147-A177-3AD203B41FA5}">
+                      <a16:colId xmlns:a16="http://schemas.microsoft.com/office/drawing/2014/main" val="1304415790"/>
+                    </a:ext>
+                  </a:extLst>
+                </a:gridCol>
+              </a:tblGrid>
+              <a:tr h="655925">
+                <a:tc>
+                  <a:txBody>
+                    <a:bodyPr/>
+                    <a:lstStyle/>
+                    <a:p>
+                      <a:r>
+                        <a:rPr lang="es-ES" dirty="0" err="1"/>
+                        <a:t>searchedText</a:t>
+                      </a:r>
+                      <a:br>
+                        <a:rPr lang="es-ES" dirty="0"/>
+                      </a:br>
+                      <a:r>
+                        <a:rPr lang="es-ES" dirty="0"/>
+                        <a:t>(BEDCA)</a:t>
+                      </a:r>
+                    </a:p>
+                  </a:txBody>
+                  <a:tcPr/>
+                </a:tc>
+                <a:tc>
+                  <a:txBody>
+                    <a:bodyPr/>
+                    <a:lstStyle/>
+                    <a:p>
+                      <a:r>
+                        <a:rPr lang="es-ES" dirty="0"/>
+                        <a:t>ni</a:t>
+                      </a:r>
+                    </a:p>
+                  </a:txBody>
+                  <a:tcPr/>
+                </a:tc>
+                <a:tc>
+                  <a:txBody>
+                    <a:bodyPr/>
+                    <a:lstStyle/>
+                    <a:p>
+                      <a:r>
+                        <a:rPr lang="es-ES" dirty="0"/>
+                        <a:t>Match </a:t>
+                      </a:r>
+                      <a:r>
+                        <a:rPr lang="es-ES" dirty="0" err="1"/>
+                        <a:t>from</a:t>
+                      </a:r>
+                      <a:r>
+                        <a:rPr lang="es-ES" dirty="0"/>
+                        <a:t> </a:t>
+                      </a:r>
+                      <a:r>
+                        <a:rPr lang="es-ES" dirty="0" err="1"/>
+                        <a:t>facet</a:t>
+                      </a:r>
+                      <a:endParaRPr lang="es-ES" dirty="0"/>
+                    </a:p>
+                  </a:txBody>
+                  <a:tcPr/>
+                </a:tc>
+                <a:tc>
+                  <a:txBody>
+                    <a:bodyPr/>
+                    <a:lstStyle/>
+                    <a:p>
+                      <a:r>
+                        <a:rPr lang="es-ES" dirty="0" err="1"/>
+                        <a:t>nf</a:t>
+                      </a:r>
+                      <a:endParaRPr lang="es-ES" dirty="0"/>
+                    </a:p>
+                  </a:txBody>
+                  <a:tcPr/>
+                </a:tc>
+                <a:tc>
+                  <a:txBody>
+                    <a:bodyPr/>
+                    <a:lstStyle/>
+                    <a:p>
+                      <a:r>
+                        <a:rPr lang="es-ES" dirty="0"/>
+                        <a:t>mi</a:t>
+                      </a:r>
+                    </a:p>
+                  </a:txBody>
+                  <a:tcPr/>
+                </a:tc>
+                <a:tc>
+                  <a:txBody>
+                    <a:bodyPr/>
+                    <a:lstStyle/>
+                    <a:p>
+                      <a:r>
+                        <a:rPr lang="es-ES" dirty="0" err="1"/>
+                        <a:t>mf</a:t>
+                      </a:r>
+                      <a:endParaRPr lang="es-ES" dirty="0"/>
+                    </a:p>
+                  </a:txBody>
+                  <a:tcPr/>
+                </a:tc>
+                <a:tc>
+                  <a:txBody>
+                    <a:bodyPr/>
+                    <a:lstStyle/>
+                    <a:p>
+                      <a:r>
+                        <a:rPr lang="es-ES" dirty="0" err="1"/>
+                        <a:t>ri</a:t>
+                      </a:r>
+                      <a:endParaRPr lang="es-ES" dirty="0"/>
+                    </a:p>
+                  </a:txBody>
+                  <a:tcPr/>
+                </a:tc>
+                <a:tc>
+                  <a:txBody>
+                    <a:bodyPr/>
+                    <a:lstStyle/>
+                    <a:p>
+                      <a:r>
+                        <a:rPr lang="es-ES" dirty="0" err="1"/>
+                        <a:t>rf</a:t>
+                      </a:r>
+                      <a:endParaRPr lang="es-ES" dirty="0"/>
+                    </a:p>
+                  </a:txBody>
+                  <a:tcPr/>
+                </a:tc>
+                <a:extLst>
+                  <a:ext uri="{0D108BD9-81ED-4DB2-BD59-A6C34878D82A}">
+                    <a16:rowId xmlns:a16="http://schemas.microsoft.com/office/drawing/2014/main" val="3148219874"/>
+                  </a:ext>
+                </a:extLst>
+              </a:tr>
+              <a:tr h="380020">
+                <a:tc>
+                  <a:txBody>
+                    <a:bodyPr/>
+                    <a:lstStyle/>
+                    <a:p>
+                      <a:r>
+                        <a:rPr lang="es-ES" dirty="0"/>
+                        <a:t>Olive </a:t>
+                      </a:r>
+                      <a:r>
+                        <a:rPr lang="es-ES" dirty="0" err="1"/>
+                        <a:t>oil</a:t>
+                      </a:r>
+                      <a:endParaRPr lang="es-ES" dirty="0"/>
+                    </a:p>
+                  </a:txBody>
+                  <a:tcPr/>
+                </a:tc>
+                <a:tc>
+                  <a:txBody>
+                    <a:bodyPr/>
+                    <a:lstStyle/>
+                    <a:p>
+                      <a:r>
+                        <a:rPr lang="es-ES" dirty="0"/>
+                        <a:t>2</a:t>
+                      </a:r>
+                    </a:p>
+                  </a:txBody>
+                  <a:tcPr/>
+                </a:tc>
+                <a:tc>
+                  <a:txBody>
+                    <a:bodyPr/>
+                    <a:lstStyle/>
+                    <a:p>
+                      <a:r>
+                        <a:rPr lang="es-ES" dirty="0"/>
+                        <a:t>Olive </a:t>
+                      </a:r>
+                      <a:r>
+                        <a:rPr lang="es-ES" dirty="0" err="1"/>
+                        <a:t>oils</a:t>
+                      </a:r>
+                      <a:endParaRPr lang="es-ES" dirty="0"/>
+                    </a:p>
+                  </a:txBody>
+                  <a:tcPr/>
+                </a:tc>
+                <a:tc>
+                  <a:txBody>
+                    <a:bodyPr/>
+                    <a:lstStyle/>
+                    <a:p>
+                      <a:r>
+                        <a:rPr lang="es-ES" dirty="0"/>
+                        <a:t>2</a:t>
+                      </a:r>
+                    </a:p>
+                  </a:txBody>
+                  <a:tcPr/>
+                </a:tc>
+                <a:tc>
+                  <a:txBody>
+                    <a:bodyPr/>
+                    <a:lstStyle/>
+                    <a:p>
+                      <a:r>
+                        <a:rPr lang="es-ES" dirty="0"/>
+                        <a:t>2</a:t>
+                      </a:r>
+                    </a:p>
+                  </a:txBody>
+                  <a:tcPr/>
+                </a:tc>
+                <a:tc>
+                  <a:txBody>
+                    <a:bodyPr/>
+                    <a:lstStyle/>
+                    <a:p>
+                      <a:r>
+                        <a:rPr lang="es-ES" dirty="0"/>
+                        <a:t>2</a:t>
+                      </a:r>
+                    </a:p>
+                  </a:txBody>
+                  <a:tcPr/>
+                </a:tc>
+                <a:tc>
+                  <a:txBody>
+                    <a:bodyPr/>
+                    <a:lstStyle/>
+                    <a:p>
+                      <a:r>
+                        <a:rPr lang="es-ES" dirty="0"/>
+                        <a:t>1</a:t>
+                      </a:r>
+                    </a:p>
+                  </a:txBody>
+                  <a:tcPr/>
+                </a:tc>
+                <a:tc>
+                  <a:txBody>
+                    <a:bodyPr/>
+                    <a:lstStyle/>
+                    <a:p>
+                      <a:r>
+                        <a:rPr lang="es-ES" dirty="0"/>
+                        <a:t>1</a:t>
+                      </a:r>
+                    </a:p>
+                  </a:txBody>
+                  <a:tcPr/>
+                </a:tc>
+                <a:extLst>
+                  <a:ext uri="{0D108BD9-81ED-4DB2-BD59-A6C34878D82A}">
+                    <a16:rowId xmlns:a16="http://schemas.microsoft.com/office/drawing/2014/main" val="6458497"/>
+                  </a:ext>
+                </a:extLst>
+              </a:tr>
+              <a:tr h="380020">
+                <a:tc>
+                  <a:txBody>
+                    <a:bodyPr/>
+                    <a:lstStyle/>
+                    <a:p>
+                      <a:r>
+                        <a:rPr lang="es-ES" dirty="0"/>
+                        <a:t>Olive </a:t>
+                      </a:r>
+                      <a:r>
+                        <a:rPr lang="es-ES" dirty="0" err="1"/>
+                        <a:t>oil</a:t>
+                      </a:r>
+                      <a:endParaRPr lang="es-ES" dirty="0"/>
+                    </a:p>
+                  </a:txBody>
+                  <a:tcPr/>
+                </a:tc>
+                <a:tc>
+                  <a:txBody>
+                    <a:bodyPr/>
+                    <a:lstStyle/>
+                    <a:p>
+                      <a:r>
+                        <a:rPr lang="es-ES" dirty="0"/>
+                        <a:t>2</a:t>
+                      </a:r>
+                    </a:p>
+                  </a:txBody>
+                  <a:tcPr/>
+                </a:tc>
+                <a:tc>
+                  <a:txBody>
+                    <a:bodyPr/>
+                    <a:lstStyle/>
+                    <a:p>
+                      <a:r>
+                        <a:rPr lang="es-ES" dirty="0"/>
+                        <a:t>Olive </a:t>
+                      </a:r>
+                      <a:r>
+                        <a:rPr lang="es-ES" dirty="0" err="1"/>
+                        <a:t>oil</a:t>
+                      </a:r>
+                      <a:r>
+                        <a:rPr lang="es-ES" dirty="0"/>
+                        <a:t>, </a:t>
+                      </a:r>
+                      <a:r>
+                        <a:rPr lang="es-ES" dirty="0" err="1"/>
+                        <a:t>virgin</a:t>
+                      </a:r>
+                      <a:r>
+                        <a:rPr lang="es-ES" dirty="0"/>
+                        <a:t> </a:t>
+                      </a:r>
+                      <a:r>
+                        <a:rPr lang="es-ES" dirty="0" err="1"/>
+                        <a:t>or</a:t>
+                      </a:r>
+                      <a:r>
+                        <a:rPr lang="es-ES" dirty="0"/>
+                        <a:t> </a:t>
+                      </a:r>
+                      <a:r>
+                        <a:rPr lang="es-ES" dirty="0" err="1"/>
+                        <a:t>extra-virgin</a:t>
+                      </a:r>
+                      <a:endParaRPr lang="es-ES" dirty="0"/>
+                    </a:p>
+                  </a:txBody>
+                  <a:tcPr/>
+                </a:tc>
+                <a:tc>
+                  <a:txBody>
+                    <a:bodyPr/>
+                    <a:lstStyle/>
+                    <a:p>
+                      <a:r>
+                        <a:rPr lang="es-ES" dirty="0"/>
+                        <a:t>4</a:t>
+                      </a:r>
+                    </a:p>
+                  </a:txBody>
+                  <a:tcPr/>
+                </a:tc>
+                <a:tc>
+                  <a:txBody>
+                    <a:bodyPr/>
+                    <a:lstStyle/>
+                    <a:p>
+                      <a:r>
+                        <a:rPr lang="es-ES" dirty="0"/>
+                        <a:t>2</a:t>
+                      </a:r>
+                    </a:p>
+                  </a:txBody>
+                  <a:tcPr/>
+                </a:tc>
+                <a:tc>
+                  <a:txBody>
+                    <a:bodyPr/>
+                    <a:lstStyle/>
+                    <a:p>
+                      <a:r>
+                        <a:rPr lang="es-ES" dirty="0"/>
+                        <a:t>2</a:t>
+                      </a:r>
+                    </a:p>
+                  </a:txBody>
+                  <a:tcPr/>
+                </a:tc>
+                <a:tc>
+                  <a:txBody>
+                    <a:bodyPr/>
+                    <a:lstStyle/>
+                    <a:p>
+                      <a:r>
+                        <a:rPr lang="es-ES" dirty="0"/>
+                        <a:t>1</a:t>
+                      </a:r>
+                    </a:p>
+                  </a:txBody>
+                  <a:tcPr/>
+                </a:tc>
+                <a:tc>
+                  <a:txBody>
+                    <a:bodyPr/>
+                    <a:lstStyle/>
+                    <a:p>
+                      <a:r>
+                        <a:rPr lang="es-ES" dirty="0"/>
+                        <a:t>0.5</a:t>
+                      </a:r>
+                    </a:p>
+                  </a:txBody>
+                  <a:tcPr/>
+                </a:tc>
+                <a:extLst>
+                  <a:ext uri="{0D108BD9-81ED-4DB2-BD59-A6C34878D82A}">
+                    <a16:rowId xmlns:a16="http://schemas.microsoft.com/office/drawing/2014/main" val="3305724439"/>
+                  </a:ext>
+                </a:extLst>
+              </a:tr>
+              <a:tr h="380020">
+                <a:tc>
+                  <a:txBody>
+                    <a:bodyPr/>
+                    <a:lstStyle/>
+                    <a:p>
+                      <a:r>
+                        <a:rPr lang="es-ES" dirty="0"/>
+                        <a:t>Olive </a:t>
+                      </a:r>
+                      <a:r>
+                        <a:rPr lang="es-ES" dirty="0" err="1"/>
+                        <a:t>oil</a:t>
+                      </a:r>
+                      <a:endParaRPr lang="es-ES" dirty="0"/>
+                    </a:p>
+                  </a:txBody>
+                  <a:tcPr/>
+                </a:tc>
+                <a:tc>
+                  <a:txBody>
+                    <a:bodyPr/>
+                    <a:lstStyle/>
+                    <a:p>
+                      <a:r>
+                        <a:rPr lang="es-ES" dirty="0"/>
+                        <a:t>2</a:t>
+                      </a:r>
+                    </a:p>
+                  </a:txBody>
+                  <a:tcPr/>
+                </a:tc>
+                <a:tc>
+                  <a:txBody>
+                    <a:bodyPr/>
+                    <a:lstStyle/>
+                    <a:p>
+                      <a:r>
+                        <a:rPr lang="es-ES" dirty="0"/>
+                        <a:t>Olive </a:t>
+                      </a:r>
+                      <a:r>
+                        <a:rPr lang="es-ES" dirty="0" err="1"/>
+                        <a:t>oil</a:t>
+                      </a:r>
+                      <a:r>
+                        <a:rPr lang="es-ES" dirty="0"/>
+                        <a:t>, </a:t>
+                      </a:r>
+                      <a:r>
+                        <a:rPr lang="es-ES" dirty="0" err="1"/>
+                        <a:t>refined</a:t>
+                      </a:r>
+                      <a:endParaRPr lang="es-ES" dirty="0"/>
+                    </a:p>
+                  </a:txBody>
+                  <a:tcPr/>
+                </a:tc>
+                <a:tc>
+                  <a:txBody>
+                    <a:bodyPr/>
+                    <a:lstStyle/>
+                    <a:p>
+                      <a:r>
+                        <a:rPr lang="es-ES" dirty="0"/>
+                        <a:t>3</a:t>
+                      </a:r>
+                    </a:p>
+                  </a:txBody>
+                  <a:tcPr/>
+                </a:tc>
+                <a:tc>
+                  <a:txBody>
+                    <a:bodyPr/>
+                    <a:lstStyle/>
+                    <a:p>
+                      <a:r>
+                        <a:rPr lang="es-ES" dirty="0"/>
+                        <a:t>2</a:t>
+                      </a:r>
+                    </a:p>
+                  </a:txBody>
+                  <a:tcPr/>
+                </a:tc>
+                <a:tc>
+                  <a:txBody>
+                    <a:bodyPr/>
+                    <a:lstStyle/>
+                    <a:p>
+                      <a:r>
+                        <a:rPr lang="es-ES" dirty="0"/>
+                        <a:t>2</a:t>
+                      </a:r>
+                    </a:p>
+                  </a:txBody>
+                  <a:tcPr/>
+                </a:tc>
+                <a:tc>
+                  <a:txBody>
+                    <a:bodyPr/>
+                    <a:lstStyle/>
+                    <a:p>
+                      <a:r>
+                        <a:rPr lang="es-ES" dirty="0"/>
+                        <a:t>1</a:t>
+                      </a:r>
+                    </a:p>
+                  </a:txBody>
+                  <a:tcPr/>
+                </a:tc>
+                <a:tc>
+                  <a:txBody>
+                    <a:bodyPr/>
+                    <a:lstStyle/>
+                    <a:p>
+                      <a:r>
+                        <a:rPr lang="es-ES" dirty="0"/>
+                        <a:t>0.66</a:t>
+                      </a:r>
+                    </a:p>
+                  </a:txBody>
+                  <a:tcPr/>
+                </a:tc>
+                <a:extLst>
+                  <a:ext uri="{0D108BD9-81ED-4DB2-BD59-A6C34878D82A}">
+                    <a16:rowId xmlns:a16="http://schemas.microsoft.com/office/drawing/2014/main" val="434430061"/>
+                  </a:ext>
+                </a:extLst>
+              </a:tr>
+            </a:tbl>
+          </a:graphicData>
+        </a:graphic>
+      </p:graphicFrame>
+      <p:sp>
+        <p:nvSpPr>
+          <p:cNvPr id="5" name="Flecha: a la derecha 4">
+            <a:extLst>
+              <a:ext uri="{FF2B5EF4-FFF2-40B4-BE49-F238E27FC236}">
+                <a16:creationId xmlns:a16="http://schemas.microsoft.com/office/drawing/2014/main" id="{CE531B31-03B7-7C22-C16F-76E0B20A1B06}"/>
+              </a:ext>
+            </a:extLst>
+          </p:cNvPr>
+          <p:cNvSpPr/>
+          <p:nvPr/>
+        </p:nvSpPr>
+        <p:spPr>
+          <a:xfrm>
+            <a:off x="282540" y="1707597"/>
+            <a:ext cx="616449" cy="159249"/>
+          </a:xfrm>
+          <a:prstGeom prst="rightArrow">
+            <a:avLst/>
+          </a:prstGeom>
+          <a:solidFill>
+            <a:schemeClr val="accent4">
+              <a:lumMod val="60000"/>
+              <a:lumOff val="40000"/>
+            </a:schemeClr>
+          </a:solidFill>
+        </p:spPr>
+        <p:style>
+          <a:lnRef idx="2">
+            <a:schemeClr val="accent1">
+              <a:shade val="50000"/>
+            </a:schemeClr>
+          </a:lnRef>
+          <a:fillRef idx="1">
+            <a:schemeClr val="accent1"/>
+          </a:fillRef>
+          <a:effectRef idx="0">
+            <a:schemeClr val="accent1"/>
+          </a:effectRef>
+          <a:fontRef idx="minor">
+            <a:schemeClr val="lt1"/>
+          </a:fontRef>
+        </p:style>
+        <p:txBody>
+          <a:bodyPr rtlCol="0" anchor="ctr"/>
+          <a:lstStyle/>
+          <a:p>
+            <a:pPr algn="ctr"/>
+            <a:endParaRPr lang="es-ES"/>
+          </a:p>
+        </p:txBody>
+      </p:sp>
+      <p:sp>
+        <p:nvSpPr>
+          <p:cNvPr id="7" name="CuadroTexto 6">
+            <a:extLst>
+              <a:ext uri="{FF2B5EF4-FFF2-40B4-BE49-F238E27FC236}">
+                <a16:creationId xmlns:a16="http://schemas.microsoft.com/office/drawing/2014/main" id="{319E3E1D-979D-472F-1C6A-486F33D5351B}"/>
+              </a:ext>
+            </a:extLst>
+          </p:cNvPr>
+          <p:cNvSpPr txBox="1"/>
+          <p:nvPr/>
+        </p:nvSpPr>
+        <p:spPr>
+          <a:xfrm>
+            <a:off x="2057403" y="3367493"/>
+            <a:ext cx="8077193" cy="646331"/>
+          </a:xfrm>
+          <a:prstGeom prst="rect">
+            <a:avLst/>
+          </a:prstGeom>
+          <a:noFill/>
+        </p:spPr>
+        <p:txBody>
+          <a:bodyPr wrap="square">
+            <a:spAutoFit/>
+          </a:bodyPr>
+          <a:lstStyle/>
+          <a:p>
+            <a:r>
+              <a:rPr lang="es-ES" dirty="0" err="1"/>
+              <a:t>For</a:t>
+            </a:r>
+            <a:r>
+              <a:rPr lang="es-ES" dirty="0"/>
+              <a:t> </a:t>
+            </a:r>
+            <a:r>
+              <a:rPr lang="es-ES" dirty="0" err="1"/>
+              <a:t>ri</a:t>
+            </a:r>
+            <a:r>
+              <a:rPr lang="es-ES" dirty="0"/>
+              <a:t> = 1</a:t>
+            </a:r>
+          </a:p>
+          <a:p>
+            <a:r>
+              <a:rPr lang="es-ES" dirty="0"/>
+              <a:t>  </a:t>
+            </a:r>
+            <a:r>
+              <a:rPr lang="es-ES" dirty="0" err="1"/>
+              <a:t>rf</a:t>
+            </a:r>
+            <a:r>
+              <a:rPr lang="es-ES" dirty="0"/>
+              <a:t> </a:t>
+            </a:r>
+            <a:r>
+              <a:rPr lang="es-ES" dirty="0" err="1"/>
+              <a:t>we</a:t>
+            </a:r>
+            <a:r>
+              <a:rPr lang="es-ES" dirty="0"/>
+              <a:t> </a:t>
+            </a:r>
+            <a:r>
+              <a:rPr lang="es-ES" dirty="0" err="1"/>
+              <a:t>should</a:t>
+            </a:r>
+            <a:r>
+              <a:rPr lang="es-ES" dirty="0"/>
+              <a:t> </a:t>
+            </a:r>
+            <a:r>
+              <a:rPr lang="es-ES" dirty="0" err="1"/>
+              <a:t>choose</a:t>
+            </a:r>
+            <a:r>
+              <a:rPr lang="es-ES" dirty="0"/>
+              <a:t> </a:t>
+            </a:r>
+            <a:r>
+              <a:rPr lang="es-ES" dirty="0" err="1"/>
+              <a:t>the</a:t>
+            </a:r>
+            <a:r>
+              <a:rPr lang="es-ES" dirty="0"/>
+              <a:t> </a:t>
+            </a:r>
+            <a:r>
+              <a:rPr lang="es-ES" dirty="0" err="1"/>
+              <a:t>highest</a:t>
+            </a:r>
+            <a:r>
+              <a:rPr lang="es-ES" dirty="0"/>
+              <a:t> (at </a:t>
+            </a:r>
+            <a:r>
+              <a:rPr lang="es-ES" dirty="0" err="1"/>
+              <a:t>least</a:t>
+            </a:r>
+            <a:r>
+              <a:rPr lang="es-ES" dirty="0"/>
+              <a:t> 0.6)</a:t>
+            </a:r>
+          </a:p>
+        </p:txBody>
+      </p:sp>
+    </p:spTree>
+    <p:extLst>
+      <p:ext uri="{BB962C8B-B14F-4D97-AF65-F5344CB8AC3E}">
+        <p14:creationId xmlns:p14="http://schemas.microsoft.com/office/powerpoint/2010/main" val="1919065050"/>
+      </p:ext>
+    </p:extLst>
+  </p:cSld>
+  <p:clrMapOvr>
+    <a:masterClrMapping/>
+  </p:clrMapOvr>
+</p:sld>
+</file>
+
+<file path=ppt/slides/slide13.xml><?xml version="1.0" encoding="utf-8"?>
+<p:sld xmlns:a="http://schemas.openxmlformats.org/drawingml/2006/main" xmlns:r="http://schemas.openxmlformats.org/officeDocument/2006/relationships" xmlns:p="http://schemas.openxmlformats.org/presentationml/2006/main">
+  <p:cSld>
+    <p:spTree>
+      <p:nvGrpSpPr>
+        <p:cNvPr id="1" name=""/>
+        <p:cNvGrpSpPr/>
+        <p:nvPr/>
+      </p:nvGrpSpPr>
+      <p:grpSpPr>
+        <a:xfrm>
+          <a:off x="0" y="0"/>
+          <a:ext cx="0" cy="0"/>
+          <a:chOff x="0" y="0"/>
+          <a:chExt cx="0" cy="0"/>
+        </a:xfrm>
+      </p:grpSpPr>
+      <p:graphicFrame>
+        <p:nvGraphicFramePr>
+          <p:cNvPr id="4" name="Tabla 84">
+            <a:extLst>
+              <a:ext uri="{FF2B5EF4-FFF2-40B4-BE49-F238E27FC236}">
+                <a16:creationId xmlns:a16="http://schemas.microsoft.com/office/drawing/2014/main" id="{EA7F25AA-E96E-B8C6-3E13-77327867674A}"/>
+              </a:ext>
+            </a:extLst>
+          </p:cNvPr>
+          <p:cNvGraphicFramePr>
+            <a:graphicFrameLocks noGrp="1"/>
+          </p:cNvGraphicFramePr>
+          <p:nvPr>
+            <p:extLst>
+              <p:ext uri="{D42A27DB-BD31-4B8C-83A1-F6EECF244321}">
+                <p14:modId xmlns:p14="http://schemas.microsoft.com/office/powerpoint/2010/main" val="2881230823"/>
+              </p:ext>
+            </p:extLst>
+          </p:nvPr>
+        </p:nvGraphicFramePr>
+        <p:xfrm>
+          <a:off x="868165" y="543191"/>
+          <a:ext cx="9965933" cy="3053975"/>
+        </p:xfrm>
+        <a:graphic>
+          <a:graphicData uri="http://schemas.openxmlformats.org/drawingml/2006/table">
+            <a:tbl>
+              <a:tblPr firstRow="1" bandRow="1">
+                <a:tableStyleId>{5C22544A-7EE6-4342-B048-85BDC9FD1C3A}</a:tableStyleId>
+              </a:tblPr>
+              <a:tblGrid>
+                <a:gridCol w="2167848">
+                  <a:extLst>
+                    <a:ext uri="{9D8B030D-6E8A-4147-A177-3AD203B41FA5}">
+                      <a16:colId xmlns:a16="http://schemas.microsoft.com/office/drawing/2014/main" val="2323036827"/>
+                    </a:ext>
+                  </a:extLst>
+                </a:gridCol>
+                <a:gridCol w="785973">
+                  <a:extLst>
+                    <a:ext uri="{9D8B030D-6E8A-4147-A177-3AD203B41FA5}">
+                      <a16:colId xmlns:a16="http://schemas.microsoft.com/office/drawing/2014/main" val="4219651512"/>
+                    </a:ext>
+                  </a:extLst>
+                </a:gridCol>
+                <a:gridCol w="2994917">
+                  <a:extLst>
+                    <a:ext uri="{9D8B030D-6E8A-4147-A177-3AD203B41FA5}">
+                      <a16:colId xmlns:a16="http://schemas.microsoft.com/office/drawing/2014/main" val="4260845430"/>
+                    </a:ext>
+                  </a:extLst>
+                </a:gridCol>
+                <a:gridCol w="642134">
+                  <a:extLst>
+                    <a:ext uri="{9D8B030D-6E8A-4147-A177-3AD203B41FA5}">
+                      <a16:colId xmlns:a16="http://schemas.microsoft.com/office/drawing/2014/main" val="3954425737"/>
+                    </a:ext>
+                  </a:extLst>
+                </a:gridCol>
+                <a:gridCol w="924675">
+                  <a:extLst>
+                    <a:ext uri="{9D8B030D-6E8A-4147-A177-3AD203B41FA5}">
+                      <a16:colId xmlns:a16="http://schemas.microsoft.com/office/drawing/2014/main" val="3348056202"/>
+                    </a:ext>
+                  </a:extLst>
+                </a:gridCol>
+                <a:gridCol w="785973">
+                  <a:extLst>
+                    <a:ext uri="{9D8B030D-6E8A-4147-A177-3AD203B41FA5}">
+                      <a16:colId xmlns:a16="http://schemas.microsoft.com/office/drawing/2014/main" val="3042750458"/>
+                    </a:ext>
+                  </a:extLst>
+                </a:gridCol>
+                <a:gridCol w="791110">
+                  <a:extLst>
+                    <a:ext uri="{9D8B030D-6E8A-4147-A177-3AD203B41FA5}">
+                      <a16:colId xmlns:a16="http://schemas.microsoft.com/office/drawing/2014/main" val="3737268772"/>
+                    </a:ext>
+                  </a:extLst>
+                </a:gridCol>
+                <a:gridCol w="873303">
+                  <a:extLst>
+                    <a:ext uri="{9D8B030D-6E8A-4147-A177-3AD203B41FA5}">
+                      <a16:colId xmlns:a16="http://schemas.microsoft.com/office/drawing/2014/main" val="1304415790"/>
+                    </a:ext>
+                  </a:extLst>
+                </a:gridCol>
+              </a:tblGrid>
+              <a:tr h="655925">
+                <a:tc>
+                  <a:txBody>
+                    <a:bodyPr/>
+                    <a:lstStyle/>
+                    <a:p>
+                      <a:r>
+                        <a:rPr lang="es-ES" dirty="0" err="1"/>
+                        <a:t>searchedText</a:t>
+                      </a:r>
+                      <a:br>
+                        <a:rPr lang="es-ES" dirty="0"/>
+                      </a:br>
+                      <a:r>
+                        <a:rPr lang="es-ES" dirty="0"/>
+                        <a:t>(BEDCA)</a:t>
+                      </a:r>
+                    </a:p>
+                  </a:txBody>
+                  <a:tcPr/>
+                </a:tc>
+                <a:tc>
+                  <a:txBody>
+                    <a:bodyPr/>
+                    <a:lstStyle/>
+                    <a:p>
+                      <a:r>
+                        <a:rPr lang="es-ES" dirty="0"/>
+                        <a:t>ni</a:t>
+                      </a:r>
+                    </a:p>
+                  </a:txBody>
+                  <a:tcPr/>
+                </a:tc>
+                <a:tc>
+                  <a:txBody>
+                    <a:bodyPr/>
+                    <a:lstStyle/>
+                    <a:p>
+                      <a:r>
+                        <a:rPr lang="es-ES" dirty="0"/>
+                        <a:t>Match </a:t>
+                      </a:r>
+                      <a:r>
+                        <a:rPr lang="es-ES" dirty="0" err="1"/>
+                        <a:t>from</a:t>
+                      </a:r>
+                      <a:r>
+                        <a:rPr lang="es-ES" dirty="0"/>
+                        <a:t> </a:t>
+                      </a:r>
+                      <a:r>
+                        <a:rPr lang="es-ES" dirty="0" err="1"/>
+                        <a:t>facet</a:t>
+                      </a:r>
+                      <a:endParaRPr lang="es-ES" dirty="0"/>
+                    </a:p>
+                  </a:txBody>
+                  <a:tcPr/>
+                </a:tc>
+                <a:tc>
+                  <a:txBody>
+                    <a:bodyPr/>
+                    <a:lstStyle/>
+                    <a:p>
+                      <a:r>
+                        <a:rPr lang="es-ES" dirty="0" err="1"/>
+                        <a:t>nf</a:t>
+                      </a:r>
+                      <a:endParaRPr lang="es-ES" dirty="0"/>
+                    </a:p>
+                  </a:txBody>
+                  <a:tcPr/>
+                </a:tc>
+                <a:tc>
+                  <a:txBody>
+                    <a:bodyPr/>
+                    <a:lstStyle/>
+                    <a:p>
+                      <a:r>
+                        <a:rPr lang="es-ES" dirty="0"/>
+                        <a:t>mi</a:t>
+                      </a:r>
+                    </a:p>
+                  </a:txBody>
+                  <a:tcPr/>
+                </a:tc>
+                <a:tc>
+                  <a:txBody>
+                    <a:bodyPr/>
+                    <a:lstStyle/>
+                    <a:p>
+                      <a:r>
+                        <a:rPr lang="es-ES" dirty="0" err="1"/>
+                        <a:t>mf</a:t>
+                      </a:r>
+                      <a:endParaRPr lang="es-ES" dirty="0"/>
+                    </a:p>
+                  </a:txBody>
+                  <a:tcPr/>
+                </a:tc>
+                <a:tc>
+                  <a:txBody>
+                    <a:bodyPr/>
+                    <a:lstStyle/>
+                    <a:p>
+                      <a:r>
+                        <a:rPr lang="es-ES" dirty="0" err="1"/>
+                        <a:t>ri</a:t>
+                      </a:r>
+                      <a:endParaRPr lang="es-ES" dirty="0"/>
+                    </a:p>
+                  </a:txBody>
+                  <a:tcPr/>
+                </a:tc>
+                <a:tc>
+                  <a:txBody>
+                    <a:bodyPr/>
+                    <a:lstStyle/>
+                    <a:p>
+                      <a:r>
+                        <a:rPr lang="es-ES" dirty="0"/>
+                        <a:t>Rf</a:t>
+                      </a:r>
+                    </a:p>
+                  </a:txBody>
+                  <a:tcPr/>
+                </a:tc>
+                <a:extLst>
+                  <a:ext uri="{0D108BD9-81ED-4DB2-BD59-A6C34878D82A}">
+                    <a16:rowId xmlns:a16="http://schemas.microsoft.com/office/drawing/2014/main" val="3148219874"/>
+                  </a:ext>
+                </a:extLst>
+              </a:tr>
+              <a:tr h="380020">
+                <a:tc>
+                  <a:txBody>
+                    <a:bodyPr/>
+                    <a:lstStyle/>
+                    <a:p>
+                      <a:r>
+                        <a:rPr lang="es-ES" dirty="0"/>
+                        <a:t>Vegetable </a:t>
+                      </a:r>
+                      <a:r>
+                        <a:rPr lang="es-ES" dirty="0" err="1"/>
+                        <a:t>oil</a:t>
+                      </a:r>
+                      <a:endParaRPr lang="es-ES" dirty="0"/>
+                    </a:p>
+                  </a:txBody>
+                  <a:tcPr/>
+                </a:tc>
+                <a:tc>
+                  <a:txBody>
+                    <a:bodyPr/>
+                    <a:lstStyle/>
+                    <a:p>
+                      <a:r>
+                        <a:rPr lang="es-ES" dirty="0"/>
+                        <a:t>2</a:t>
+                      </a:r>
+                    </a:p>
+                  </a:txBody>
+                  <a:tcPr/>
+                </a:tc>
+                <a:tc>
+                  <a:txBody>
+                    <a:bodyPr/>
+                    <a:lstStyle/>
+                    <a:p>
+                      <a:pPr marL="0" algn="l" defTabSz="914400" rtl="0" eaLnBrk="1" fontAlgn="b" latinLnBrk="0" hangingPunct="1"/>
+                      <a:r>
+                        <a:rPr lang="en-US" sz="1800" kern="1200" dirty="0">
+                          <a:solidFill>
+                            <a:schemeClr val="dk1"/>
+                          </a:solidFill>
+                          <a:latin typeface="+mn-lt"/>
+                          <a:ea typeface="+mn-ea"/>
+                          <a:cs typeface="+mn-cs"/>
+                        </a:rPr>
+                        <a:t>Animal and vegetable fats and oils and primary derivatives thereof</a:t>
+                      </a:r>
+                    </a:p>
+                  </a:txBody>
+                  <a:tcPr marL="3175" marR="3175" marT="3175" marB="0" anchor="b"/>
+                </a:tc>
+                <a:tc>
+                  <a:txBody>
+                    <a:bodyPr/>
+                    <a:lstStyle/>
+                    <a:p>
+                      <a:r>
+                        <a:rPr lang="es-ES" dirty="0"/>
+                        <a:t>7</a:t>
+                      </a:r>
+                    </a:p>
+                  </a:txBody>
+                  <a:tcPr/>
+                </a:tc>
+                <a:tc>
+                  <a:txBody>
+                    <a:bodyPr/>
+                    <a:lstStyle/>
+                    <a:p>
+                      <a:r>
+                        <a:rPr lang="es-ES" dirty="0"/>
+                        <a:t>2</a:t>
+                      </a:r>
+                    </a:p>
+                  </a:txBody>
+                  <a:tcPr/>
+                </a:tc>
+                <a:tc>
+                  <a:txBody>
+                    <a:bodyPr/>
+                    <a:lstStyle/>
+                    <a:p>
+                      <a:r>
+                        <a:rPr lang="es-ES" dirty="0"/>
+                        <a:t>2</a:t>
+                      </a:r>
+                    </a:p>
+                  </a:txBody>
+                  <a:tcPr/>
+                </a:tc>
+                <a:tc>
+                  <a:txBody>
+                    <a:bodyPr/>
+                    <a:lstStyle/>
+                    <a:p>
+                      <a:r>
+                        <a:rPr lang="es-ES" dirty="0"/>
+                        <a:t>1</a:t>
+                      </a:r>
+                    </a:p>
+                  </a:txBody>
+                  <a:tcPr/>
+                </a:tc>
+                <a:tc>
+                  <a:txBody>
+                    <a:bodyPr/>
+                    <a:lstStyle/>
+                    <a:p>
+                      <a:r>
+                        <a:rPr lang="es-ES" dirty="0"/>
+                        <a:t>0.285</a:t>
+                      </a:r>
+                    </a:p>
+                  </a:txBody>
+                  <a:tcPr/>
+                </a:tc>
+                <a:extLst>
+                  <a:ext uri="{0D108BD9-81ED-4DB2-BD59-A6C34878D82A}">
+                    <a16:rowId xmlns:a16="http://schemas.microsoft.com/office/drawing/2014/main" val="6458497"/>
+                  </a:ext>
+                </a:extLst>
+              </a:tr>
+              <a:tr h="380020">
+                <a:tc>
+                  <a:txBody>
+                    <a:bodyPr/>
+                    <a:lstStyle/>
+                    <a:p>
+                      <a:r>
+                        <a:rPr lang="es-ES" dirty="0"/>
+                        <a:t>Vegetable </a:t>
+                      </a:r>
+                      <a:r>
+                        <a:rPr lang="es-ES" dirty="0" err="1"/>
+                        <a:t>oil</a:t>
+                      </a:r>
+                      <a:endParaRPr lang="es-ES" dirty="0"/>
+                    </a:p>
+                  </a:txBody>
+                  <a:tcPr/>
+                </a:tc>
+                <a:tc>
+                  <a:txBody>
+                    <a:bodyPr/>
+                    <a:lstStyle/>
+                    <a:p>
+                      <a:r>
+                        <a:rPr lang="es-ES" dirty="0"/>
+                        <a:t>2</a:t>
+                      </a:r>
+                    </a:p>
+                  </a:txBody>
+                  <a:tcPr/>
+                </a:tc>
+                <a:tc>
+                  <a:txBody>
+                    <a:bodyPr/>
+                    <a:lstStyle/>
+                    <a:p>
+                      <a:pPr marL="0" algn="l" defTabSz="914400" rtl="0" eaLnBrk="1" fontAlgn="b" latinLnBrk="0" hangingPunct="1"/>
+                      <a:r>
+                        <a:rPr lang="en-US" sz="1800" kern="1200" dirty="0">
+                          <a:solidFill>
+                            <a:schemeClr val="dk1"/>
+                          </a:solidFill>
+                          <a:latin typeface="+mn-lt"/>
+                          <a:ea typeface="+mn-ea"/>
+                          <a:cs typeface="+mn-cs"/>
+                        </a:rPr>
+                        <a:t>Vegetable fats and oils, edible</a:t>
+                      </a:r>
+                    </a:p>
+                  </a:txBody>
+                  <a:tcPr marL="3175" marR="3175" marT="3175" marB="0" anchor="b"/>
+                </a:tc>
+                <a:tc>
+                  <a:txBody>
+                    <a:bodyPr/>
+                    <a:lstStyle/>
+                    <a:p>
+                      <a:r>
+                        <a:rPr lang="es-ES" dirty="0"/>
+                        <a:t>4</a:t>
+                      </a:r>
+                    </a:p>
+                  </a:txBody>
+                  <a:tcPr/>
+                </a:tc>
+                <a:tc>
+                  <a:txBody>
+                    <a:bodyPr/>
+                    <a:lstStyle/>
+                    <a:p>
+                      <a:r>
+                        <a:rPr lang="es-ES" dirty="0"/>
+                        <a:t>2</a:t>
+                      </a:r>
+                    </a:p>
+                  </a:txBody>
+                  <a:tcPr/>
+                </a:tc>
+                <a:tc>
+                  <a:txBody>
+                    <a:bodyPr/>
+                    <a:lstStyle/>
+                    <a:p>
+                      <a:r>
+                        <a:rPr lang="es-ES" dirty="0"/>
+                        <a:t>2</a:t>
+                      </a:r>
+                    </a:p>
+                  </a:txBody>
+                  <a:tcPr/>
+                </a:tc>
+                <a:tc>
+                  <a:txBody>
+                    <a:bodyPr/>
+                    <a:lstStyle/>
+                    <a:p>
+                      <a:r>
+                        <a:rPr lang="es-ES" dirty="0"/>
+                        <a:t>1</a:t>
+                      </a:r>
+                    </a:p>
+                  </a:txBody>
+                  <a:tcPr/>
+                </a:tc>
+                <a:tc>
+                  <a:txBody>
+                    <a:bodyPr/>
+                    <a:lstStyle/>
+                    <a:p>
+                      <a:r>
+                        <a:rPr lang="es-ES" dirty="0"/>
+                        <a:t>0.5</a:t>
+                      </a:r>
+                    </a:p>
+                  </a:txBody>
+                  <a:tcPr/>
+                </a:tc>
+                <a:extLst>
+                  <a:ext uri="{0D108BD9-81ED-4DB2-BD59-A6C34878D82A}">
+                    <a16:rowId xmlns:a16="http://schemas.microsoft.com/office/drawing/2014/main" val="3305724439"/>
+                  </a:ext>
+                </a:extLst>
+              </a:tr>
+              <a:tr h="380020">
+                <a:tc>
+                  <a:txBody>
+                    <a:bodyPr/>
+                    <a:lstStyle/>
+                    <a:p>
+                      <a:r>
+                        <a:rPr lang="es-ES" dirty="0"/>
+                        <a:t>Vegetable </a:t>
+                      </a:r>
+                      <a:r>
+                        <a:rPr lang="es-ES" dirty="0" err="1"/>
+                        <a:t>oil</a:t>
+                      </a:r>
+                      <a:endParaRPr lang="es-ES" dirty="0"/>
+                    </a:p>
+                  </a:txBody>
+                  <a:tcPr/>
+                </a:tc>
+                <a:tc>
+                  <a:txBody>
+                    <a:bodyPr/>
+                    <a:lstStyle/>
+                    <a:p>
+                      <a:r>
+                        <a:rPr lang="es-ES" dirty="0"/>
+                        <a:t>2</a:t>
+                      </a:r>
+                    </a:p>
+                  </a:txBody>
+                  <a:tcPr/>
+                </a:tc>
+                <a:tc>
+                  <a:txBody>
+                    <a:bodyPr/>
+                    <a:lstStyle/>
+                    <a:p>
+                      <a:pPr marL="0" algn="l" defTabSz="914400" rtl="0" eaLnBrk="1" fontAlgn="b" latinLnBrk="0" hangingPunct="1"/>
+                      <a:r>
+                        <a:rPr lang="en-US" sz="1800" kern="1200" dirty="0">
+                          <a:solidFill>
+                            <a:schemeClr val="dk1"/>
+                          </a:solidFill>
+                          <a:latin typeface="+mn-lt"/>
+                          <a:ea typeface="+mn-ea"/>
+                          <a:cs typeface="+mn-cs"/>
+                        </a:rPr>
+                        <a:t>Herbs, vegetables and oil sauces</a:t>
+                      </a:r>
+                    </a:p>
+                  </a:txBody>
+                  <a:tcPr marL="3175" marR="3175" marT="3175" marB="0" anchor="b"/>
+                </a:tc>
+                <a:tc>
+                  <a:txBody>
+                    <a:bodyPr/>
+                    <a:lstStyle/>
+                    <a:p>
+                      <a:r>
+                        <a:rPr lang="es-ES" dirty="0"/>
+                        <a:t>4</a:t>
+                      </a:r>
+                    </a:p>
+                  </a:txBody>
+                  <a:tcPr/>
+                </a:tc>
+                <a:tc>
+                  <a:txBody>
+                    <a:bodyPr/>
+                    <a:lstStyle/>
+                    <a:p>
+                      <a:r>
+                        <a:rPr lang="es-ES" dirty="0"/>
+                        <a:t>2</a:t>
+                      </a:r>
+                    </a:p>
+                  </a:txBody>
+                  <a:tcPr/>
+                </a:tc>
+                <a:tc>
+                  <a:txBody>
+                    <a:bodyPr/>
+                    <a:lstStyle/>
+                    <a:p>
+                      <a:r>
+                        <a:rPr lang="es-ES" dirty="0"/>
+                        <a:t>2</a:t>
+                      </a:r>
+                    </a:p>
+                  </a:txBody>
+                  <a:tcPr/>
+                </a:tc>
+                <a:tc>
+                  <a:txBody>
+                    <a:bodyPr/>
+                    <a:lstStyle/>
+                    <a:p>
+                      <a:r>
+                        <a:rPr lang="es-ES" dirty="0"/>
+                        <a:t>1</a:t>
+                      </a:r>
+                    </a:p>
+                  </a:txBody>
+                  <a:tcPr/>
+                </a:tc>
+                <a:tc>
+                  <a:txBody>
+                    <a:bodyPr/>
+                    <a:lstStyle/>
+                    <a:p>
+                      <a:r>
+                        <a:rPr lang="es-ES" dirty="0"/>
+                        <a:t>0.5</a:t>
+                      </a:r>
+                    </a:p>
+                  </a:txBody>
+                  <a:tcPr/>
+                </a:tc>
+                <a:extLst>
+                  <a:ext uri="{0D108BD9-81ED-4DB2-BD59-A6C34878D82A}">
+                    <a16:rowId xmlns:a16="http://schemas.microsoft.com/office/drawing/2014/main" val="434430061"/>
+                  </a:ext>
+                </a:extLst>
+              </a:tr>
+              <a:tr h="380020">
+                <a:tc>
+                  <a:txBody>
+                    <a:bodyPr/>
+                    <a:lstStyle/>
+                    <a:p>
+                      <a:pPr marL="0" marR="0" lvl="0" indent="0" algn="l" defTabSz="914400" rtl="0" eaLnBrk="1" fontAlgn="auto" latinLnBrk="0" hangingPunct="1">
+                        <a:lnSpc>
+                          <a:spcPct val="100000"/>
+                        </a:lnSpc>
+                        <a:spcBef>
+                          <a:spcPts val="0"/>
+                        </a:spcBef>
+                        <a:spcAft>
+                          <a:spcPts val="0"/>
+                        </a:spcAft>
+                        <a:buClrTx/>
+                        <a:buSzTx/>
+                        <a:buFontTx/>
+                        <a:buNone/>
+                        <a:tabLst/>
+                        <a:defRPr/>
+                      </a:pPr>
+                      <a:r>
+                        <a:rPr lang="es-ES" dirty="0"/>
+                        <a:t>Vegetable </a:t>
+                      </a:r>
+                      <a:r>
+                        <a:rPr lang="es-ES" dirty="0" err="1"/>
+                        <a:t>oil</a:t>
+                      </a:r>
+                      <a:endParaRPr lang="es-ES" dirty="0"/>
+                    </a:p>
+                    <a:p>
+                      <a:endParaRPr lang="es-ES" dirty="0"/>
+                    </a:p>
+                  </a:txBody>
+                  <a:tcPr/>
+                </a:tc>
+                <a:tc>
+                  <a:txBody>
+                    <a:bodyPr/>
+                    <a:lstStyle/>
+                    <a:p>
+                      <a:r>
+                        <a:rPr lang="es-ES" dirty="0"/>
+                        <a:t>2</a:t>
+                      </a:r>
+                    </a:p>
+                  </a:txBody>
+                  <a:tcPr/>
+                </a:tc>
+                <a:tc>
+                  <a:txBody>
+                    <a:bodyPr/>
+                    <a:lstStyle/>
+                    <a:p>
+                      <a:pPr marL="0" algn="l" defTabSz="914400" rtl="0" eaLnBrk="1" fontAlgn="b" latinLnBrk="0" hangingPunct="1"/>
+                      <a:r>
+                        <a:rPr lang="en-US" sz="1800" kern="1200" dirty="0">
+                          <a:solidFill>
+                            <a:schemeClr val="dk1"/>
+                          </a:solidFill>
+                          <a:latin typeface="+mn-lt"/>
+                          <a:ea typeface="+mn-ea"/>
+                          <a:cs typeface="+mn-cs"/>
+                        </a:rPr>
+                        <a:t>Animal and vegetable fats/oils</a:t>
+                      </a:r>
+                    </a:p>
+                  </a:txBody>
+                  <a:tcPr marL="3175" marR="3175" marT="3175" marB="0" anchor="b"/>
+                </a:tc>
+                <a:tc>
+                  <a:txBody>
+                    <a:bodyPr/>
+                    <a:lstStyle/>
+                    <a:p>
+                      <a:r>
+                        <a:rPr lang="es-ES" dirty="0"/>
+                        <a:t>4</a:t>
+                      </a:r>
+                    </a:p>
+                  </a:txBody>
+                  <a:tcPr/>
+                </a:tc>
+                <a:tc>
+                  <a:txBody>
+                    <a:bodyPr/>
+                    <a:lstStyle/>
+                    <a:p>
+                      <a:r>
+                        <a:rPr lang="es-ES" dirty="0"/>
+                        <a:t>2</a:t>
+                      </a:r>
+                    </a:p>
+                  </a:txBody>
+                  <a:tcPr/>
+                </a:tc>
+                <a:tc>
+                  <a:txBody>
+                    <a:bodyPr/>
+                    <a:lstStyle/>
+                    <a:p>
+                      <a:r>
+                        <a:rPr lang="es-ES" dirty="0"/>
+                        <a:t>2</a:t>
+                      </a:r>
+                    </a:p>
+                  </a:txBody>
+                  <a:tcPr/>
+                </a:tc>
+                <a:tc>
+                  <a:txBody>
+                    <a:bodyPr/>
+                    <a:lstStyle/>
+                    <a:p>
+                      <a:r>
+                        <a:rPr lang="es-ES" dirty="0"/>
+                        <a:t>1</a:t>
+                      </a:r>
+                    </a:p>
+                  </a:txBody>
+                  <a:tcPr/>
+                </a:tc>
+                <a:tc>
+                  <a:txBody>
+                    <a:bodyPr/>
+                    <a:lstStyle/>
+                    <a:p>
+                      <a:r>
+                        <a:rPr lang="es-ES" dirty="0"/>
+                        <a:t>0.5</a:t>
+                      </a:r>
+                    </a:p>
+                  </a:txBody>
+                  <a:tcPr/>
+                </a:tc>
+                <a:extLst>
+                  <a:ext uri="{0D108BD9-81ED-4DB2-BD59-A6C34878D82A}">
+                    <a16:rowId xmlns:a16="http://schemas.microsoft.com/office/drawing/2014/main" val="1798038925"/>
+                  </a:ext>
+                </a:extLst>
+              </a:tr>
+            </a:tbl>
+          </a:graphicData>
+        </a:graphic>
+      </p:graphicFrame>
+      <p:sp>
+        <p:nvSpPr>
+          <p:cNvPr id="6" name="CuadroTexto 5">
+            <a:extLst>
+              <a:ext uri="{FF2B5EF4-FFF2-40B4-BE49-F238E27FC236}">
+                <a16:creationId xmlns:a16="http://schemas.microsoft.com/office/drawing/2014/main" id="{224FFAFB-13B7-A51C-950B-8B646FDCE6FA}"/>
+              </a:ext>
+            </a:extLst>
+          </p:cNvPr>
+          <p:cNvSpPr txBox="1"/>
+          <p:nvPr/>
+        </p:nvSpPr>
+        <p:spPr>
+          <a:xfrm>
+            <a:off x="2057403" y="3901749"/>
+            <a:ext cx="8077193" cy="2308324"/>
+          </a:xfrm>
+          <a:prstGeom prst="rect">
+            <a:avLst/>
+          </a:prstGeom>
+          <a:noFill/>
+        </p:spPr>
+        <p:txBody>
+          <a:bodyPr wrap="square">
+            <a:spAutoFit/>
+          </a:bodyPr>
+          <a:lstStyle/>
+          <a:p>
+            <a:r>
+              <a:rPr lang="es-ES" dirty="0" err="1"/>
+              <a:t>For</a:t>
+            </a:r>
+            <a:r>
+              <a:rPr lang="es-ES" dirty="0"/>
+              <a:t> </a:t>
+            </a:r>
+            <a:r>
+              <a:rPr lang="es-ES" dirty="0" err="1"/>
+              <a:t>ri</a:t>
+            </a:r>
+            <a:r>
+              <a:rPr lang="es-ES" dirty="0"/>
+              <a:t> = 1</a:t>
+            </a:r>
+          </a:p>
+          <a:p>
+            <a:endParaRPr lang="es-ES" dirty="0"/>
+          </a:p>
+          <a:p>
+            <a:r>
+              <a:rPr lang="es-ES" dirty="0" err="1"/>
+              <a:t>If</a:t>
+            </a:r>
+            <a:r>
+              <a:rPr lang="es-ES" dirty="0"/>
+              <a:t> </a:t>
+            </a:r>
+            <a:r>
+              <a:rPr lang="es-ES" dirty="0" err="1"/>
+              <a:t>two</a:t>
+            </a:r>
+            <a:r>
+              <a:rPr lang="es-ES" dirty="0"/>
+              <a:t> </a:t>
+            </a:r>
+            <a:r>
+              <a:rPr lang="es-ES" dirty="0" err="1"/>
+              <a:t>or</a:t>
+            </a:r>
+            <a:r>
+              <a:rPr lang="es-ES" dirty="0"/>
+              <a:t> more </a:t>
+            </a:r>
+            <a:r>
+              <a:rPr lang="es-ES" dirty="0" err="1"/>
+              <a:t>matches</a:t>
+            </a:r>
+            <a:r>
+              <a:rPr lang="es-ES" dirty="0"/>
+              <a:t> has </a:t>
+            </a:r>
+            <a:r>
+              <a:rPr lang="es-ES" dirty="0" err="1"/>
+              <a:t>the</a:t>
+            </a:r>
+            <a:r>
+              <a:rPr lang="es-ES" dirty="0"/>
+              <a:t> </a:t>
+            </a:r>
+            <a:r>
+              <a:rPr lang="es-ES" dirty="0" err="1"/>
+              <a:t>same</a:t>
+            </a:r>
+            <a:r>
+              <a:rPr lang="es-ES" dirty="0"/>
+              <a:t> </a:t>
+            </a:r>
+            <a:r>
+              <a:rPr lang="es-ES" dirty="0" err="1"/>
+              <a:t>rf</a:t>
+            </a:r>
+            <a:endParaRPr lang="es-ES" dirty="0"/>
+          </a:p>
+          <a:p>
+            <a:r>
+              <a:rPr lang="es-ES" dirty="0"/>
+              <a:t>    </a:t>
+            </a:r>
+            <a:r>
+              <a:rPr lang="es-ES" dirty="0" err="1"/>
+              <a:t>if</a:t>
+            </a:r>
+            <a:r>
+              <a:rPr lang="es-ES" dirty="0"/>
+              <a:t> </a:t>
+            </a:r>
+            <a:r>
+              <a:rPr lang="es-ES" dirty="0" err="1"/>
+              <a:t>they</a:t>
+            </a:r>
+            <a:r>
+              <a:rPr lang="es-ES" dirty="0"/>
+              <a:t> are </a:t>
+            </a:r>
+            <a:r>
+              <a:rPr lang="es-ES" dirty="0" err="1"/>
+              <a:t>from</a:t>
+            </a:r>
+            <a:r>
+              <a:rPr lang="es-ES" dirty="0"/>
+              <a:t> </a:t>
+            </a:r>
+            <a:r>
+              <a:rPr lang="es-ES" dirty="0" err="1"/>
+              <a:t>the</a:t>
+            </a:r>
+            <a:r>
+              <a:rPr lang="es-ES" dirty="0"/>
+              <a:t> </a:t>
+            </a:r>
+            <a:r>
+              <a:rPr lang="es-ES" dirty="0" err="1"/>
+              <a:t>same</a:t>
+            </a:r>
+            <a:r>
+              <a:rPr lang="es-ES" dirty="0"/>
+              <a:t> </a:t>
+            </a:r>
+            <a:r>
+              <a:rPr lang="es-ES" dirty="0" err="1"/>
+              <a:t>facet</a:t>
+            </a:r>
+            <a:r>
+              <a:rPr lang="es-ES" dirty="0"/>
+              <a:t> </a:t>
+            </a:r>
+            <a:r>
+              <a:rPr lang="es-ES" dirty="0" err="1"/>
+              <a:t>we</a:t>
+            </a:r>
+            <a:r>
+              <a:rPr lang="es-ES" dirty="0"/>
+              <a:t> </a:t>
+            </a:r>
+            <a:r>
+              <a:rPr lang="es-ES" dirty="0" err="1"/>
+              <a:t>choose</a:t>
+            </a:r>
+            <a:r>
+              <a:rPr lang="es-ES" dirty="0"/>
+              <a:t> </a:t>
+            </a:r>
+            <a:r>
+              <a:rPr lang="es-ES" dirty="0" err="1"/>
+              <a:t>the</a:t>
+            </a:r>
+            <a:r>
+              <a:rPr lang="es-ES" dirty="0"/>
+              <a:t> </a:t>
+            </a:r>
+            <a:r>
+              <a:rPr lang="es-ES" dirty="0" err="1"/>
+              <a:t>most</a:t>
+            </a:r>
+            <a:r>
+              <a:rPr lang="es-ES" dirty="0"/>
+              <a:t> </a:t>
+            </a:r>
+            <a:r>
+              <a:rPr lang="es-ES" dirty="0" err="1"/>
+              <a:t>specific</a:t>
+            </a:r>
+            <a:r>
+              <a:rPr lang="es-ES" dirty="0"/>
+              <a:t> </a:t>
+            </a:r>
+          </a:p>
+          <a:p>
+            <a:r>
+              <a:rPr lang="es-ES" dirty="0"/>
+              <a:t>        </a:t>
+            </a:r>
+            <a:r>
+              <a:rPr lang="es-ES" dirty="0" err="1"/>
+              <a:t>since</a:t>
+            </a:r>
+            <a:r>
+              <a:rPr lang="es-ES" dirty="0"/>
+              <a:t> </a:t>
+            </a:r>
+            <a:r>
+              <a:rPr lang="es-ES" dirty="0" err="1"/>
+              <a:t>they’ld</a:t>
+            </a:r>
+            <a:r>
+              <a:rPr lang="es-ES" dirty="0"/>
+              <a:t> </a:t>
+            </a:r>
+            <a:r>
+              <a:rPr lang="es-ES" dirty="0" err="1"/>
+              <a:t>belong</a:t>
+            </a:r>
+            <a:r>
+              <a:rPr lang="es-ES" dirty="0"/>
+              <a:t> </a:t>
+            </a:r>
+            <a:r>
+              <a:rPr lang="es-ES" dirty="0" err="1"/>
+              <a:t>to</a:t>
+            </a:r>
+            <a:r>
+              <a:rPr lang="es-ES" dirty="0"/>
+              <a:t> </a:t>
+            </a:r>
+            <a:r>
+              <a:rPr lang="es-ES" dirty="0" err="1"/>
+              <a:t>same</a:t>
+            </a:r>
+            <a:r>
+              <a:rPr lang="es-ES" dirty="0"/>
+              <a:t> </a:t>
+            </a:r>
+            <a:r>
+              <a:rPr lang="es-ES" dirty="0" err="1"/>
+              <a:t>hierarchy</a:t>
+            </a:r>
+            <a:r>
+              <a:rPr lang="es-ES" dirty="0"/>
+              <a:t> Branch</a:t>
+            </a:r>
+          </a:p>
+          <a:p>
+            <a:r>
+              <a:rPr lang="es-ES" dirty="0"/>
+              <a:t>    </a:t>
+            </a:r>
+            <a:r>
+              <a:rPr lang="es-ES" dirty="0" err="1"/>
+              <a:t>we</a:t>
+            </a:r>
+            <a:r>
+              <a:rPr lang="es-ES" dirty="0"/>
+              <a:t> </a:t>
+            </a:r>
+            <a:r>
+              <a:rPr lang="es-ES" dirty="0" err="1"/>
+              <a:t>choose</a:t>
+            </a:r>
+            <a:r>
+              <a:rPr lang="es-ES" dirty="0"/>
+              <a:t> </a:t>
+            </a:r>
+            <a:r>
+              <a:rPr lang="es-ES" dirty="0" err="1"/>
+              <a:t>the</a:t>
+            </a:r>
+            <a:r>
+              <a:rPr lang="es-ES" dirty="0"/>
+              <a:t> </a:t>
+            </a:r>
+            <a:r>
+              <a:rPr lang="es-ES" dirty="0" err="1"/>
+              <a:t>most</a:t>
+            </a:r>
+            <a:r>
+              <a:rPr lang="es-ES" dirty="0"/>
+              <a:t> </a:t>
+            </a:r>
+            <a:r>
+              <a:rPr lang="es-ES" dirty="0" err="1"/>
+              <a:t>specific</a:t>
+            </a:r>
+            <a:r>
+              <a:rPr lang="es-ES" dirty="0"/>
+              <a:t>:</a:t>
+            </a:r>
+          </a:p>
+          <a:p>
+            <a:endParaRPr lang="es-ES" dirty="0"/>
+          </a:p>
+          <a:p>
+            <a:r>
+              <a:rPr lang="en-US" sz="1800" kern="1200" dirty="0">
+                <a:solidFill>
+                  <a:schemeClr val="dk1"/>
+                </a:solidFill>
+                <a:latin typeface="+mn-lt"/>
+                <a:ea typeface="+mn-ea"/>
+                <a:cs typeface="+mn-cs"/>
+              </a:rPr>
+              <a:t>Vegetable fats and oils, edible</a:t>
+            </a:r>
+            <a:r>
+              <a:rPr lang="es-ES" sz="1800" kern="1200" dirty="0">
+                <a:solidFill>
+                  <a:schemeClr val="dk1"/>
+                </a:solidFill>
+                <a:latin typeface="+mn-lt"/>
+                <a:ea typeface="+mn-ea"/>
+                <a:cs typeface="+mn-cs"/>
+              </a:rPr>
+              <a:t> in son </a:t>
+            </a:r>
+            <a:r>
+              <a:rPr lang="es-ES" sz="1800" kern="1200" dirty="0" err="1">
+                <a:solidFill>
+                  <a:schemeClr val="dk1"/>
+                </a:solidFill>
+                <a:latin typeface="+mn-lt"/>
+                <a:ea typeface="+mn-ea"/>
+                <a:cs typeface="+mn-cs"/>
+              </a:rPr>
+              <a:t>of</a:t>
+            </a:r>
+            <a:r>
+              <a:rPr lang="es-ES" sz="1800" kern="1200" dirty="0">
+                <a:solidFill>
+                  <a:schemeClr val="dk1"/>
+                </a:solidFill>
+                <a:latin typeface="+mn-lt"/>
+                <a:ea typeface="+mn-ea"/>
+                <a:cs typeface="+mn-cs"/>
+              </a:rPr>
+              <a:t> </a:t>
+            </a:r>
+            <a:r>
+              <a:rPr lang="es-ES" sz="1800" kern="1200" dirty="0" err="1">
+                <a:solidFill>
+                  <a:schemeClr val="dk1"/>
+                </a:solidFill>
+                <a:latin typeface="+mn-lt"/>
+                <a:ea typeface="+mn-ea"/>
+                <a:cs typeface="+mn-cs"/>
+              </a:rPr>
+              <a:t>the</a:t>
+            </a:r>
+            <a:r>
+              <a:rPr lang="es-ES" sz="1800" kern="1200" dirty="0">
+                <a:solidFill>
+                  <a:schemeClr val="dk1"/>
+                </a:solidFill>
+                <a:latin typeface="+mn-lt"/>
+                <a:ea typeface="+mn-ea"/>
+                <a:cs typeface="+mn-cs"/>
+              </a:rPr>
+              <a:t> </a:t>
+            </a:r>
+            <a:r>
+              <a:rPr lang="es-ES" sz="1800" kern="1200" dirty="0" err="1">
+                <a:solidFill>
+                  <a:schemeClr val="dk1"/>
+                </a:solidFill>
+                <a:latin typeface="+mn-lt"/>
+                <a:ea typeface="+mn-ea"/>
+                <a:cs typeface="+mn-cs"/>
+              </a:rPr>
+              <a:t>rest</a:t>
+            </a:r>
+            <a:r>
+              <a:rPr lang="es-ES" sz="1800" kern="1200" dirty="0">
+                <a:solidFill>
+                  <a:schemeClr val="dk1"/>
+                </a:solidFill>
+                <a:latin typeface="+mn-lt"/>
+                <a:ea typeface="+mn-ea"/>
+                <a:cs typeface="+mn-cs"/>
+              </a:rPr>
+              <a:t> (</a:t>
+            </a:r>
+            <a:r>
+              <a:rPr lang="es-ES" sz="1800" kern="1200" dirty="0" err="1">
+                <a:solidFill>
+                  <a:schemeClr val="dk1"/>
+                </a:solidFill>
+                <a:latin typeface="+mn-lt"/>
+                <a:ea typeface="+mn-ea"/>
+                <a:cs typeface="+mn-cs"/>
+              </a:rPr>
+              <a:t>check</a:t>
+            </a:r>
+            <a:r>
+              <a:rPr lang="es-ES" sz="1800" kern="1200" dirty="0">
+                <a:solidFill>
+                  <a:schemeClr val="dk1"/>
+                </a:solidFill>
+                <a:latin typeface="+mn-lt"/>
+                <a:ea typeface="+mn-ea"/>
+                <a:cs typeface="+mn-cs"/>
+              </a:rPr>
+              <a:t>)</a:t>
+            </a:r>
+            <a:endParaRPr lang="en-US" sz="1800" kern="1200" dirty="0">
+              <a:solidFill>
+                <a:schemeClr val="dk1"/>
+              </a:solidFill>
+              <a:latin typeface="+mn-lt"/>
+              <a:ea typeface="+mn-ea"/>
+              <a:cs typeface="+mn-cs"/>
+            </a:endParaRPr>
+          </a:p>
+        </p:txBody>
+      </p:sp>
+    </p:spTree>
+    <p:extLst>
+      <p:ext uri="{BB962C8B-B14F-4D97-AF65-F5344CB8AC3E}">
+        <p14:creationId xmlns:p14="http://schemas.microsoft.com/office/powerpoint/2010/main" val="3066338505"/>
+      </p:ext>
+    </p:extLst>
+  </p:cSld>
+  <p:clrMapOvr>
+    <a:masterClrMapping/>
+  </p:clrMapOvr>
+</p:sld>
+</file>
+
+<file path=ppt/slides/slide14.xml><?xml version="1.0" encoding="utf-8"?>
+<p:sld xmlns:a="http://schemas.openxmlformats.org/drawingml/2006/main" xmlns:r="http://schemas.openxmlformats.org/officeDocument/2006/relationships" xmlns:p="http://schemas.openxmlformats.org/presentationml/2006/main">
+  <p:cSld>
+    <p:spTree>
+      <p:nvGrpSpPr>
+        <p:cNvPr id="1" name=""/>
+        <p:cNvGrpSpPr/>
+        <p:nvPr/>
+      </p:nvGrpSpPr>
+      <p:grpSpPr>
+        <a:xfrm>
+          <a:off x="0" y="0"/>
+          <a:ext cx="0" cy="0"/>
+          <a:chOff x="0" y="0"/>
+          <a:chExt cx="0" cy="0"/>
+        </a:xfrm>
+      </p:grpSpPr>
+      <p:sp>
+        <p:nvSpPr>
+          <p:cNvPr id="9" name="CuadroTexto 8">
+            <a:extLst>
+              <a:ext uri="{FF2B5EF4-FFF2-40B4-BE49-F238E27FC236}">
+                <a16:creationId xmlns:a16="http://schemas.microsoft.com/office/drawing/2014/main" id="{F14EF554-1682-25E1-FD13-741D332CD478}"/>
+              </a:ext>
+            </a:extLst>
+          </p:cNvPr>
+          <p:cNvSpPr txBox="1"/>
+          <p:nvPr/>
+        </p:nvSpPr>
+        <p:spPr>
+          <a:xfrm>
+            <a:off x="904126" y="1170366"/>
+            <a:ext cx="6852862" cy="369332"/>
+          </a:xfrm>
+          <a:prstGeom prst="rect">
+            <a:avLst/>
+          </a:prstGeom>
+          <a:noFill/>
+        </p:spPr>
+        <p:txBody>
+          <a:bodyPr wrap="square">
+            <a:spAutoFit/>
+          </a:bodyPr>
+          <a:lstStyle/>
+          <a:p>
+            <a:pPr marL="0" marR="0" lvl="0" indent="0" algn="l" defTabSz="914400" rtl="0" eaLnBrk="1" fontAlgn="b" latinLnBrk="0" hangingPunct="1">
+              <a:lnSpc>
+                <a:spcPct val="100000"/>
+              </a:lnSpc>
+              <a:spcBef>
+                <a:spcPts val="0"/>
+              </a:spcBef>
+              <a:spcAft>
+                <a:spcPts val="0"/>
+              </a:spcAft>
+              <a:buClrTx/>
+              <a:buSzTx/>
+              <a:buFontTx/>
+              <a:buNone/>
+              <a:tabLst/>
+              <a:defRPr/>
+            </a:pPr>
+            <a:r>
+              <a:rPr lang="en-US" sz="1800" b="0" i="0" u="none" strike="noStrike" dirty="0">
+                <a:solidFill>
+                  <a:srgbClr val="000000"/>
+                </a:solidFill>
+                <a:effectLst/>
+                <a:latin typeface="Calibri" panose="020F0502020204030204" pitchFamily="34" charset="0"/>
+              </a:rPr>
+              <a:t>Tes</a:t>
+            </a:r>
+            <a:r>
+              <a:rPr lang="en-US" dirty="0">
+                <a:solidFill>
+                  <a:srgbClr val="000000"/>
+                </a:solidFill>
+                <a:latin typeface="Calibri" panose="020F0502020204030204" pitchFamily="34" charset="0"/>
+              </a:rPr>
+              <a:t>t more complex food appearing in BEDCA</a:t>
+            </a:r>
+            <a:endParaRPr lang="en-US" sz="1800" b="0" i="0" u="none" strike="noStrike" dirty="0">
+              <a:solidFill>
+                <a:srgbClr val="000000"/>
+              </a:solidFill>
+              <a:effectLst/>
+              <a:latin typeface="Calibri" panose="020F0502020204030204" pitchFamily="34" charset="0"/>
+            </a:endParaRPr>
+          </a:p>
+        </p:txBody>
+      </p:sp>
+      <p:sp>
+        <p:nvSpPr>
+          <p:cNvPr id="11" name="CuadroTexto 10">
+            <a:extLst>
+              <a:ext uri="{FF2B5EF4-FFF2-40B4-BE49-F238E27FC236}">
+                <a16:creationId xmlns:a16="http://schemas.microsoft.com/office/drawing/2014/main" id="{077316F8-918F-E70D-E40D-918C72908265}"/>
+              </a:ext>
+            </a:extLst>
+          </p:cNvPr>
+          <p:cNvSpPr txBox="1"/>
+          <p:nvPr/>
+        </p:nvSpPr>
+        <p:spPr>
+          <a:xfrm>
+            <a:off x="904126" y="2720052"/>
+            <a:ext cx="10448818" cy="369332"/>
+          </a:xfrm>
+          <a:prstGeom prst="rect">
+            <a:avLst/>
+          </a:prstGeom>
+          <a:noFill/>
+        </p:spPr>
+        <p:txBody>
+          <a:bodyPr wrap="square">
+            <a:spAutoFit/>
+          </a:bodyPr>
+          <a:lstStyle/>
+          <a:p>
+            <a:pPr marL="0" marR="0" lvl="0" indent="0" algn="l" defTabSz="914400" rtl="0" eaLnBrk="1" fontAlgn="b" latinLnBrk="0" hangingPunct="1">
+              <a:lnSpc>
+                <a:spcPct val="100000"/>
+              </a:lnSpc>
+              <a:spcBef>
+                <a:spcPts val="0"/>
+              </a:spcBef>
+              <a:spcAft>
+                <a:spcPts val="0"/>
+              </a:spcAft>
+              <a:buClrTx/>
+              <a:buSzTx/>
+              <a:buFontTx/>
+              <a:buNone/>
+              <a:tabLst/>
+              <a:defRPr/>
+            </a:pPr>
+            <a:r>
+              <a:rPr lang="en-US" sz="1800" b="0" i="0" u="none" strike="noStrike" dirty="0">
+                <a:solidFill>
+                  <a:srgbClr val="000000"/>
+                </a:solidFill>
+                <a:effectLst/>
+                <a:latin typeface="Calibri" panose="020F0502020204030204" pitchFamily="34" charset="0"/>
+              </a:rPr>
+              <a:t>After we have to think if a </a:t>
+            </a:r>
+            <a:r>
+              <a:rPr lang="en-US" dirty="0">
+                <a:solidFill>
+                  <a:srgbClr val="000000"/>
+                </a:solidFill>
+                <a:latin typeface="Calibri" panose="020F0502020204030204" pitchFamily="34" charset="0"/>
+              </a:rPr>
+              <a:t>p</a:t>
+            </a:r>
+            <a:r>
+              <a:rPr lang="en-US" sz="1800" b="0" i="0" u="none" strike="noStrike" dirty="0">
+                <a:solidFill>
+                  <a:srgbClr val="000000"/>
+                </a:solidFill>
+                <a:effectLst/>
+                <a:latin typeface="Calibri" panose="020F0502020204030204" pitchFamily="34" charset="0"/>
+              </a:rPr>
+              <a:t>ost-processing using facet matching could be interesting to select main term</a:t>
+            </a:r>
+          </a:p>
+        </p:txBody>
+      </p:sp>
+      <p:sp>
+        <p:nvSpPr>
+          <p:cNvPr id="18" name="CuadroTexto 17">
+            <a:extLst>
+              <a:ext uri="{FF2B5EF4-FFF2-40B4-BE49-F238E27FC236}">
+                <a16:creationId xmlns:a16="http://schemas.microsoft.com/office/drawing/2014/main" id="{D1F38418-0247-DC09-BD23-D92661AE9F6D}"/>
+              </a:ext>
+            </a:extLst>
+          </p:cNvPr>
+          <p:cNvSpPr txBox="1"/>
+          <p:nvPr/>
+        </p:nvSpPr>
+        <p:spPr>
+          <a:xfrm>
+            <a:off x="1234614" y="1500314"/>
+            <a:ext cx="6852862" cy="369332"/>
+          </a:xfrm>
+          <a:prstGeom prst="rect">
+            <a:avLst/>
+          </a:prstGeom>
+          <a:noFill/>
+        </p:spPr>
+        <p:txBody>
+          <a:bodyPr wrap="square">
+            <a:spAutoFit/>
+          </a:bodyPr>
+          <a:lstStyle/>
+          <a:p>
+            <a:pPr marL="0" marR="0" lvl="0" indent="0" algn="l" defTabSz="914400" rtl="0" eaLnBrk="1" fontAlgn="b" latinLnBrk="0" hangingPunct="1">
+              <a:lnSpc>
+                <a:spcPct val="100000"/>
+              </a:lnSpc>
+              <a:spcBef>
+                <a:spcPts val="0"/>
+              </a:spcBef>
+              <a:spcAft>
+                <a:spcPts val="0"/>
+              </a:spcAft>
+              <a:buClrTx/>
+              <a:buSzTx/>
+              <a:buFontTx/>
+              <a:buNone/>
+              <a:tabLst/>
+              <a:defRPr/>
+            </a:pPr>
+            <a:r>
+              <a:rPr lang="en-US" sz="1800" b="0" i="0" u="none" strike="noStrike" dirty="0">
+                <a:solidFill>
+                  <a:srgbClr val="000000"/>
+                </a:solidFill>
+                <a:effectLst/>
+                <a:latin typeface="Calibri" panose="020F0502020204030204" pitchFamily="34" charset="0"/>
+              </a:rPr>
+              <a:t>Yogurt, skimmed, with peach, raspberry and fiber</a:t>
+            </a:r>
+          </a:p>
+        </p:txBody>
+      </p:sp>
+      <p:sp>
+        <p:nvSpPr>
+          <p:cNvPr id="30" name="CuadroTexto 29">
+            <a:extLst>
+              <a:ext uri="{FF2B5EF4-FFF2-40B4-BE49-F238E27FC236}">
+                <a16:creationId xmlns:a16="http://schemas.microsoft.com/office/drawing/2014/main" id="{02832659-1318-D0DC-0DBB-369381B130C4}"/>
+              </a:ext>
+            </a:extLst>
+          </p:cNvPr>
+          <p:cNvSpPr txBox="1"/>
+          <p:nvPr/>
+        </p:nvSpPr>
+        <p:spPr>
+          <a:xfrm>
+            <a:off x="1234614" y="3089384"/>
+            <a:ext cx="7195332" cy="646331"/>
+          </a:xfrm>
+          <a:prstGeom prst="rect">
+            <a:avLst/>
+          </a:prstGeom>
+          <a:noFill/>
+        </p:spPr>
+        <p:txBody>
+          <a:bodyPr wrap="square">
+            <a:spAutoFit/>
+          </a:bodyPr>
+          <a:lstStyle/>
+          <a:p>
+            <a:pPr fontAlgn="b">
+              <a:defRPr/>
+            </a:pPr>
+            <a:r>
+              <a:rPr lang="en-US" sz="1800" b="0" i="0" u="none" strike="noStrike" dirty="0">
+                <a:solidFill>
+                  <a:srgbClr val="000000"/>
+                </a:solidFill>
+                <a:effectLst/>
+                <a:latin typeface="Calibri" panose="020F0502020204030204" pitchFamily="34" charset="0"/>
+              </a:rPr>
+              <a:t>Cake, cheese     vs      Cheesecake</a:t>
+            </a:r>
+          </a:p>
+          <a:p>
+            <a:pPr fontAlgn="b">
+              <a:defRPr/>
+            </a:pPr>
+            <a:r>
+              <a:rPr lang="en-US" dirty="0">
+                <a:solidFill>
+                  <a:srgbClr val="000000"/>
+                </a:solidFill>
+                <a:latin typeface="Calibri" panose="020F0502020204030204" pitchFamily="34" charset="0"/>
+              </a:rPr>
+              <a:t>Cake with cheese we can arrive to cheesecake specific </a:t>
+            </a:r>
+            <a:r>
+              <a:rPr lang="en-US" dirty="0" err="1">
+                <a:solidFill>
+                  <a:srgbClr val="000000"/>
+                </a:solidFill>
+                <a:latin typeface="Calibri" panose="020F0502020204030204" pitchFamily="34" charset="0"/>
+              </a:rPr>
+              <a:t>foodex</a:t>
+            </a:r>
+            <a:r>
+              <a:rPr lang="en-US" dirty="0">
+                <a:solidFill>
+                  <a:srgbClr val="000000"/>
+                </a:solidFill>
+                <a:latin typeface="Calibri" panose="020F0502020204030204" pitchFamily="34" charset="0"/>
+              </a:rPr>
+              <a:t> term</a:t>
+            </a:r>
+            <a:endParaRPr lang="en-US" sz="1800" b="0" i="0" u="none" strike="noStrike" dirty="0">
+              <a:solidFill>
+                <a:srgbClr val="000000"/>
+              </a:solidFill>
+              <a:effectLst/>
+              <a:latin typeface="Calibri" panose="020F0502020204030204" pitchFamily="34" charset="0"/>
+            </a:endParaRPr>
+          </a:p>
+        </p:txBody>
+      </p:sp>
+      <p:sp>
+        <p:nvSpPr>
+          <p:cNvPr id="31" name="CuadroTexto 30">
+            <a:extLst>
+              <a:ext uri="{FF2B5EF4-FFF2-40B4-BE49-F238E27FC236}">
+                <a16:creationId xmlns:a16="http://schemas.microsoft.com/office/drawing/2014/main" id="{8C4A88BC-B992-1000-FB20-5B9B2FE6C19B}"/>
+              </a:ext>
+            </a:extLst>
+          </p:cNvPr>
+          <p:cNvSpPr txBox="1"/>
+          <p:nvPr/>
+        </p:nvSpPr>
+        <p:spPr>
+          <a:xfrm>
+            <a:off x="964059" y="4304306"/>
+            <a:ext cx="10448818" cy="369332"/>
+          </a:xfrm>
+          <a:prstGeom prst="rect">
+            <a:avLst/>
+          </a:prstGeom>
+          <a:noFill/>
+        </p:spPr>
+        <p:txBody>
+          <a:bodyPr wrap="square">
+            <a:spAutoFit/>
+          </a:bodyPr>
+          <a:lstStyle/>
+          <a:p>
+            <a:pPr marL="0" marR="0" lvl="0" indent="0" algn="l" defTabSz="914400" rtl="0" eaLnBrk="1" fontAlgn="b" latinLnBrk="0" hangingPunct="1">
+              <a:lnSpc>
+                <a:spcPct val="100000"/>
+              </a:lnSpc>
+              <a:spcBef>
+                <a:spcPts val="0"/>
+              </a:spcBef>
+              <a:spcAft>
+                <a:spcPts val="0"/>
+              </a:spcAft>
+              <a:buClrTx/>
+              <a:buSzTx/>
+              <a:buFontTx/>
+              <a:buNone/>
+              <a:tabLst/>
+              <a:defRPr/>
+            </a:pPr>
+            <a:r>
+              <a:rPr lang="en-US" sz="1800" b="0" i="0" u="none" strike="noStrike" dirty="0">
+                <a:solidFill>
+                  <a:srgbClr val="000000"/>
+                </a:solidFill>
+                <a:effectLst/>
+                <a:latin typeface="Calibri" panose="020F0502020204030204" pitchFamily="34" charset="0"/>
+              </a:rPr>
+              <a:t>Check </a:t>
+            </a:r>
+            <a:r>
+              <a:rPr lang="en-US" dirty="0">
+                <a:solidFill>
+                  <a:srgbClr val="000000"/>
+                </a:solidFill>
+                <a:latin typeface="Calibri" panose="020F0502020204030204" pitchFamily="34" charset="0"/>
+              </a:rPr>
+              <a:t>when F02 and F04 have a matching in same part (same lexemes) we have to maintain both or only F02</a:t>
+            </a:r>
+            <a:endParaRPr lang="en-US" sz="1800" b="0" i="0" u="none" strike="noStrike" dirty="0">
+              <a:solidFill>
+                <a:srgbClr val="000000"/>
+              </a:solidFill>
+              <a:effectLst/>
+              <a:latin typeface="Calibri" panose="020F0502020204030204" pitchFamily="34" charset="0"/>
+            </a:endParaRPr>
+          </a:p>
+        </p:txBody>
+      </p:sp>
+      <p:sp>
+        <p:nvSpPr>
+          <p:cNvPr id="2" name="CuadroTexto 1">
+            <a:extLst>
+              <a:ext uri="{FF2B5EF4-FFF2-40B4-BE49-F238E27FC236}">
+                <a16:creationId xmlns:a16="http://schemas.microsoft.com/office/drawing/2014/main" id="{C1987AB4-C71C-FB71-9EC6-1377EDBE1032}"/>
+              </a:ext>
+            </a:extLst>
+          </p:cNvPr>
+          <p:cNvSpPr txBox="1"/>
+          <p:nvPr/>
+        </p:nvSpPr>
+        <p:spPr>
+          <a:xfrm>
+            <a:off x="904126" y="298797"/>
+            <a:ext cx="6852862" cy="369332"/>
+          </a:xfrm>
+          <a:prstGeom prst="rect">
+            <a:avLst/>
+          </a:prstGeom>
+          <a:noFill/>
+        </p:spPr>
+        <p:txBody>
+          <a:bodyPr wrap="square" lIns="91440" tIns="45720" rIns="91440" bIns="45720" anchor="t">
+            <a:spAutoFit/>
+          </a:bodyPr>
+          <a:lstStyle/>
+          <a:p>
+            <a:pPr>
+              <a:defRPr/>
+            </a:pPr>
+            <a:r>
+              <a:rPr lang="en-US" dirty="0">
+                <a:solidFill>
+                  <a:srgbClr val="000000"/>
+                </a:solidFill>
+                <a:latin typeface="Calibri"/>
+                <a:ea typeface="Calibri"/>
+                <a:cs typeface="Calibri"/>
+              </a:rPr>
+              <a:t>FUTURE WORK</a:t>
+            </a:r>
+            <a:endParaRPr lang="es-ES" dirty="0"/>
+          </a:p>
+        </p:txBody>
+      </p:sp>
+    </p:spTree>
+    <p:extLst>
+      <p:ext uri="{BB962C8B-B14F-4D97-AF65-F5344CB8AC3E}">
+        <p14:creationId xmlns:p14="http://schemas.microsoft.com/office/powerpoint/2010/main" val="797389041"/>
+      </p:ext>
+    </p:extLst>
+  </p:cSld>
+  <p:clrMapOvr>
+    <a:masterClrMapping/>
+  </p:clrMapOvr>
+</p:sld>
+</file>
+
 <file path=ppt/slides/slide2.xml><?xml version="1.0" encoding="utf-8"?>
 <p:sld xmlns:a="http://schemas.openxmlformats.org/drawingml/2006/main" xmlns:r="http://schemas.openxmlformats.org/officeDocument/2006/relationships" xmlns:p="http://schemas.openxmlformats.org/presentationml/2006/main">
   <p:cSld>
@@ -7414,8 +12667,8 @@
         </p:nvSpPr>
         <p:spPr>
           <a:xfrm>
-            <a:off x="1995845" y="3073321"/>
-            <a:ext cx="2317592" cy="369332"/>
+            <a:off x="2006118" y="3073321"/>
+            <a:ext cx="2536767" cy="646331"/>
           </a:xfrm>
           <a:prstGeom prst="rect">
             <a:avLst/>
@@ -7435,6 +12688,33 @@
             <a:r>
               <a:rPr lang="es-ES" dirty="0" err="1"/>
               <a:t>name</a:t>
+            </a:r>
+            <a:br>
+              <a:rPr lang="es-ES" dirty="0"/>
+            </a:br>
+            <a:r>
+              <a:rPr lang="es-ES" dirty="0"/>
+              <a:t>As </a:t>
+            </a:r>
+            <a:r>
+              <a:rPr lang="es-ES" dirty="0" err="1"/>
+              <a:t>main</a:t>
+            </a:r>
+            <a:r>
+              <a:rPr lang="es-ES" dirty="0"/>
+              <a:t> </a:t>
+            </a:r>
+            <a:r>
+              <a:rPr lang="es-ES" dirty="0" err="1"/>
+              <a:t>term</a:t>
+            </a:r>
+            <a:r>
+              <a:rPr lang="es-ES" dirty="0"/>
+              <a:t> + </a:t>
+            </a:r>
+            <a:r>
+              <a:rPr lang="es-ES" dirty="0" err="1"/>
+              <a:t>modifiers</a:t>
             </a:r>
             <a:endParaRPr lang="es-ES" dirty="0"/>
           </a:p>
@@ -18484,6 +23764,126 @@
           </a:p>
         </p:txBody>
       </p:sp>
+      <p:sp>
+        <p:nvSpPr>
+          <p:cNvPr id="10" name="CuadroTexto 9">
+            <a:extLst>
+              <a:ext uri="{FF2B5EF4-FFF2-40B4-BE49-F238E27FC236}">
+                <a16:creationId xmlns:a16="http://schemas.microsoft.com/office/drawing/2014/main" id="{E12A0743-4D68-F45B-51B5-8AD09318DC70}"/>
+              </a:ext>
+            </a:extLst>
+          </p:cNvPr>
+          <p:cNvSpPr txBox="1"/>
+          <p:nvPr/>
+        </p:nvSpPr>
+        <p:spPr>
+          <a:xfrm>
+            <a:off x="446920" y="3002445"/>
+            <a:ext cx="6095144" cy="369332"/>
+          </a:xfrm>
+          <a:prstGeom prst="rect">
+            <a:avLst/>
+          </a:prstGeom>
+          <a:noFill/>
+        </p:spPr>
+        <p:txBody>
+          <a:bodyPr wrap="square">
+            <a:spAutoFit/>
+          </a:bodyPr>
+          <a:lstStyle/>
+          <a:p>
+            <a:r>
+              <a:rPr lang="es-ES" dirty="0"/>
+              <a:t>- F04 - </a:t>
+            </a:r>
+            <a:r>
+              <a:rPr lang="es-ES" dirty="0" err="1"/>
+              <a:t>Ingredient</a:t>
+            </a:r>
+            <a:endParaRPr lang="es-ES" dirty="0"/>
+          </a:p>
+        </p:txBody>
+      </p:sp>
+      <p:sp>
+        <p:nvSpPr>
+          <p:cNvPr id="11" name="CuadroTexto 10">
+            <a:extLst>
+              <a:ext uri="{FF2B5EF4-FFF2-40B4-BE49-F238E27FC236}">
+                <a16:creationId xmlns:a16="http://schemas.microsoft.com/office/drawing/2014/main" id="{51775271-F222-9E11-C7B3-DF5B94F1D0C2}"/>
+              </a:ext>
+            </a:extLst>
+          </p:cNvPr>
+          <p:cNvSpPr txBox="1"/>
+          <p:nvPr/>
+        </p:nvSpPr>
+        <p:spPr>
+          <a:xfrm>
+            <a:off x="3505204" y="3002445"/>
+            <a:ext cx="6095144" cy="369332"/>
+          </a:xfrm>
+          <a:prstGeom prst="rect">
+            <a:avLst/>
+          </a:prstGeom>
+          <a:noFill/>
+        </p:spPr>
+        <p:txBody>
+          <a:bodyPr wrap="square">
+            <a:spAutoFit/>
+          </a:bodyPr>
+          <a:lstStyle/>
+          <a:p>
+            <a:r>
+              <a:rPr lang="es-ES" dirty="0"/>
+              <a:t>- F04 - </a:t>
+            </a:r>
+            <a:r>
+              <a:rPr lang="es-ES" dirty="0" err="1"/>
+              <a:t>Ingredient</a:t>
+            </a:r>
+            <a:endParaRPr lang="es-ES" dirty="0"/>
+          </a:p>
+        </p:txBody>
+      </p:sp>
+      <p:sp>
+        <p:nvSpPr>
+          <p:cNvPr id="12" name="CuadroTexto 11">
+            <a:extLst>
+              <a:ext uri="{FF2B5EF4-FFF2-40B4-BE49-F238E27FC236}">
+                <a16:creationId xmlns:a16="http://schemas.microsoft.com/office/drawing/2014/main" id="{92B8023D-6CC4-6345-2D5D-BED3B05B8B31}"/>
+              </a:ext>
+            </a:extLst>
+          </p:cNvPr>
+          <p:cNvSpPr txBox="1"/>
+          <p:nvPr/>
+        </p:nvSpPr>
+        <p:spPr>
+          <a:xfrm>
+            <a:off x="6322688" y="3011653"/>
+            <a:ext cx="6095144" cy="369332"/>
+          </a:xfrm>
+          <a:prstGeom prst="rect">
+            <a:avLst/>
+          </a:prstGeom>
+          <a:noFill/>
+        </p:spPr>
+        <p:txBody>
+          <a:bodyPr wrap="square">
+            <a:spAutoFit/>
+          </a:bodyPr>
+          <a:lstStyle/>
+          <a:p>
+            <a:r>
+              <a:rPr lang="es-ES" dirty="0"/>
+              <a:t>- F04 - </a:t>
+            </a:r>
+            <a:r>
+              <a:rPr lang="es-ES" dirty="0" err="1"/>
+              <a:t>Ingredient</a:t>
+            </a:r>
+            <a:endParaRPr lang="es-ES" dirty="0"/>
+          </a:p>
+        </p:txBody>
+      </p:sp>
     </p:spTree>
     <p:extLst>
       <p:ext uri="{BB962C8B-B14F-4D97-AF65-F5344CB8AC3E}">
@@ -19460,12 +24860,12 @@
                     <a:p>
                       <a:pPr algn="l" fontAlgn="b"/>
                       <a:r>
-                        <a:rPr lang="en-US" sz="1100" u="none" strike="noStrike">
+                        <a:rPr lang="en-US" sz="1100" u="none" strike="noStrike" dirty="0">
                           <a:effectLst/>
                         </a:rPr>
                         <a:t>Olive oil, virgin or extra-virgin</a:t>
                       </a:r>
-                      <a:endParaRPr lang="en-US" sz="1100" b="0" i="0" u="none" strike="noStrike">
+                      <a:endParaRPr lang="en-US" sz="1100" b="0" i="0" u="none" strike="noStrike" dirty="0">
                         <a:solidFill>
                           <a:srgbClr val="000000"/>
                         </a:solidFill>
@@ -20473,12 +25873,12 @@
                     <a:p>
                       <a:pPr algn="l" fontAlgn="b"/>
                       <a:r>
-                        <a:rPr lang="en-US" sz="1100" u="none" strike="noStrike">
+                        <a:rPr lang="en-US" sz="1100" u="none" strike="noStrike" dirty="0">
                           <a:effectLst/>
                         </a:rPr>
                         <a:t>Herbs, vegetables and oil sauces</a:t>
                       </a:r>
-                      <a:endParaRPr lang="en-US" sz="1100" b="0" i="0" u="none" strike="noStrike">
+                      <a:endParaRPr lang="en-US" sz="1100" b="0" i="0" u="none" strike="noStrike" dirty="0">
                         <a:solidFill>
                           <a:srgbClr val="000000"/>
                         </a:solidFill>
@@ -21487,6 +26887,126 @@
             <a:endParaRPr lang="es-ES" dirty="0"/>
           </a:p>
           <a:p>
+            <a:endParaRPr lang="es-ES" dirty="0"/>
+          </a:p>
+        </p:txBody>
+      </p:sp>
+      <p:sp>
+        <p:nvSpPr>
+          <p:cNvPr id="10" name="CuadroTexto 9">
+            <a:extLst>
+              <a:ext uri="{FF2B5EF4-FFF2-40B4-BE49-F238E27FC236}">
+                <a16:creationId xmlns:a16="http://schemas.microsoft.com/office/drawing/2014/main" id="{42D409D1-EFCB-AED0-3E95-83516CCCE9D4}"/>
+              </a:ext>
+            </a:extLst>
+          </p:cNvPr>
+          <p:cNvSpPr txBox="1"/>
+          <p:nvPr/>
+        </p:nvSpPr>
+        <p:spPr>
+          <a:xfrm>
+            <a:off x="446920" y="3002445"/>
+            <a:ext cx="6095144" cy="369332"/>
+          </a:xfrm>
+          <a:prstGeom prst="rect">
+            <a:avLst/>
+          </a:prstGeom>
+          <a:noFill/>
+        </p:spPr>
+        <p:txBody>
+          <a:bodyPr wrap="square">
+            <a:spAutoFit/>
+          </a:bodyPr>
+          <a:lstStyle/>
+          <a:p>
+            <a:r>
+              <a:rPr lang="es-ES" dirty="0"/>
+              <a:t>- F04 - </a:t>
+            </a:r>
+            <a:r>
+              <a:rPr lang="es-ES" dirty="0" err="1"/>
+              <a:t>Ingredient</a:t>
+            </a:r>
+            <a:endParaRPr lang="es-ES" dirty="0"/>
+          </a:p>
+        </p:txBody>
+      </p:sp>
+      <p:sp>
+        <p:nvSpPr>
+          <p:cNvPr id="11" name="CuadroTexto 10">
+            <a:extLst>
+              <a:ext uri="{FF2B5EF4-FFF2-40B4-BE49-F238E27FC236}">
+                <a16:creationId xmlns:a16="http://schemas.microsoft.com/office/drawing/2014/main" id="{8B4AC30E-E647-4086-8676-1402EC65FB4F}"/>
+              </a:ext>
+            </a:extLst>
+          </p:cNvPr>
+          <p:cNvSpPr txBox="1"/>
+          <p:nvPr/>
+        </p:nvSpPr>
+        <p:spPr>
+          <a:xfrm>
+            <a:off x="3505204" y="3002445"/>
+            <a:ext cx="6095144" cy="369332"/>
+          </a:xfrm>
+          <a:prstGeom prst="rect">
+            <a:avLst/>
+          </a:prstGeom>
+          <a:noFill/>
+        </p:spPr>
+        <p:txBody>
+          <a:bodyPr wrap="square">
+            <a:spAutoFit/>
+          </a:bodyPr>
+          <a:lstStyle/>
+          <a:p>
+            <a:r>
+              <a:rPr lang="es-ES" dirty="0"/>
+              <a:t>- F04 - </a:t>
+            </a:r>
+            <a:r>
+              <a:rPr lang="es-ES" dirty="0" err="1"/>
+              <a:t>Ingredient</a:t>
+            </a:r>
+            <a:endParaRPr lang="es-ES" dirty="0"/>
+          </a:p>
+        </p:txBody>
+      </p:sp>
+      <p:sp>
+        <p:nvSpPr>
+          <p:cNvPr id="12" name="CuadroTexto 11">
+            <a:extLst>
+              <a:ext uri="{FF2B5EF4-FFF2-40B4-BE49-F238E27FC236}">
+                <a16:creationId xmlns:a16="http://schemas.microsoft.com/office/drawing/2014/main" id="{B86CA6C6-C4D3-0B00-7DB4-B5DD053655D0}"/>
+              </a:ext>
+            </a:extLst>
+          </p:cNvPr>
+          <p:cNvSpPr txBox="1"/>
+          <p:nvPr/>
+        </p:nvSpPr>
+        <p:spPr>
+          <a:xfrm>
+            <a:off x="6322688" y="3011653"/>
+            <a:ext cx="6095144" cy="369332"/>
+          </a:xfrm>
+          <a:prstGeom prst="rect">
+            <a:avLst/>
+          </a:prstGeom>
+          <a:noFill/>
+        </p:spPr>
+        <p:txBody>
+          <a:bodyPr wrap="square">
+            <a:spAutoFit/>
+          </a:bodyPr>
+          <a:lstStyle/>
+          <a:p>
+            <a:r>
+              <a:rPr lang="es-ES" dirty="0"/>
+              <a:t>- F04 - </a:t>
+            </a:r>
+            <a:r>
+              <a:rPr lang="es-ES" dirty="0" err="1"/>
+              <a:t>Ingredient</a:t>
+            </a:r>
             <a:endParaRPr lang="es-ES" dirty="0"/>
           </a:p>
         </p:txBody>
@@ -24977,10 +30497,54 @@
       </p:grpSpPr>
       <p:sp>
         <p:nvSpPr>
-          <p:cNvPr id="9" name="CuadroTexto 8">
+          <p:cNvPr id="11" name="Rectángulo: esquinas redondeadas 10">
             <a:extLst>
               <a:ext uri="{FF2B5EF4-FFF2-40B4-BE49-F238E27FC236}">
-                <a16:creationId xmlns:a16="http://schemas.microsoft.com/office/drawing/2014/main" id="{F14EF554-1682-25E1-FD13-741D332CD478}"/>
+                <a16:creationId xmlns:a16="http://schemas.microsoft.com/office/drawing/2014/main" id="{1125D8CF-85D6-6AD2-3CEF-31ACB09FAF85}"/>
+              </a:ext>
+            </a:extLst>
+          </p:cNvPr>
+          <p:cNvSpPr/>
+          <p:nvPr/>
+        </p:nvSpPr>
+        <p:spPr>
+          <a:xfrm>
+            <a:off x="120595" y="1753828"/>
+            <a:ext cx="3080213" cy="3084934"/>
+          </a:xfrm>
+          <a:prstGeom prst="roundRect">
+            <a:avLst/>
+          </a:prstGeom>
+        </p:spPr>
+        <p:style>
+          <a:lnRef idx="1">
+            <a:schemeClr val="accent3"/>
+          </a:lnRef>
+          <a:fillRef idx="2">
+            <a:schemeClr val="accent3"/>
+          </a:fillRef>
+          <a:effectRef idx="1">
+            <a:schemeClr val="accent3"/>
+          </a:effectRef>
+          <a:fontRef idx="minor">
+            <a:schemeClr val="dk1"/>
+          </a:fontRef>
+        </p:style>
+        <p:txBody>
+          <a:bodyPr rtlCol="0" anchor="ctr"/>
+          <a:lstStyle/>
+          <a:p>
+            <a:pPr algn="ctr"/>
+            <a:endParaRPr lang="es-ES" dirty="0"/>
+          </a:p>
+        </p:txBody>
+      </p:sp>
+      <p:sp>
+        <p:nvSpPr>
+          <p:cNvPr id="14" name="CuadroTexto 13">
+            <a:extLst>
+              <a:ext uri="{FF2B5EF4-FFF2-40B4-BE49-F238E27FC236}">
+                <a16:creationId xmlns:a16="http://schemas.microsoft.com/office/drawing/2014/main" id="{BCCA639C-D2F9-2E7A-BDF3-5A8592FCBA9E}"/>
               </a:ext>
             </a:extLst>
           </p:cNvPr>
@@ -24989,8 +30553,8 @@
         </p:nvSpPr>
         <p:spPr>
           <a:xfrm>
-            <a:off x="904126" y="1170366"/>
-            <a:ext cx="6852862" cy="369332"/>
+            <a:off x="2966533" y="889627"/>
+            <a:ext cx="2357384" cy="369332"/>
           </a:xfrm>
           <a:prstGeom prst="rect">
             <a:avLst/>
@@ -25003,58 +30567,78 @@
           </a:bodyPr>
           <a:lstStyle/>
           <a:p>
-            <a:pPr marL="0" marR="0" lvl="0" indent="0" algn="l" defTabSz="914400" rtl="0" eaLnBrk="1" fontAlgn="b" latinLnBrk="0" hangingPunct="1">
-              <a:lnSpc>
-                <a:spcPct val="100000"/>
-              </a:lnSpc>
-              <a:spcBef>
-                <a:spcPts val="0"/>
-              </a:spcBef>
-              <a:spcAft>
-                <a:spcPts val="0"/>
-              </a:spcAft>
-              <a:buClrTx/>
-              <a:buSzTx/>
-              <a:buFontTx/>
-              <a:buNone/>
-              <a:tabLst/>
-              <a:defRPr/>
-            </a:pPr>
-            <a:r>
-              <a:rPr lang="en-US" sz="1800" b="0" i="0" u="none" strike="noStrike" dirty="0">
-                <a:solidFill>
-                  <a:srgbClr val="000000"/>
-                </a:solidFill>
-                <a:effectLst/>
-                <a:latin typeface="Calibri" panose="020F0502020204030204" pitchFamily="34" charset="0"/>
-              </a:rPr>
-              <a:t>Tes</a:t>
-            </a:r>
-            <a:r>
-              <a:rPr lang="en-US" dirty="0">
-                <a:solidFill>
-                  <a:srgbClr val="000000"/>
-                </a:solidFill>
-                <a:latin typeface="Calibri" panose="020F0502020204030204" pitchFamily="34" charset="0"/>
-              </a:rPr>
-              <a:t>t more complex food appearing in BEDCA</a:t>
-            </a:r>
-            <a:endParaRPr lang="en-US" sz="1800" b="0" i="0" u="none" strike="noStrike" dirty="0">
-              <a:solidFill>
-                <a:srgbClr val="000000"/>
-              </a:solidFill>
-              <a:effectLst/>
-              <a:latin typeface="Calibri" panose="020F0502020204030204" pitchFamily="34" charset="0"/>
-            </a:endParaRPr>
+            <a:r>
+              <a:rPr lang="es-ES" dirty="0"/>
+              <a:t>Split </a:t>
+            </a:r>
+            <a:r>
+              <a:rPr lang="es-ES" dirty="0" err="1"/>
+              <a:t>by</a:t>
+            </a:r>
+            <a:r>
+              <a:rPr lang="es-ES" dirty="0"/>
+              <a:t> </a:t>
+            </a:r>
+            <a:r>
+              <a:rPr lang="es-ES" dirty="0" err="1"/>
+              <a:t>commas</a:t>
+            </a:r>
+            <a:endParaRPr lang="es-ES" dirty="0"/>
           </a:p>
         </p:txBody>
       </p:sp>
       <p:sp>
         <p:nvSpPr>
-          <p:cNvPr id="11" name="CuadroTexto 10">
+          <p:cNvPr id="20" name="Flecha: hacia abajo 19">
             <a:extLst>
               <a:ext uri="{FF2B5EF4-FFF2-40B4-BE49-F238E27FC236}">
-                <a16:creationId xmlns:a16="http://schemas.microsoft.com/office/drawing/2014/main" id="{077316F8-918F-E70D-E40D-918C72908265}"/>
+                <a16:creationId xmlns:a16="http://schemas.microsoft.com/office/drawing/2014/main" id="{989966E5-7B2F-8F4C-BEDA-F2AF2FE39619}"/>
+              </a:ext>
+            </a:extLst>
+          </p:cNvPr>
+          <p:cNvSpPr/>
+          <p:nvPr/>
+        </p:nvSpPr>
+        <p:spPr>
+          <a:xfrm rot="16200000">
+            <a:off x="3738686" y="-431041"/>
+            <a:ext cx="205271" cy="2162234"/>
+          </a:xfrm>
+          <a:prstGeom prst="downArrow">
+            <a:avLst/>
+          </a:prstGeom>
+        </p:spPr>
+        <p:style>
+          <a:lnRef idx="2">
+            <a:schemeClr val="accent1">
+              <a:shade val="50000"/>
+            </a:schemeClr>
+          </a:lnRef>
+          <a:fillRef idx="1">
+            <a:schemeClr val="accent1"/>
+          </a:fillRef>
+          <a:effectRef idx="0">
+            <a:schemeClr val="accent1"/>
+          </a:effectRef>
+          <a:fontRef idx="minor">
+            <a:schemeClr val="lt1"/>
+          </a:fontRef>
+        </p:style>
+        <p:txBody>
+          <a:bodyPr rtlCol="0" anchor="ctr"/>
+          <a:lstStyle/>
+          <a:p>
+            <a:pPr algn="ctr"/>
+            <a:endParaRPr lang="es-ES"/>
+          </a:p>
+        </p:txBody>
+      </p:sp>
+      <p:sp>
+        <p:nvSpPr>
+          <p:cNvPr id="9" name="CuadroTexto 8">
+            <a:extLst>
+              <a:ext uri="{FF2B5EF4-FFF2-40B4-BE49-F238E27FC236}">
+                <a16:creationId xmlns:a16="http://schemas.microsoft.com/office/drawing/2014/main" id="{BCC6B4FF-F116-4EE4-1235-0B4459E120C3}"/>
               </a:ext>
             </a:extLst>
           </p:cNvPr>
@@ -25063,8 +30647,8 @@
         </p:nvSpPr>
         <p:spPr>
           <a:xfrm>
-            <a:off x="904126" y="2720052"/>
-            <a:ext cx="10448818" cy="369332"/>
+            <a:off x="471433" y="474247"/>
+            <a:ext cx="2357384" cy="369332"/>
           </a:xfrm>
           <a:prstGeom prst="rect">
             <a:avLst/>
@@ -25077,61 +30661,63 @@
           </a:bodyPr>
           <a:lstStyle/>
           <a:p>
-            <a:pPr marL="0" marR="0" lvl="0" indent="0" algn="l" defTabSz="914400" rtl="0" eaLnBrk="1" fontAlgn="b" latinLnBrk="0" hangingPunct="1">
-              <a:lnSpc>
-                <a:spcPct val="100000"/>
-              </a:lnSpc>
-              <a:spcBef>
-                <a:spcPts val="0"/>
-              </a:spcBef>
-              <a:spcAft>
-                <a:spcPts val="0"/>
-              </a:spcAft>
-              <a:buClrTx/>
-              <a:buSzTx/>
-              <a:buFontTx/>
-              <a:buNone/>
-              <a:tabLst/>
-              <a:defRPr/>
-            </a:pPr>
-            <a:r>
-              <a:rPr lang="en-US" sz="1800" b="0" i="0" u="none" strike="noStrike" dirty="0">
+            <a:pPr algn="l" fontAlgn="b"/>
+            <a:r>
+              <a:rPr lang="es-ES" sz="1800" b="0" i="0" u="none" strike="noStrike" dirty="0">
                 <a:solidFill>
                   <a:srgbClr val="000000"/>
                 </a:solidFill>
                 <a:effectLst/>
                 <a:latin typeface="Calibri" panose="020F0502020204030204" pitchFamily="34" charset="0"/>
               </a:rPr>
-              <a:t>After we have to think if a </a:t>
-            </a:r>
-            <a:r>
-              <a:rPr lang="en-US" dirty="0">
-                <a:solidFill>
-                  <a:srgbClr val="000000"/>
-                </a:solidFill>
-                <a:latin typeface="Calibri" panose="020F0502020204030204" pitchFamily="34" charset="0"/>
-              </a:rPr>
-              <a:t>p</a:t>
-            </a:r>
-            <a:r>
-              <a:rPr lang="en-US" sz="1800" b="0" i="0" u="none" strike="noStrike" dirty="0">
+              <a:t>Tuna, </a:t>
+            </a:r>
+            <a:r>
+              <a:rPr lang="es-ES" sz="1800" b="0" i="0" u="none" strike="noStrike" dirty="0" err="1">
                 <a:solidFill>
                   <a:srgbClr val="000000"/>
                 </a:solidFill>
                 <a:effectLst/>
                 <a:latin typeface="Calibri" panose="020F0502020204030204" pitchFamily="34" charset="0"/>
               </a:rPr>
-              <a:t>ost-processing using facet matching could be interesting to select main term</a:t>
-            </a:r>
+              <a:t>canned</a:t>
+            </a:r>
+            <a:r>
+              <a:rPr lang="es-ES" sz="1800" b="0" i="0" u="none" strike="noStrike" dirty="0">
+                <a:solidFill>
+                  <a:srgbClr val="000000"/>
+                </a:solidFill>
+                <a:effectLst/>
+                <a:latin typeface="Calibri" panose="020F0502020204030204" pitchFamily="34" charset="0"/>
+              </a:rPr>
+              <a:t> in </a:t>
+            </a:r>
+            <a:r>
+              <a:rPr lang="es-ES" sz="1800" b="0" i="0" u="none" strike="noStrike" dirty="0" err="1">
+                <a:solidFill>
+                  <a:srgbClr val="000000"/>
+                </a:solidFill>
+                <a:effectLst/>
+                <a:latin typeface="Calibri" panose="020F0502020204030204" pitchFamily="34" charset="0"/>
+              </a:rPr>
+              <a:t>water</a:t>
+            </a:r>
+            <a:endParaRPr lang="es-ES" sz="1800" b="0" i="0" u="none" strike="noStrike" dirty="0">
+              <a:solidFill>
+                <a:srgbClr val="000000"/>
+              </a:solidFill>
+              <a:effectLst/>
+              <a:latin typeface="Calibri" panose="020F0502020204030204" pitchFamily="34" charset="0"/>
+            </a:endParaRPr>
           </a:p>
         </p:txBody>
       </p:sp>
       <p:sp>
         <p:nvSpPr>
-          <p:cNvPr id="18" name="CuadroTexto 17">
+          <p:cNvPr id="46" name="CuadroTexto 45">
             <a:extLst>
               <a:ext uri="{FF2B5EF4-FFF2-40B4-BE49-F238E27FC236}">
-                <a16:creationId xmlns:a16="http://schemas.microsoft.com/office/drawing/2014/main" id="{D1F38418-0247-DC09-BD23-D92661AE9F6D}"/>
+                <a16:creationId xmlns:a16="http://schemas.microsoft.com/office/drawing/2014/main" id="{AD8FC710-31D3-752A-A958-2E9D86D4F6C4}"/>
               </a:ext>
             </a:extLst>
           </p:cNvPr>
@@ -25140,8 +30726,8 @@
         </p:nvSpPr>
         <p:spPr>
           <a:xfrm>
-            <a:off x="1234614" y="1500314"/>
-            <a:ext cx="6852862" cy="369332"/>
+            <a:off x="11032678" y="3723501"/>
+            <a:ext cx="2357384" cy="369332"/>
           </a:xfrm>
           <a:prstGeom prst="rect">
             <a:avLst/>
@@ -25154,42 +30740,36 @@
           </a:bodyPr>
           <a:lstStyle/>
           <a:p>
-            <a:pPr marL="0" marR="0" lvl="0" indent="0" algn="l" defTabSz="914400" rtl="0" eaLnBrk="1" fontAlgn="b" latinLnBrk="0" hangingPunct="1">
-              <a:lnSpc>
-                <a:spcPct val="100000"/>
-              </a:lnSpc>
-              <a:spcBef>
-                <a:spcPts val="0"/>
-              </a:spcBef>
-              <a:spcAft>
-                <a:spcPts val="0"/>
-              </a:spcAft>
-              <a:buClrTx/>
-              <a:buSzTx/>
-              <a:buFontTx/>
-              <a:buNone/>
-              <a:tabLst/>
-              <a:defRPr/>
-            </a:pPr>
-            <a:r>
-              <a:rPr lang="en-US" sz="1800" b="0" i="0" u="none" strike="noStrike" dirty="0">
+            <a:pPr algn="l" fontAlgn="b"/>
+            <a:r>
+              <a:rPr lang="es-ES" sz="1800" b="0" i="0" u="none" strike="noStrike" dirty="0" err="1">
                 <a:solidFill>
                   <a:srgbClr val="000000"/>
                 </a:solidFill>
                 <a:effectLst/>
                 <a:latin typeface="Calibri" panose="020F0502020204030204" pitchFamily="34" charset="0"/>
               </a:rPr>
-              <a:t>Yogurt, skimmed, with peach, raspberry and fiber</a:t>
+              <a:t>Modifier</a:t>
+            </a:r>
+            <a:r>
+              <a:rPr lang="es-ES" sz="1800" b="0" i="0" u="none" strike="noStrike" dirty="0">
+                <a:solidFill>
+                  <a:srgbClr val="000000"/>
+                </a:solidFill>
+                <a:effectLst/>
+                <a:latin typeface="Calibri" panose="020F0502020204030204" pitchFamily="34" charset="0"/>
+              </a:rPr>
+              <a:t> 1</a:t>
             </a:r>
           </a:p>
         </p:txBody>
       </p:sp>
       <p:sp>
         <p:nvSpPr>
-          <p:cNvPr id="30" name="CuadroTexto 29">
+          <p:cNvPr id="47" name="CuadroTexto 46">
             <a:extLst>
               <a:ext uri="{FF2B5EF4-FFF2-40B4-BE49-F238E27FC236}">
-                <a16:creationId xmlns:a16="http://schemas.microsoft.com/office/drawing/2014/main" id="{02832659-1318-D0DC-0DBB-369381B130C4}"/>
+                <a16:creationId xmlns:a16="http://schemas.microsoft.com/office/drawing/2014/main" id="{997C3C0A-8B92-D29E-785E-1BB084DF4EB5}"/>
               </a:ext>
             </a:extLst>
           </p:cNvPr>
@@ -25198,8 +30778,8 @@
         </p:nvSpPr>
         <p:spPr>
           <a:xfrm>
-            <a:off x="1234614" y="3089384"/>
-            <a:ext cx="7195332" cy="646331"/>
+            <a:off x="8991192" y="2768194"/>
+            <a:ext cx="2357384" cy="369332"/>
           </a:xfrm>
           <a:prstGeom prst="rect">
             <a:avLst/>
@@ -25212,52 +30792,38 @@
           </a:bodyPr>
           <a:lstStyle/>
           <a:p>
-            <a:pPr fontAlgn="b">
-              <a:defRPr/>
-            </a:pPr>
-            <a:r>
-              <a:rPr lang="en-US" sz="1800" b="0" i="0" u="none" strike="noStrike" dirty="0">
+            <a:pPr algn="l" fontAlgn="b"/>
+            <a:r>
+              <a:rPr lang="es-ES" sz="1800" b="0" i="0" u="none" strike="noStrike" dirty="0" err="1">
                 <a:solidFill>
                   <a:srgbClr val="000000"/>
                 </a:solidFill>
                 <a:effectLst/>
                 <a:latin typeface="Calibri" panose="020F0502020204030204" pitchFamily="34" charset="0"/>
               </a:rPr>
-              <a:t>Cake, cheese     vs      Cheesecake</a:t>
-            </a:r>
-          </a:p>
-          <a:p>
-            <a:pPr fontAlgn="b">
-              <a:defRPr/>
-            </a:pPr>
-            <a:r>
-              <a:rPr lang="en-US" dirty="0">
+              <a:t>Main</a:t>
+            </a:r>
+            <a:r>
+              <a:rPr lang="es-ES" sz="1800" b="0" i="0" u="none" strike="noStrike" dirty="0">
                 <a:solidFill>
                   <a:srgbClr val="000000"/>
                 </a:solidFill>
+                <a:effectLst/>
                 <a:latin typeface="Calibri" panose="020F0502020204030204" pitchFamily="34" charset="0"/>
               </a:rPr>
-              <a:t>Cake with cheese we can arrive to cheesecake specific </a:t>
-            </a:r>
-            <a:r>
-              <a:rPr lang="en-US" dirty="0" err="1">
+              <a:t> </a:t>
+            </a:r>
+            <a:r>
+              <a:rPr lang="es-ES" sz="1800" b="0" i="0" u="none" strike="noStrike" dirty="0" err="1">
                 <a:solidFill>
                   <a:srgbClr val="000000"/>
                 </a:solidFill>
+                <a:effectLst/>
                 <a:latin typeface="Calibri" panose="020F0502020204030204" pitchFamily="34" charset="0"/>
               </a:rPr>
-              <a:t>foodex</a:t>
-            </a:r>
-            <a:r>
-              <a:rPr lang="en-US" dirty="0">
-                <a:solidFill>
-                  <a:srgbClr val="000000"/>
-                </a:solidFill>
-                <a:latin typeface="Calibri" panose="020F0502020204030204" pitchFamily="34" charset="0"/>
-              </a:rPr>
-              <a:t> term</a:t>
-            </a:r>
-            <a:endParaRPr lang="en-US" sz="1800" b="0" i="0" u="none" strike="noStrike" dirty="0">
+              <a:t>term</a:t>
+            </a:r>
+            <a:endParaRPr lang="es-ES" sz="1800" b="0" i="0" u="none" strike="noStrike" dirty="0">
               <a:solidFill>
                 <a:srgbClr val="000000"/>
               </a:solidFill>
@@ -25269,10 +30835,241 @@
       </p:sp>
       <p:sp>
         <p:nvSpPr>
-          <p:cNvPr id="31" name="CuadroTexto 30">
+          <p:cNvPr id="48" name="Rectángulo: esquinas redondeadas 47">
             <a:extLst>
               <a:ext uri="{FF2B5EF4-FFF2-40B4-BE49-F238E27FC236}">
-                <a16:creationId xmlns:a16="http://schemas.microsoft.com/office/drawing/2014/main" id="{8C4A88BC-B992-1000-FB20-5B9B2FE6C19B}"/>
+                <a16:creationId xmlns:a16="http://schemas.microsoft.com/office/drawing/2014/main" id="{5679E603-C489-B27F-A70D-E9CAAA122C37}"/>
+              </a:ext>
+            </a:extLst>
+          </p:cNvPr>
+          <p:cNvSpPr/>
+          <p:nvPr/>
+        </p:nvSpPr>
+        <p:spPr>
+          <a:xfrm>
+            <a:off x="7213762" y="2810315"/>
+            <a:ext cx="1777430" cy="612293"/>
+          </a:xfrm>
+          <a:prstGeom prst="roundRect">
+            <a:avLst/>
+          </a:prstGeom>
+        </p:spPr>
+        <p:style>
+          <a:lnRef idx="1">
+            <a:schemeClr val="accent2"/>
+          </a:lnRef>
+          <a:fillRef idx="2">
+            <a:schemeClr val="accent2"/>
+          </a:fillRef>
+          <a:effectRef idx="1">
+            <a:schemeClr val="accent2"/>
+          </a:effectRef>
+          <a:fontRef idx="minor">
+            <a:schemeClr val="dk1"/>
+          </a:fontRef>
+        </p:style>
+        <p:txBody>
+          <a:bodyPr rtlCol="0" anchor="ctr"/>
+          <a:lstStyle/>
+          <a:p>
+            <a:pPr algn="ctr"/>
+            <a:endParaRPr lang="es-ES"/>
+          </a:p>
+        </p:txBody>
+      </p:sp>
+      <p:sp>
+        <p:nvSpPr>
+          <p:cNvPr id="49" name="Rectángulo: esquinas redondeadas 48">
+            <a:extLst>
+              <a:ext uri="{FF2B5EF4-FFF2-40B4-BE49-F238E27FC236}">
+                <a16:creationId xmlns:a16="http://schemas.microsoft.com/office/drawing/2014/main" id="{B68CBD48-81CB-B307-A663-39FF63F241E4}"/>
+              </a:ext>
+            </a:extLst>
+          </p:cNvPr>
+          <p:cNvSpPr/>
+          <p:nvPr/>
+        </p:nvSpPr>
+        <p:spPr>
+          <a:xfrm>
+            <a:off x="7213762" y="3569600"/>
+            <a:ext cx="3623152" cy="612293"/>
+          </a:xfrm>
+          <a:prstGeom prst="roundRect">
+            <a:avLst/>
+          </a:prstGeom>
+        </p:spPr>
+        <p:style>
+          <a:lnRef idx="1">
+            <a:schemeClr val="accent2"/>
+          </a:lnRef>
+          <a:fillRef idx="2">
+            <a:schemeClr val="accent2"/>
+          </a:fillRef>
+          <a:effectRef idx="1">
+            <a:schemeClr val="accent2"/>
+          </a:effectRef>
+          <a:fontRef idx="minor">
+            <a:schemeClr val="dk1"/>
+          </a:fontRef>
+        </p:style>
+        <p:txBody>
+          <a:bodyPr rtlCol="0" anchor="ctr"/>
+          <a:lstStyle/>
+          <a:p>
+            <a:pPr algn="ctr"/>
+            <a:endParaRPr lang="es-ES"/>
+          </a:p>
+        </p:txBody>
+      </p:sp>
+      <p:sp>
+        <p:nvSpPr>
+          <p:cNvPr id="50" name="Rectángulo: esquinas redondeadas 49">
+            <a:extLst>
+              <a:ext uri="{FF2B5EF4-FFF2-40B4-BE49-F238E27FC236}">
+                <a16:creationId xmlns:a16="http://schemas.microsoft.com/office/drawing/2014/main" id="{313B5DE5-7B96-A467-FD26-305BB73FFCE6}"/>
+              </a:ext>
+            </a:extLst>
+          </p:cNvPr>
+          <p:cNvSpPr/>
+          <p:nvPr/>
+        </p:nvSpPr>
+        <p:spPr>
+          <a:xfrm>
+            <a:off x="7313936" y="2902613"/>
+            <a:ext cx="1582281" cy="429435"/>
+          </a:xfrm>
+          <a:prstGeom prst="roundRect">
+            <a:avLst/>
+          </a:prstGeom>
+        </p:spPr>
+        <p:style>
+          <a:lnRef idx="1">
+            <a:schemeClr val="accent6"/>
+          </a:lnRef>
+          <a:fillRef idx="2">
+            <a:schemeClr val="accent6"/>
+          </a:fillRef>
+          <a:effectRef idx="1">
+            <a:schemeClr val="accent6"/>
+          </a:effectRef>
+          <a:fontRef idx="minor">
+            <a:schemeClr val="dk1"/>
+          </a:fontRef>
+        </p:style>
+        <p:txBody>
+          <a:bodyPr rtlCol="0" anchor="ctr"/>
+          <a:lstStyle/>
+          <a:p>
+            <a:pPr algn="ctr"/>
+            <a:r>
+              <a:rPr lang="es-ES" dirty="0"/>
+              <a:t>Tuna</a:t>
+            </a:r>
+          </a:p>
+        </p:txBody>
+      </p:sp>
+      <p:sp>
+        <p:nvSpPr>
+          <p:cNvPr id="51" name="Rectángulo: esquinas redondeadas 50">
+            <a:extLst>
+              <a:ext uri="{FF2B5EF4-FFF2-40B4-BE49-F238E27FC236}">
+                <a16:creationId xmlns:a16="http://schemas.microsoft.com/office/drawing/2014/main" id="{287F9471-6A32-B5B4-D63F-E562ED0304FF}"/>
+              </a:ext>
+            </a:extLst>
+          </p:cNvPr>
+          <p:cNvSpPr/>
+          <p:nvPr/>
+        </p:nvSpPr>
+        <p:spPr>
+          <a:xfrm>
+            <a:off x="7311336" y="3649513"/>
+            <a:ext cx="1624859" cy="429435"/>
+          </a:xfrm>
+          <a:prstGeom prst="roundRect">
+            <a:avLst/>
+          </a:prstGeom>
+        </p:spPr>
+        <p:style>
+          <a:lnRef idx="1">
+            <a:schemeClr val="accent6"/>
+          </a:lnRef>
+          <a:fillRef idx="2">
+            <a:schemeClr val="accent6"/>
+          </a:fillRef>
+          <a:effectRef idx="1">
+            <a:schemeClr val="accent6"/>
+          </a:effectRef>
+          <a:fontRef idx="minor">
+            <a:schemeClr val="dk1"/>
+          </a:fontRef>
+        </p:style>
+        <p:txBody>
+          <a:bodyPr rtlCol="0" anchor="ctr"/>
+          <a:lstStyle/>
+          <a:p>
+            <a:pPr algn="ctr"/>
+            <a:r>
+              <a:rPr lang="es-ES" dirty="0" err="1"/>
+              <a:t>Canned</a:t>
+            </a:r>
+            <a:endParaRPr lang="es-ES" dirty="0"/>
+          </a:p>
+        </p:txBody>
+      </p:sp>
+      <p:sp>
+        <p:nvSpPr>
+          <p:cNvPr id="52" name="Rectángulo: esquinas redondeadas 51">
+            <a:extLst>
+              <a:ext uri="{FF2B5EF4-FFF2-40B4-BE49-F238E27FC236}">
+                <a16:creationId xmlns:a16="http://schemas.microsoft.com/office/drawing/2014/main" id="{21A9A955-F502-03A3-E3EB-C89D71A3917B}"/>
+              </a:ext>
+            </a:extLst>
+          </p:cNvPr>
+          <p:cNvSpPr/>
+          <p:nvPr/>
+        </p:nvSpPr>
+        <p:spPr>
+          <a:xfrm>
+            <a:off x="9097325" y="3663214"/>
+            <a:ext cx="1582281" cy="429435"/>
+          </a:xfrm>
+          <a:prstGeom prst="roundRect">
+            <a:avLst/>
+          </a:prstGeom>
+        </p:spPr>
+        <p:style>
+          <a:lnRef idx="1">
+            <a:schemeClr val="accent6"/>
+          </a:lnRef>
+          <a:fillRef idx="2">
+            <a:schemeClr val="accent6"/>
+          </a:fillRef>
+          <a:effectRef idx="1">
+            <a:schemeClr val="accent6"/>
+          </a:effectRef>
+          <a:fontRef idx="minor">
+            <a:schemeClr val="dk1"/>
+          </a:fontRef>
+        </p:style>
+        <p:txBody>
+          <a:bodyPr rtlCol="0" anchor="ctr"/>
+          <a:lstStyle/>
+          <a:p>
+            <a:pPr algn="ctr"/>
+            <a:r>
+              <a:rPr lang="es-ES" dirty="0" err="1"/>
+              <a:t>water</a:t>
+            </a:r>
+            <a:endParaRPr lang="es-ES" dirty="0"/>
+          </a:p>
+        </p:txBody>
+      </p:sp>
+      <p:sp>
+        <p:nvSpPr>
+          <p:cNvPr id="53" name="CuadroTexto 52">
+            <a:extLst>
+              <a:ext uri="{FF2B5EF4-FFF2-40B4-BE49-F238E27FC236}">
+                <a16:creationId xmlns:a16="http://schemas.microsoft.com/office/drawing/2014/main" id="{454B1695-1D1E-EF0B-B056-4BBF966A1F09}"/>
               </a:ext>
             </a:extLst>
           </p:cNvPr>
@@ -25281,8 +31078,8 @@
         </p:nvSpPr>
         <p:spPr>
           <a:xfrm>
-            <a:off x="964059" y="4304306"/>
-            <a:ext cx="10448818" cy="369332"/>
+            <a:off x="7555919" y="1071871"/>
+            <a:ext cx="2357384" cy="369332"/>
           </a:xfrm>
           <a:prstGeom prst="rect">
             <a:avLst/>
@@ -25295,58 +31092,36 @@
           </a:bodyPr>
           <a:lstStyle/>
           <a:p>
-            <a:pPr marL="0" marR="0" lvl="0" indent="0" algn="l" defTabSz="914400" rtl="0" eaLnBrk="1" fontAlgn="b" latinLnBrk="0" hangingPunct="1">
-              <a:lnSpc>
-                <a:spcPct val="100000"/>
-              </a:lnSpc>
-              <a:spcBef>
-                <a:spcPts val="0"/>
-              </a:spcBef>
-              <a:spcAft>
-                <a:spcPts val="0"/>
-              </a:spcAft>
-              <a:buClrTx/>
-              <a:buSzTx/>
-              <a:buFontTx/>
-              <a:buNone/>
-              <a:tabLst/>
-              <a:defRPr/>
-            </a:pPr>
-            <a:r>
-              <a:rPr lang="en-US" sz="1800" b="0" i="0" u="none" strike="noStrike" dirty="0">
+            <a:pPr algn="l" fontAlgn="b"/>
+            <a:r>
+              <a:rPr lang="es-ES" sz="1800" b="0" i="0" u="none" strike="noStrike" dirty="0" err="1">
                 <a:solidFill>
                   <a:srgbClr val="000000"/>
                 </a:solidFill>
                 <a:effectLst/>
                 <a:latin typeface="Calibri" panose="020F0502020204030204" pitchFamily="34" charset="0"/>
               </a:rPr>
-              <a:t>Check </a:t>
-            </a:r>
-            <a:r>
-              <a:rPr lang="en-US" dirty="0">
+              <a:t>Modifier</a:t>
+            </a:r>
+            <a:r>
+              <a:rPr lang="es-ES" sz="1800" b="0" i="0" u="none" strike="noStrike" dirty="0">
                 <a:solidFill>
                   <a:srgbClr val="000000"/>
                 </a:solidFill>
+                <a:effectLst/>
                 <a:latin typeface="Calibri" panose="020F0502020204030204" pitchFamily="34" charset="0"/>
               </a:rPr>
-              <a:t>when F02 and F04 have a matching in same part (same lexemes) we have to maintain both or only F02</a:t>
-            </a:r>
-            <a:endParaRPr lang="en-US" sz="1800" b="0" i="0" u="none" strike="noStrike" dirty="0">
-              <a:solidFill>
-                <a:srgbClr val="000000"/>
-              </a:solidFill>
-              <a:effectLst/>
-              <a:latin typeface="Calibri" panose="020F0502020204030204" pitchFamily="34" charset="0"/>
-            </a:endParaRPr>
+              <a:t> 1</a:t>
+            </a:r>
           </a:p>
         </p:txBody>
       </p:sp>
       <p:sp>
         <p:nvSpPr>
-          <p:cNvPr id="2" name="CuadroTexto 1">
+          <p:cNvPr id="54" name="CuadroTexto 53">
             <a:extLst>
               <a:ext uri="{FF2B5EF4-FFF2-40B4-BE49-F238E27FC236}">
-                <a16:creationId xmlns:a16="http://schemas.microsoft.com/office/drawing/2014/main" id="{C1987AB4-C71C-FB71-9EC6-1377EDBE1032}"/>
+                <a16:creationId xmlns:a16="http://schemas.microsoft.com/office/drawing/2014/main" id="{BA27F2D0-2738-80E0-5979-D3AA9307976A}"/>
               </a:ext>
             </a:extLst>
           </p:cNvPr>
@@ -25355,8 +31130,8 @@
         </p:nvSpPr>
         <p:spPr>
           <a:xfrm>
-            <a:off x="904126" y="298797"/>
-            <a:ext cx="6852862" cy="369332"/>
+            <a:off x="6584267" y="322897"/>
+            <a:ext cx="2357384" cy="369332"/>
           </a:xfrm>
           <a:prstGeom prst="rect">
             <a:avLst/>
@@ -25364,33 +31139,1698 @@
           <a:noFill/>
         </p:spPr>
         <p:txBody>
-          <a:bodyPr wrap="square" lIns="91440" tIns="45720" rIns="91440" bIns="45720" anchor="t">
+          <a:bodyPr wrap="square">
             <a:spAutoFit/>
           </a:bodyPr>
           <a:lstStyle/>
           <a:p>
-            <a:pPr>
-              <a:defRPr/>
-            </a:pPr>
-            <a:r>
-              <a:rPr lang="en-US" dirty="0">
+            <a:pPr algn="l" fontAlgn="b"/>
+            <a:r>
+              <a:rPr lang="es-ES" sz="1800" b="0" i="0" u="none" strike="noStrike" dirty="0" err="1">
                 <a:solidFill>
                   <a:srgbClr val="000000"/>
                 </a:solidFill>
-                <a:latin typeface="Calibri"/>
-                <a:ea typeface="Calibri"/>
-                <a:cs typeface="Calibri"/>
+                <a:effectLst/>
+                <a:latin typeface="Calibri" panose="020F0502020204030204" pitchFamily="34" charset="0"/>
               </a:rPr>
-              <a:t>FUTURE WORK</a:t>
-            </a:r>
-            <a:endParaRPr lang="es-ES" dirty="0"/>
+              <a:t>Main</a:t>
+            </a:r>
+            <a:r>
+              <a:rPr lang="es-ES" sz="1800" b="0" i="0" u="none" strike="noStrike" dirty="0">
+                <a:solidFill>
+                  <a:srgbClr val="000000"/>
+                </a:solidFill>
+                <a:effectLst/>
+                <a:latin typeface="Calibri" panose="020F0502020204030204" pitchFamily="34" charset="0"/>
+              </a:rPr>
+              <a:t> </a:t>
+            </a:r>
+            <a:r>
+              <a:rPr lang="es-ES" sz="1800" b="0" i="0" u="none" strike="noStrike" dirty="0" err="1">
+                <a:solidFill>
+                  <a:srgbClr val="000000"/>
+                </a:solidFill>
+                <a:effectLst/>
+                <a:latin typeface="Calibri" panose="020F0502020204030204" pitchFamily="34" charset="0"/>
+              </a:rPr>
+              <a:t>term</a:t>
+            </a:r>
+            <a:endParaRPr lang="es-ES" sz="1800" b="0" i="0" u="none" strike="noStrike" dirty="0">
+              <a:solidFill>
+                <a:srgbClr val="000000"/>
+              </a:solidFill>
+              <a:effectLst/>
+              <a:latin typeface="Calibri" panose="020F0502020204030204" pitchFamily="34" charset="0"/>
+            </a:endParaRPr>
           </a:p>
         </p:txBody>
       </p:sp>
+      <p:sp>
+        <p:nvSpPr>
+          <p:cNvPr id="55" name="Rectángulo: esquinas redondeadas 54">
+            <a:extLst>
+              <a:ext uri="{FF2B5EF4-FFF2-40B4-BE49-F238E27FC236}">
+                <a16:creationId xmlns:a16="http://schemas.microsoft.com/office/drawing/2014/main" id="{B9E4D46F-6507-5936-163C-4E73323AC5F6}"/>
+              </a:ext>
+            </a:extLst>
+          </p:cNvPr>
+          <p:cNvSpPr/>
+          <p:nvPr/>
+        </p:nvSpPr>
+        <p:spPr>
+          <a:xfrm>
+            <a:off x="5293538" y="191106"/>
+            <a:ext cx="1245967" cy="612293"/>
+          </a:xfrm>
+          <a:prstGeom prst="roundRect">
+            <a:avLst/>
+          </a:prstGeom>
+        </p:spPr>
+        <p:style>
+          <a:lnRef idx="1">
+            <a:schemeClr val="accent2"/>
+          </a:lnRef>
+          <a:fillRef idx="2">
+            <a:schemeClr val="accent2"/>
+          </a:fillRef>
+          <a:effectRef idx="1">
+            <a:schemeClr val="accent2"/>
+          </a:effectRef>
+          <a:fontRef idx="minor">
+            <a:schemeClr val="dk1"/>
+          </a:fontRef>
+        </p:style>
+        <p:txBody>
+          <a:bodyPr rtlCol="0" anchor="ctr"/>
+          <a:lstStyle/>
+          <a:p>
+            <a:pPr algn="ctr"/>
+            <a:r>
+              <a:rPr lang="es-ES" dirty="0"/>
+              <a:t>Tuna</a:t>
+            </a:r>
+          </a:p>
+        </p:txBody>
+      </p:sp>
+      <p:sp>
+        <p:nvSpPr>
+          <p:cNvPr id="57" name="Rectángulo: esquinas redondeadas 56">
+            <a:extLst>
+              <a:ext uri="{FF2B5EF4-FFF2-40B4-BE49-F238E27FC236}">
+                <a16:creationId xmlns:a16="http://schemas.microsoft.com/office/drawing/2014/main" id="{59996EE6-D1D9-4731-370F-9FE1484425C9}"/>
+              </a:ext>
+            </a:extLst>
+          </p:cNvPr>
+          <p:cNvSpPr/>
+          <p:nvPr/>
+        </p:nvSpPr>
+        <p:spPr>
+          <a:xfrm>
+            <a:off x="5293538" y="950391"/>
+            <a:ext cx="2191189" cy="612293"/>
+          </a:xfrm>
+          <a:prstGeom prst="roundRect">
+            <a:avLst/>
+          </a:prstGeom>
+        </p:spPr>
+        <p:style>
+          <a:lnRef idx="1">
+            <a:schemeClr val="accent2"/>
+          </a:lnRef>
+          <a:fillRef idx="2">
+            <a:schemeClr val="accent2"/>
+          </a:fillRef>
+          <a:effectRef idx="1">
+            <a:schemeClr val="accent2"/>
+          </a:effectRef>
+          <a:fontRef idx="minor">
+            <a:schemeClr val="dk1"/>
+          </a:fontRef>
+        </p:style>
+        <p:txBody>
+          <a:bodyPr rtlCol="0" anchor="ctr"/>
+          <a:lstStyle/>
+          <a:p>
+            <a:pPr algn="ctr"/>
+            <a:r>
+              <a:rPr lang="es-ES" dirty="0" err="1"/>
+              <a:t>Canned</a:t>
+            </a:r>
+            <a:r>
+              <a:rPr lang="es-ES" dirty="0"/>
+              <a:t> in </a:t>
+            </a:r>
+            <a:r>
+              <a:rPr lang="es-ES" dirty="0" err="1"/>
+              <a:t>water</a:t>
+            </a:r>
+            <a:endParaRPr lang="es-ES" dirty="0"/>
+          </a:p>
+        </p:txBody>
+      </p:sp>
+      <p:sp>
+        <p:nvSpPr>
+          <p:cNvPr id="62" name="CuadroTexto 61">
+            <a:extLst>
+              <a:ext uri="{FF2B5EF4-FFF2-40B4-BE49-F238E27FC236}">
+                <a16:creationId xmlns:a16="http://schemas.microsoft.com/office/drawing/2014/main" id="{3F2AB272-06E8-1B4E-04F0-1FD93C47EDEA}"/>
+              </a:ext>
+            </a:extLst>
+          </p:cNvPr>
+          <p:cNvSpPr txBox="1"/>
+          <p:nvPr/>
+        </p:nvSpPr>
+        <p:spPr>
+          <a:xfrm>
+            <a:off x="8218042" y="1753828"/>
+            <a:ext cx="6562618" cy="369332"/>
+          </a:xfrm>
+          <a:prstGeom prst="rect">
+            <a:avLst/>
+          </a:prstGeom>
+          <a:noFill/>
+        </p:spPr>
+        <p:txBody>
+          <a:bodyPr wrap="square">
+            <a:spAutoFit/>
+          </a:bodyPr>
+          <a:lstStyle/>
+          <a:p>
+            <a:r>
+              <a:rPr lang="es-ES" dirty="0"/>
+              <a:t>Split </a:t>
+            </a:r>
+            <a:r>
+              <a:rPr lang="es-ES" dirty="0" err="1"/>
+              <a:t>each</a:t>
+            </a:r>
+            <a:r>
+              <a:rPr lang="es-ES" dirty="0"/>
+              <a:t> </a:t>
+            </a:r>
+            <a:r>
+              <a:rPr lang="es-ES" dirty="0" err="1"/>
+              <a:t>by</a:t>
+            </a:r>
+            <a:r>
+              <a:rPr lang="es-ES" dirty="0"/>
+              <a:t> </a:t>
+            </a:r>
+            <a:r>
+              <a:rPr lang="es-ES" dirty="0" err="1"/>
+              <a:t>conjunctions</a:t>
+            </a:r>
+            <a:endParaRPr lang="es-ES" dirty="0"/>
+          </a:p>
+        </p:txBody>
+      </p:sp>
+      <p:sp>
+        <p:nvSpPr>
+          <p:cNvPr id="63" name="Flecha: hacia abajo 62">
+            <a:extLst>
+              <a:ext uri="{FF2B5EF4-FFF2-40B4-BE49-F238E27FC236}">
+                <a16:creationId xmlns:a16="http://schemas.microsoft.com/office/drawing/2014/main" id="{50330066-DD06-437D-64E8-1A1E165D8B41}"/>
+              </a:ext>
+            </a:extLst>
+          </p:cNvPr>
+          <p:cNvSpPr/>
+          <p:nvPr/>
+        </p:nvSpPr>
+        <p:spPr>
+          <a:xfrm rot="18548057">
+            <a:off x="7962541" y="1390859"/>
+            <a:ext cx="261878" cy="1515429"/>
+          </a:xfrm>
+          <a:prstGeom prst="downArrow">
+            <a:avLst/>
+          </a:prstGeom>
+        </p:spPr>
+        <p:style>
+          <a:lnRef idx="2">
+            <a:schemeClr val="accent1">
+              <a:shade val="50000"/>
+            </a:schemeClr>
+          </a:lnRef>
+          <a:fillRef idx="1">
+            <a:schemeClr val="accent1"/>
+          </a:fillRef>
+          <a:effectRef idx="0">
+            <a:schemeClr val="accent1"/>
+          </a:effectRef>
+          <a:fontRef idx="minor">
+            <a:schemeClr val="lt1"/>
+          </a:fontRef>
+        </p:style>
+        <p:txBody>
+          <a:bodyPr rtlCol="0" anchor="ctr"/>
+          <a:lstStyle/>
+          <a:p>
+            <a:pPr algn="ctr"/>
+            <a:endParaRPr lang="es-ES"/>
+          </a:p>
+        </p:txBody>
+      </p:sp>
+      <p:sp>
+        <p:nvSpPr>
+          <p:cNvPr id="66" name="Rectángulo: esquinas redondeadas 65">
+            <a:extLst>
+              <a:ext uri="{FF2B5EF4-FFF2-40B4-BE49-F238E27FC236}">
+                <a16:creationId xmlns:a16="http://schemas.microsoft.com/office/drawing/2014/main" id="{D7BA98EB-64E7-673B-DF00-64B7A592D155}"/>
+              </a:ext>
+            </a:extLst>
+          </p:cNvPr>
+          <p:cNvSpPr/>
+          <p:nvPr/>
+        </p:nvSpPr>
+        <p:spPr>
+          <a:xfrm>
+            <a:off x="4676344" y="5263146"/>
+            <a:ext cx="1777430" cy="612293"/>
+          </a:xfrm>
+          <a:prstGeom prst="roundRect">
+            <a:avLst/>
+          </a:prstGeom>
+        </p:spPr>
+        <p:style>
+          <a:lnRef idx="1">
+            <a:schemeClr val="accent2"/>
+          </a:lnRef>
+          <a:fillRef idx="2">
+            <a:schemeClr val="accent2"/>
+          </a:fillRef>
+          <a:effectRef idx="1">
+            <a:schemeClr val="accent2"/>
+          </a:effectRef>
+          <a:fontRef idx="minor">
+            <a:schemeClr val="dk1"/>
+          </a:fontRef>
+        </p:style>
+        <p:txBody>
+          <a:bodyPr rtlCol="0" anchor="ctr"/>
+          <a:lstStyle/>
+          <a:p>
+            <a:pPr algn="ctr"/>
+            <a:endParaRPr lang="es-ES"/>
+          </a:p>
+        </p:txBody>
+      </p:sp>
+      <p:sp>
+        <p:nvSpPr>
+          <p:cNvPr id="67" name="Rectángulo: esquinas redondeadas 66">
+            <a:extLst>
+              <a:ext uri="{FF2B5EF4-FFF2-40B4-BE49-F238E27FC236}">
+                <a16:creationId xmlns:a16="http://schemas.microsoft.com/office/drawing/2014/main" id="{505E9951-1E98-CE51-808E-539125EB497E}"/>
+              </a:ext>
+            </a:extLst>
+          </p:cNvPr>
+          <p:cNvSpPr/>
+          <p:nvPr/>
+        </p:nvSpPr>
+        <p:spPr>
+          <a:xfrm>
+            <a:off x="4676344" y="6022431"/>
+            <a:ext cx="3623152" cy="612293"/>
+          </a:xfrm>
+          <a:prstGeom prst="roundRect">
+            <a:avLst/>
+          </a:prstGeom>
+        </p:spPr>
+        <p:style>
+          <a:lnRef idx="1">
+            <a:schemeClr val="accent2"/>
+          </a:lnRef>
+          <a:fillRef idx="2">
+            <a:schemeClr val="accent2"/>
+          </a:fillRef>
+          <a:effectRef idx="1">
+            <a:schemeClr val="accent2"/>
+          </a:effectRef>
+          <a:fontRef idx="minor">
+            <a:schemeClr val="dk1"/>
+          </a:fontRef>
+        </p:style>
+        <p:txBody>
+          <a:bodyPr rtlCol="0" anchor="ctr"/>
+          <a:lstStyle/>
+          <a:p>
+            <a:pPr algn="ctr"/>
+            <a:endParaRPr lang="es-ES"/>
+          </a:p>
+        </p:txBody>
+      </p:sp>
+      <p:sp>
+        <p:nvSpPr>
+          <p:cNvPr id="70" name="Rectángulo: esquinas redondeadas 69">
+            <a:extLst>
+              <a:ext uri="{FF2B5EF4-FFF2-40B4-BE49-F238E27FC236}">
+                <a16:creationId xmlns:a16="http://schemas.microsoft.com/office/drawing/2014/main" id="{8457E4FA-F634-4474-A79F-F6C38BD39FBC}"/>
+              </a:ext>
+            </a:extLst>
+          </p:cNvPr>
+          <p:cNvSpPr/>
+          <p:nvPr/>
+        </p:nvSpPr>
+        <p:spPr>
+          <a:xfrm>
+            <a:off x="4776518" y="5355444"/>
+            <a:ext cx="1582281" cy="429435"/>
+          </a:xfrm>
+          <a:prstGeom prst="roundRect">
+            <a:avLst/>
+          </a:prstGeom>
+        </p:spPr>
+        <p:style>
+          <a:lnRef idx="1">
+            <a:schemeClr val="accent6"/>
+          </a:lnRef>
+          <a:fillRef idx="2">
+            <a:schemeClr val="accent6"/>
+          </a:fillRef>
+          <a:effectRef idx="1">
+            <a:schemeClr val="accent6"/>
+          </a:effectRef>
+          <a:fontRef idx="minor">
+            <a:schemeClr val="dk1"/>
+          </a:fontRef>
+        </p:style>
+        <p:txBody>
+          <a:bodyPr rtlCol="0" anchor="ctr"/>
+          <a:lstStyle/>
+          <a:p>
+            <a:pPr algn="ctr"/>
+            <a:r>
+              <a:rPr lang="es-ES" dirty="0"/>
+              <a:t>Tuna</a:t>
+            </a:r>
+          </a:p>
+        </p:txBody>
+      </p:sp>
+      <p:sp>
+        <p:nvSpPr>
+          <p:cNvPr id="71" name="Rectángulo: esquinas redondeadas 70">
+            <a:extLst>
+              <a:ext uri="{FF2B5EF4-FFF2-40B4-BE49-F238E27FC236}">
+                <a16:creationId xmlns:a16="http://schemas.microsoft.com/office/drawing/2014/main" id="{67090804-25CC-932F-8B04-4553834782A1}"/>
+              </a:ext>
+            </a:extLst>
+          </p:cNvPr>
+          <p:cNvSpPr/>
+          <p:nvPr/>
+        </p:nvSpPr>
+        <p:spPr>
+          <a:xfrm>
+            <a:off x="4773918" y="6102344"/>
+            <a:ext cx="1624859" cy="429435"/>
+          </a:xfrm>
+          <a:prstGeom prst="roundRect">
+            <a:avLst/>
+          </a:prstGeom>
+        </p:spPr>
+        <p:style>
+          <a:lnRef idx="1">
+            <a:schemeClr val="accent6"/>
+          </a:lnRef>
+          <a:fillRef idx="2">
+            <a:schemeClr val="accent6"/>
+          </a:fillRef>
+          <a:effectRef idx="1">
+            <a:schemeClr val="accent6"/>
+          </a:effectRef>
+          <a:fontRef idx="minor">
+            <a:schemeClr val="dk1"/>
+          </a:fontRef>
+        </p:style>
+        <p:txBody>
+          <a:bodyPr rtlCol="0" anchor="ctr"/>
+          <a:lstStyle/>
+          <a:p>
+            <a:pPr algn="ctr"/>
+            <a:r>
+              <a:rPr lang="es-ES" dirty="0" err="1"/>
+              <a:t>Canned</a:t>
+            </a:r>
+            <a:endParaRPr lang="es-ES" dirty="0"/>
+          </a:p>
+        </p:txBody>
+      </p:sp>
+      <p:sp>
+        <p:nvSpPr>
+          <p:cNvPr id="72" name="Rectángulo: esquinas redondeadas 71">
+            <a:extLst>
+              <a:ext uri="{FF2B5EF4-FFF2-40B4-BE49-F238E27FC236}">
+                <a16:creationId xmlns:a16="http://schemas.microsoft.com/office/drawing/2014/main" id="{F611BA54-F058-643C-D70C-B1C4535D32FA}"/>
+              </a:ext>
+            </a:extLst>
+          </p:cNvPr>
+          <p:cNvSpPr/>
+          <p:nvPr/>
+        </p:nvSpPr>
+        <p:spPr>
+          <a:xfrm>
+            <a:off x="6559907" y="6116045"/>
+            <a:ext cx="1582281" cy="429435"/>
+          </a:xfrm>
+          <a:prstGeom prst="roundRect">
+            <a:avLst/>
+          </a:prstGeom>
+        </p:spPr>
+        <p:style>
+          <a:lnRef idx="1">
+            <a:schemeClr val="accent6"/>
+          </a:lnRef>
+          <a:fillRef idx="2">
+            <a:schemeClr val="accent6"/>
+          </a:fillRef>
+          <a:effectRef idx="1">
+            <a:schemeClr val="accent6"/>
+          </a:effectRef>
+          <a:fontRef idx="minor">
+            <a:schemeClr val="dk1"/>
+          </a:fontRef>
+        </p:style>
+        <p:txBody>
+          <a:bodyPr rtlCol="0" anchor="ctr"/>
+          <a:lstStyle/>
+          <a:p>
+            <a:pPr algn="ctr"/>
+            <a:r>
+              <a:rPr lang="es-ES" dirty="0" err="1"/>
+              <a:t>water</a:t>
+            </a:r>
+            <a:endParaRPr lang="es-ES" dirty="0"/>
+          </a:p>
+        </p:txBody>
+      </p:sp>
+      <p:sp>
+        <p:nvSpPr>
+          <p:cNvPr id="73" name="CuadroTexto 72">
+            <a:extLst>
+              <a:ext uri="{FF2B5EF4-FFF2-40B4-BE49-F238E27FC236}">
+                <a16:creationId xmlns:a16="http://schemas.microsoft.com/office/drawing/2014/main" id="{57B57E19-C3AA-9CD1-2B8C-BBFF50863B2A}"/>
+              </a:ext>
+            </a:extLst>
+          </p:cNvPr>
+          <p:cNvSpPr txBox="1"/>
+          <p:nvPr/>
+        </p:nvSpPr>
+        <p:spPr>
+          <a:xfrm>
+            <a:off x="8067267" y="4750554"/>
+            <a:ext cx="6562618" cy="369332"/>
+          </a:xfrm>
+          <a:prstGeom prst="rect">
+            <a:avLst/>
+          </a:prstGeom>
+          <a:noFill/>
+        </p:spPr>
+        <p:txBody>
+          <a:bodyPr wrap="square">
+            <a:spAutoFit/>
+          </a:bodyPr>
+          <a:lstStyle/>
+          <a:p>
+            <a:r>
+              <a:rPr lang="es-ES" dirty="0" err="1"/>
+              <a:t>Lemmatize</a:t>
+            </a:r>
+            <a:r>
+              <a:rPr lang="es-ES" dirty="0"/>
+              <a:t> </a:t>
+            </a:r>
+            <a:r>
+              <a:rPr lang="es-ES" dirty="0" err="1"/>
+              <a:t>each</a:t>
+            </a:r>
+            <a:r>
+              <a:rPr lang="es-ES" dirty="0"/>
+              <a:t> </a:t>
+            </a:r>
+            <a:r>
+              <a:rPr lang="es-ES" dirty="0" err="1"/>
+              <a:t>subset</a:t>
+            </a:r>
+            <a:endParaRPr lang="es-ES" dirty="0"/>
+          </a:p>
+        </p:txBody>
+      </p:sp>
+      <p:sp>
+        <p:nvSpPr>
+          <p:cNvPr id="74" name="Flecha: hacia abajo 73">
+            <a:extLst>
+              <a:ext uri="{FF2B5EF4-FFF2-40B4-BE49-F238E27FC236}">
+                <a16:creationId xmlns:a16="http://schemas.microsoft.com/office/drawing/2014/main" id="{9045BD7F-59D9-2DDE-E6A6-A478DA7B0150}"/>
+              </a:ext>
+            </a:extLst>
+          </p:cNvPr>
+          <p:cNvSpPr/>
+          <p:nvPr/>
+        </p:nvSpPr>
+        <p:spPr>
+          <a:xfrm rot="2298079">
+            <a:off x="7626918" y="4181051"/>
+            <a:ext cx="261878" cy="1515429"/>
+          </a:xfrm>
+          <a:prstGeom prst="downArrow">
+            <a:avLst/>
+          </a:prstGeom>
+        </p:spPr>
+        <p:style>
+          <a:lnRef idx="2">
+            <a:schemeClr val="accent1">
+              <a:shade val="50000"/>
+            </a:schemeClr>
+          </a:lnRef>
+          <a:fillRef idx="1">
+            <a:schemeClr val="accent1"/>
+          </a:fillRef>
+          <a:effectRef idx="0">
+            <a:schemeClr val="accent1"/>
+          </a:effectRef>
+          <a:fontRef idx="minor">
+            <a:schemeClr val="lt1"/>
+          </a:fontRef>
+        </p:style>
+        <p:txBody>
+          <a:bodyPr rtlCol="0" anchor="ctr"/>
+          <a:lstStyle/>
+          <a:p>
+            <a:pPr algn="ctr"/>
+            <a:endParaRPr lang="es-ES"/>
+          </a:p>
+        </p:txBody>
+      </p:sp>
+      <p:sp>
+        <p:nvSpPr>
+          <p:cNvPr id="75" name="CuadroTexto 74">
+            <a:extLst>
+              <a:ext uri="{FF2B5EF4-FFF2-40B4-BE49-F238E27FC236}">
+                <a16:creationId xmlns:a16="http://schemas.microsoft.com/office/drawing/2014/main" id="{B3B97FD4-A980-7D38-16FD-16536A6E4337}"/>
+              </a:ext>
+            </a:extLst>
+          </p:cNvPr>
+          <p:cNvSpPr txBox="1"/>
+          <p:nvPr/>
+        </p:nvSpPr>
+        <p:spPr>
+          <a:xfrm>
+            <a:off x="8352096" y="6206267"/>
+            <a:ext cx="2357384" cy="369332"/>
+          </a:xfrm>
+          <a:prstGeom prst="rect">
+            <a:avLst/>
+          </a:prstGeom>
+          <a:noFill/>
+        </p:spPr>
+        <p:txBody>
+          <a:bodyPr wrap="square">
+            <a:spAutoFit/>
+          </a:bodyPr>
+          <a:lstStyle/>
+          <a:p>
+            <a:pPr algn="l" fontAlgn="b"/>
+            <a:r>
+              <a:rPr lang="es-ES" sz="1800" b="0" i="0" u="none" strike="noStrike" dirty="0" err="1">
+                <a:solidFill>
+                  <a:srgbClr val="000000"/>
+                </a:solidFill>
+                <a:effectLst/>
+                <a:latin typeface="Calibri" panose="020F0502020204030204" pitchFamily="34" charset="0"/>
+              </a:rPr>
+              <a:t>Modifier</a:t>
+            </a:r>
+            <a:r>
+              <a:rPr lang="es-ES" sz="1800" b="0" i="0" u="none" strike="noStrike" dirty="0">
+                <a:solidFill>
+                  <a:srgbClr val="000000"/>
+                </a:solidFill>
+                <a:effectLst/>
+                <a:latin typeface="Calibri" panose="020F0502020204030204" pitchFamily="34" charset="0"/>
+              </a:rPr>
+              <a:t> 1</a:t>
+            </a:r>
+          </a:p>
+        </p:txBody>
+      </p:sp>
+      <p:sp>
+        <p:nvSpPr>
+          <p:cNvPr id="76" name="CuadroTexto 75">
+            <a:extLst>
+              <a:ext uri="{FF2B5EF4-FFF2-40B4-BE49-F238E27FC236}">
+                <a16:creationId xmlns:a16="http://schemas.microsoft.com/office/drawing/2014/main" id="{023C0422-5A44-A733-3B5E-848246D4DAAB}"/>
+              </a:ext>
+            </a:extLst>
+          </p:cNvPr>
+          <p:cNvSpPr txBox="1"/>
+          <p:nvPr/>
+        </p:nvSpPr>
+        <p:spPr>
+          <a:xfrm>
+            <a:off x="6551348" y="5534031"/>
+            <a:ext cx="2357384" cy="369332"/>
+          </a:xfrm>
+          <a:prstGeom prst="rect">
+            <a:avLst/>
+          </a:prstGeom>
+          <a:noFill/>
+        </p:spPr>
+        <p:txBody>
+          <a:bodyPr wrap="square">
+            <a:spAutoFit/>
+          </a:bodyPr>
+          <a:lstStyle/>
+          <a:p>
+            <a:pPr algn="l" fontAlgn="b"/>
+            <a:r>
+              <a:rPr lang="es-ES" sz="1800" b="0" i="0" u="none" strike="noStrike" dirty="0" err="1">
+                <a:solidFill>
+                  <a:srgbClr val="000000"/>
+                </a:solidFill>
+                <a:effectLst/>
+                <a:latin typeface="Calibri" panose="020F0502020204030204" pitchFamily="34" charset="0"/>
+              </a:rPr>
+              <a:t>Main</a:t>
+            </a:r>
+            <a:r>
+              <a:rPr lang="es-ES" sz="1800" b="0" i="0" u="none" strike="noStrike" dirty="0">
+                <a:solidFill>
+                  <a:srgbClr val="000000"/>
+                </a:solidFill>
+                <a:effectLst/>
+                <a:latin typeface="Calibri" panose="020F0502020204030204" pitchFamily="34" charset="0"/>
+              </a:rPr>
+              <a:t> </a:t>
+            </a:r>
+            <a:r>
+              <a:rPr lang="es-ES" sz="1800" b="0" i="0" u="none" strike="noStrike" dirty="0" err="1">
+                <a:solidFill>
+                  <a:srgbClr val="000000"/>
+                </a:solidFill>
+                <a:effectLst/>
+                <a:latin typeface="Calibri" panose="020F0502020204030204" pitchFamily="34" charset="0"/>
+              </a:rPr>
+              <a:t>term</a:t>
+            </a:r>
+            <a:endParaRPr lang="es-ES" sz="1800" b="0" i="0" u="none" strike="noStrike" dirty="0">
+              <a:solidFill>
+                <a:srgbClr val="000000"/>
+              </a:solidFill>
+              <a:effectLst/>
+              <a:latin typeface="Calibri" panose="020F0502020204030204" pitchFamily="34" charset="0"/>
+            </a:endParaRPr>
+          </a:p>
+        </p:txBody>
+      </p:sp>
+      <p:sp>
+        <p:nvSpPr>
+          <p:cNvPr id="2" name="Flecha: hacia abajo 1">
+            <a:extLst>
+              <a:ext uri="{FF2B5EF4-FFF2-40B4-BE49-F238E27FC236}">
+                <a16:creationId xmlns:a16="http://schemas.microsoft.com/office/drawing/2014/main" id="{2A50E4D1-A9FD-CF02-4A82-BA7D728A2EDE}"/>
+              </a:ext>
+            </a:extLst>
+          </p:cNvPr>
+          <p:cNvSpPr/>
+          <p:nvPr/>
+        </p:nvSpPr>
+        <p:spPr>
+          <a:xfrm rot="6724423">
+            <a:off x="3092368" y="4274327"/>
+            <a:ext cx="205271" cy="2162234"/>
+          </a:xfrm>
+          <a:prstGeom prst="downArrow">
+            <a:avLst/>
+          </a:prstGeom>
+        </p:spPr>
+        <p:style>
+          <a:lnRef idx="2">
+            <a:schemeClr val="accent1">
+              <a:shade val="50000"/>
+            </a:schemeClr>
+          </a:lnRef>
+          <a:fillRef idx="1">
+            <a:schemeClr val="accent1"/>
+          </a:fillRef>
+          <a:effectRef idx="0">
+            <a:schemeClr val="accent1"/>
+          </a:effectRef>
+          <a:fontRef idx="minor">
+            <a:schemeClr val="lt1"/>
+          </a:fontRef>
+        </p:style>
+        <p:txBody>
+          <a:bodyPr rtlCol="0" anchor="ctr"/>
+          <a:lstStyle/>
+          <a:p>
+            <a:pPr algn="ctr"/>
+            <a:endParaRPr lang="es-ES"/>
+          </a:p>
+        </p:txBody>
+      </p:sp>
+      <p:sp>
+        <p:nvSpPr>
+          <p:cNvPr id="3" name="CuadroTexto 2">
+            <a:extLst>
+              <a:ext uri="{FF2B5EF4-FFF2-40B4-BE49-F238E27FC236}">
+                <a16:creationId xmlns:a16="http://schemas.microsoft.com/office/drawing/2014/main" id="{9CD5FBE5-BA41-BBD3-AE86-602EC5A227D9}"/>
+              </a:ext>
+            </a:extLst>
+          </p:cNvPr>
+          <p:cNvSpPr txBox="1"/>
+          <p:nvPr/>
+        </p:nvSpPr>
+        <p:spPr>
+          <a:xfrm>
+            <a:off x="2966533" y="4582996"/>
+            <a:ext cx="6562618" cy="646331"/>
+          </a:xfrm>
+          <a:prstGeom prst="rect">
+            <a:avLst/>
+          </a:prstGeom>
+          <a:noFill/>
+        </p:spPr>
+        <p:txBody>
+          <a:bodyPr wrap="square">
+            <a:spAutoFit/>
+          </a:bodyPr>
+          <a:lstStyle/>
+          <a:p>
+            <a:r>
+              <a:rPr lang="es-ES" dirty="0"/>
+              <a:t>Match </a:t>
+            </a:r>
+            <a:r>
+              <a:rPr lang="es-ES" dirty="0" err="1"/>
+              <a:t>each</a:t>
+            </a:r>
+            <a:r>
+              <a:rPr lang="es-ES" dirty="0"/>
+              <a:t> set </a:t>
+            </a:r>
+            <a:r>
+              <a:rPr lang="es-ES" dirty="0" err="1"/>
+              <a:t>of</a:t>
+            </a:r>
+            <a:r>
+              <a:rPr lang="es-ES" dirty="0"/>
+              <a:t> </a:t>
+            </a:r>
+            <a:r>
+              <a:rPr lang="es-ES" dirty="0" err="1"/>
+              <a:t>terms</a:t>
+            </a:r>
+            <a:r>
+              <a:rPr lang="es-ES" dirty="0"/>
+              <a:t> </a:t>
+            </a:r>
+            <a:r>
+              <a:rPr lang="es-ES" dirty="0" err="1"/>
+              <a:t>with</a:t>
+            </a:r>
+            <a:endParaRPr lang="es-ES" dirty="0"/>
+          </a:p>
+          <a:p>
+            <a:r>
+              <a:rPr lang="es-ES" dirty="0" err="1"/>
+              <a:t>Each</a:t>
+            </a:r>
+            <a:r>
+              <a:rPr lang="es-ES" dirty="0"/>
+              <a:t> Foodex2 </a:t>
+            </a:r>
+            <a:r>
+              <a:rPr lang="es-ES" dirty="0" err="1"/>
+              <a:t>facet</a:t>
+            </a:r>
+            <a:endParaRPr lang="es-ES" dirty="0"/>
+          </a:p>
+        </p:txBody>
+      </p:sp>
+      <p:sp>
+        <p:nvSpPr>
+          <p:cNvPr id="4" name="Rectángulo: esquinas redondeadas 3">
+            <a:extLst>
+              <a:ext uri="{FF2B5EF4-FFF2-40B4-BE49-F238E27FC236}">
+                <a16:creationId xmlns:a16="http://schemas.microsoft.com/office/drawing/2014/main" id="{52C7B1CA-3E2D-F254-8212-8F162742A72F}"/>
+              </a:ext>
+            </a:extLst>
+          </p:cNvPr>
+          <p:cNvSpPr/>
+          <p:nvPr/>
+        </p:nvSpPr>
+        <p:spPr>
+          <a:xfrm>
+            <a:off x="655909" y="5256065"/>
+            <a:ext cx="1582281" cy="429435"/>
+          </a:xfrm>
+          <a:prstGeom prst="roundRect">
+            <a:avLst/>
+          </a:prstGeom>
+        </p:spPr>
+        <p:style>
+          <a:lnRef idx="1">
+            <a:schemeClr val="accent6"/>
+          </a:lnRef>
+          <a:fillRef idx="2">
+            <a:schemeClr val="accent6"/>
+          </a:fillRef>
+          <a:effectRef idx="1">
+            <a:schemeClr val="accent6"/>
+          </a:effectRef>
+          <a:fontRef idx="minor">
+            <a:schemeClr val="dk1"/>
+          </a:fontRef>
+        </p:style>
+        <p:txBody>
+          <a:bodyPr rtlCol="0" anchor="ctr"/>
+          <a:lstStyle/>
+          <a:p>
+            <a:pPr algn="ctr"/>
+            <a:r>
+              <a:rPr lang="es-ES" dirty="0"/>
+              <a:t>Tuna</a:t>
+            </a:r>
+          </a:p>
+        </p:txBody>
+      </p:sp>
+      <p:sp>
+        <p:nvSpPr>
+          <p:cNvPr id="6" name="CuadroTexto 5">
+            <a:extLst>
+              <a:ext uri="{FF2B5EF4-FFF2-40B4-BE49-F238E27FC236}">
+                <a16:creationId xmlns:a16="http://schemas.microsoft.com/office/drawing/2014/main" id="{90276568-CFFD-A669-2E2A-86997EC14700}"/>
+              </a:ext>
+            </a:extLst>
+          </p:cNvPr>
+          <p:cNvSpPr txBox="1"/>
+          <p:nvPr/>
+        </p:nvSpPr>
+        <p:spPr>
+          <a:xfrm>
+            <a:off x="152698" y="1856279"/>
+            <a:ext cx="6095144" cy="369332"/>
+          </a:xfrm>
+          <a:prstGeom prst="rect">
+            <a:avLst/>
+          </a:prstGeom>
+          <a:noFill/>
+        </p:spPr>
+        <p:txBody>
+          <a:bodyPr wrap="square">
+            <a:spAutoFit/>
+          </a:bodyPr>
+          <a:lstStyle/>
+          <a:p>
+            <a:r>
+              <a:rPr lang="es-ES" dirty="0"/>
+              <a:t>- F04 - </a:t>
+            </a:r>
+            <a:r>
+              <a:rPr lang="es-ES" dirty="0" err="1"/>
+              <a:t>Ingredient</a:t>
+            </a:r>
+            <a:endParaRPr lang="es-ES" dirty="0"/>
+          </a:p>
+        </p:txBody>
+      </p:sp>
+      <p:graphicFrame>
+        <p:nvGraphicFramePr>
+          <p:cNvPr id="7" name="Tabla 6">
+            <a:extLst>
+              <a:ext uri="{FF2B5EF4-FFF2-40B4-BE49-F238E27FC236}">
+                <a16:creationId xmlns:a16="http://schemas.microsoft.com/office/drawing/2014/main" id="{58C1204F-3966-0FD2-E23E-F4DB7B289115}"/>
+              </a:ext>
+            </a:extLst>
+          </p:cNvPr>
+          <p:cNvGraphicFramePr>
+            <a:graphicFrameLocks noGrp="1"/>
+          </p:cNvGraphicFramePr>
+          <p:nvPr>
+            <p:extLst>
+              <p:ext uri="{D42A27DB-BD31-4B8C-83A1-F6EECF244321}">
+                <p14:modId xmlns:p14="http://schemas.microsoft.com/office/powerpoint/2010/main" val="189143201"/>
+              </p:ext>
+            </p:extLst>
+          </p:nvPr>
+        </p:nvGraphicFramePr>
+        <p:xfrm>
+          <a:off x="402829" y="2203961"/>
+          <a:ext cx="2489200" cy="2435225"/>
+        </p:xfrm>
+        <a:graphic>
+          <a:graphicData uri="http://schemas.openxmlformats.org/drawingml/2006/table">
+            <a:tbl>
+              <a:tblPr>
+                <a:tableStyleId>{5C22544A-7EE6-4342-B048-85BDC9FD1C3A}</a:tableStyleId>
+              </a:tblPr>
+              <a:tblGrid>
+                <a:gridCol w="609600">
+                  <a:extLst>
+                    <a:ext uri="{9D8B030D-6E8A-4147-A177-3AD203B41FA5}">
+                      <a16:colId xmlns:a16="http://schemas.microsoft.com/office/drawing/2014/main" val="502739459"/>
+                    </a:ext>
+                  </a:extLst>
+                </a:gridCol>
+                <a:gridCol w="1879600">
+                  <a:extLst>
+                    <a:ext uri="{9D8B030D-6E8A-4147-A177-3AD203B41FA5}">
+                      <a16:colId xmlns:a16="http://schemas.microsoft.com/office/drawing/2014/main" val="2941622740"/>
+                    </a:ext>
+                  </a:extLst>
+                </a:gridCol>
+              </a:tblGrid>
+              <a:tr h="187325">
+                <a:tc>
+                  <a:txBody>
+                    <a:bodyPr/>
+                    <a:lstStyle/>
+                    <a:p>
+                      <a:pPr algn="l" fontAlgn="b"/>
+                      <a:r>
+                        <a:rPr lang="es-ES" sz="1100" u="none" strike="noStrike">
+                          <a:effectLst/>
+                        </a:rPr>
+                        <a:t>A02DR</a:t>
+                      </a:r>
+                      <a:endParaRPr lang="es-ES" sz="1100" b="0" i="0" u="none" strike="noStrike">
+                        <a:solidFill>
+                          <a:srgbClr val="000000"/>
+                        </a:solidFill>
+                        <a:effectLst/>
+                        <a:latin typeface="Calibri" panose="020F0502020204030204" pitchFamily="34" charset="0"/>
+                      </a:endParaRPr>
+                    </a:p>
+                  </a:txBody>
+                  <a:tcPr marL="3175" marR="3175" marT="3175" marB="0" anchor="b"/>
+                </a:tc>
+                <a:tc>
+                  <a:txBody>
+                    <a:bodyPr/>
+                    <a:lstStyle/>
+                    <a:p>
+                      <a:pPr algn="l" fontAlgn="b"/>
+                      <a:r>
+                        <a:rPr lang="es-ES" sz="1100" u="none" strike="noStrike">
+                          <a:effectLst/>
+                        </a:rPr>
+                        <a:t>Tuna and bonito (generic)</a:t>
+                      </a:r>
+                      <a:endParaRPr lang="es-ES" sz="1100" b="0" i="0" u="none" strike="noStrike">
+                        <a:solidFill>
+                          <a:srgbClr val="000000"/>
+                        </a:solidFill>
+                        <a:effectLst/>
+                        <a:latin typeface="Calibri" panose="020F0502020204030204" pitchFamily="34" charset="0"/>
+                      </a:endParaRPr>
+                    </a:p>
+                  </a:txBody>
+                  <a:tcPr marL="3175" marR="3175" marT="3175" marB="0" anchor="b"/>
+                </a:tc>
+                <a:extLst>
+                  <a:ext uri="{0D108BD9-81ED-4DB2-BD59-A6C34878D82A}">
+                    <a16:rowId xmlns:a16="http://schemas.microsoft.com/office/drawing/2014/main" val="1089623284"/>
+                  </a:ext>
+                </a:extLst>
+              </a:tr>
+              <a:tr h="187325">
+                <a:tc>
+                  <a:txBody>
+                    <a:bodyPr/>
+                    <a:lstStyle/>
+                    <a:p>
+                      <a:pPr algn="l" fontAlgn="b"/>
+                      <a:r>
+                        <a:rPr lang="es-ES" sz="1100" u="none" strike="noStrike" dirty="0">
+                          <a:effectLst/>
+                        </a:rPr>
+                        <a:t>A02DX</a:t>
+                      </a:r>
+                      <a:endParaRPr lang="es-ES" sz="1100" b="0" i="0" u="none" strike="noStrike" dirty="0">
+                        <a:solidFill>
+                          <a:srgbClr val="000000"/>
+                        </a:solidFill>
+                        <a:effectLst/>
+                        <a:latin typeface="Calibri" panose="020F0502020204030204" pitchFamily="34" charset="0"/>
+                      </a:endParaRPr>
+                    </a:p>
+                  </a:txBody>
+                  <a:tcPr marL="3175" marR="3175" marT="3175" marB="0" anchor="b"/>
+                </a:tc>
+                <a:tc>
+                  <a:txBody>
+                    <a:bodyPr/>
+                    <a:lstStyle/>
+                    <a:p>
+                      <a:pPr algn="l" fontAlgn="b"/>
+                      <a:r>
+                        <a:rPr lang="es-ES" sz="1100" u="none" strike="noStrike" dirty="0">
+                          <a:effectLst/>
+                        </a:rPr>
+                        <a:t>Tuna</a:t>
+                      </a:r>
+                      <a:endParaRPr lang="es-ES" sz="1100" b="0" i="0" u="none" strike="noStrike" dirty="0">
+                        <a:solidFill>
+                          <a:srgbClr val="000000"/>
+                        </a:solidFill>
+                        <a:effectLst/>
+                        <a:latin typeface="Calibri" panose="020F0502020204030204" pitchFamily="34" charset="0"/>
+                      </a:endParaRPr>
+                    </a:p>
+                  </a:txBody>
+                  <a:tcPr marL="3175" marR="3175" marT="3175" marB="0" anchor="b"/>
+                </a:tc>
+                <a:extLst>
+                  <a:ext uri="{0D108BD9-81ED-4DB2-BD59-A6C34878D82A}">
+                    <a16:rowId xmlns:a16="http://schemas.microsoft.com/office/drawing/2014/main" val="4175854925"/>
+                  </a:ext>
+                </a:extLst>
+              </a:tr>
+              <a:tr h="187325">
+                <a:tc>
+                  <a:txBody>
+                    <a:bodyPr/>
+                    <a:lstStyle/>
+                    <a:p>
+                      <a:pPr algn="l" fontAlgn="b"/>
+                      <a:r>
+                        <a:rPr lang="es-ES" sz="1100" u="none" strike="noStrike">
+                          <a:effectLst/>
+                        </a:rPr>
+                        <a:t>A02DZ</a:t>
+                      </a:r>
+                      <a:endParaRPr lang="es-ES" sz="1100" b="0" i="0" u="none" strike="noStrike">
+                        <a:solidFill>
+                          <a:srgbClr val="000000"/>
+                        </a:solidFill>
+                        <a:effectLst/>
+                        <a:latin typeface="Calibri" panose="020F0502020204030204" pitchFamily="34" charset="0"/>
+                      </a:endParaRPr>
+                    </a:p>
+                  </a:txBody>
+                  <a:tcPr marL="3175" marR="3175" marT="3175" marB="0" anchor="b"/>
+                </a:tc>
+                <a:tc>
+                  <a:txBody>
+                    <a:bodyPr/>
+                    <a:lstStyle/>
+                    <a:p>
+                      <a:pPr algn="l" fontAlgn="b"/>
+                      <a:r>
+                        <a:rPr lang="es-ES" sz="1100" u="none" strike="noStrike">
+                          <a:effectLst/>
+                        </a:rPr>
+                        <a:t>Tuna, bigeye</a:t>
+                      </a:r>
+                      <a:endParaRPr lang="es-ES" sz="1100" b="0" i="0" u="none" strike="noStrike">
+                        <a:solidFill>
+                          <a:srgbClr val="000000"/>
+                        </a:solidFill>
+                        <a:effectLst/>
+                        <a:latin typeface="Calibri" panose="020F0502020204030204" pitchFamily="34" charset="0"/>
+                      </a:endParaRPr>
+                    </a:p>
+                  </a:txBody>
+                  <a:tcPr marL="3175" marR="3175" marT="3175" marB="0" anchor="b"/>
+                </a:tc>
+                <a:extLst>
+                  <a:ext uri="{0D108BD9-81ED-4DB2-BD59-A6C34878D82A}">
+                    <a16:rowId xmlns:a16="http://schemas.microsoft.com/office/drawing/2014/main" val="2340190455"/>
+                  </a:ext>
+                </a:extLst>
+              </a:tr>
+              <a:tr h="187325">
+                <a:tc>
+                  <a:txBody>
+                    <a:bodyPr/>
+                    <a:lstStyle/>
+                    <a:p>
+                      <a:pPr algn="l" fontAlgn="b"/>
+                      <a:r>
+                        <a:rPr lang="es-ES" sz="1100" u="none" strike="noStrike">
+                          <a:effectLst/>
+                        </a:rPr>
+                        <a:t>A02EA</a:t>
+                      </a:r>
+                      <a:endParaRPr lang="es-ES" sz="1100" b="0" i="0" u="none" strike="noStrike">
+                        <a:solidFill>
+                          <a:srgbClr val="000000"/>
+                        </a:solidFill>
+                        <a:effectLst/>
+                        <a:latin typeface="Calibri" panose="020F0502020204030204" pitchFamily="34" charset="0"/>
+                      </a:endParaRPr>
+                    </a:p>
+                  </a:txBody>
+                  <a:tcPr marL="3175" marR="3175" marT="3175" marB="0" anchor="b"/>
+                </a:tc>
+                <a:tc>
+                  <a:txBody>
+                    <a:bodyPr/>
+                    <a:lstStyle/>
+                    <a:p>
+                      <a:pPr algn="l" fontAlgn="b"/>
+                      <a:r>
+                        <a:rPr lang="es-ES" sz="1100" u="none" strike="noStrike" dirty="0">
+                          <a:effectLst/>
+                        </a:rPr>
+                        <a:t>Tuna, </a:t>
+                      </a:r>
+                      <a:r>
+                        <a:rPr lang="es-ES" sz="1100" u="none" strike="noStrike" dirty="0" err="1">
+                          <a:effectLst/>
+                        </a:rPr>
+                        <a:t>blackfin</a:t>
+                      </a:r>
+                      <a:endParaRPr lang="es-ES" sz="1100" b="0" i="0" u="none" strike="noStrike" dirty="0">
+                        <a:solidFill>
+                          <a:srgbClr val="000000"/>
+                        </a:solidFill>
+                        <a:effectLst/>
+                        <a:latin typeface="Calibri" panose="020F0502020204030204" pitchFamily="34" charset="0"/>
+                      </a:endParaRPr>
+                    </a:p>
+                  </a:txBody>
+                  <a:tcPr marL="3175" marR="3175" marT="3175" marB="0" anchor="b"/>
+                </a:tc>
+                <a:extLst>
+                  <a:ext uri="{0D108BD9-81ED-4DB2-BD59-A6C34878D82A}">
+                    <a16:rowId xmlns:a16="http://schemas.microsoft.com/office/drawing/2014/main" val="3547759445"/>
+                  </a:ext>
+                </a:extLst>
+              </a:tr>
+              <a:tr h="187325">
+                <a:tc>
+                  <a:txBody>
+                    <a:bodyPr/>
+                    <a:lstStyle/>
+                    <a:p>
+                      <a:pPr algn="l" fontAlgn="b"/>
+                      <a:r>
+                        <a:rPr lang="es-ES" sz="1100" u="none" strike="noStrike">
+                          <a:effectLst/>
+                        </a:rPr>
+                        <a:t>A02EB</a:t>
+                      </a:r>
+                      <a:endParaRPr lang="es-ES" sz="1100" b="0" i="0" u="none" strike="noStrike">
+                        <a:solidFill>
+                          <a:srgbClr val="000000"/>
+                        </a:solidFill>
+                        <a:effectLst/>
+                        <a:latin typeface="Calibri" panose="020F0502020204030204" pitchFamily="34" charset="0"/>
+                      </a:endParaRPr>
+                    </a:p>
+                  </a:txBody>
+                  <a:tcPr marL="3175" marR="3175" marT="3175" marB="0" anchor="b"/>
+                </a:tc>
+                <a:tc>
+                  <a:txBody>
+                    <a:bodyPr/>
+                    <a:lstStyle/>
+                    <a:p>
+                      <a:pPr algn="l" fontAlgn="b"/>
+                      <a:r>
+                        <a:rPr lang="es-ES" sz="1100" u="none" strike="noStrike">
+                          <a:effectLst/>
+                        </a:rPr>
+                        <a:t>Tuna, bluefin (generic)</a:t>
+                      </a:r>
+                      <a:endParaRPr lang="es-ES" sz="1100" b="0" i="0" u="none" strike="noStrike">
+                        <a:solidFill>
+                          <a:srgbClr val="000000"/>
+                        </a:solidFill>
+                        <a:effectLst/>
+                        <a:latin typeface="Calibri" panose="020F0502020204030204" pitchFamily="34" charset="0"/>
+                      </a:endParaRPr>
+                    </a:p>
+                  </a:txBody>
+                  <a:tcPr marL="3175" marR="3175" marT="3175" marB="0" anchor="b"/>
+                </a:tc>
+                <a:extLst>
+                  <a:ext uri="{0D108BD9-81ED-4DB2-BD59-A6C34878D82A}">
+                    <a16:rowId xmlns:a16="http://schemas.microsoft.com/office/drawing/2014/main" val="2262720679"/>
+                  </a:ext>
+                </a:extLst>
+              </a:tr>
+              <a:tr h="187325">
+                <a:tc>
+                  <a:txBody>
+                    <a:bodyPr/>
+                    <a:lstStyle/>
+                    <a:p>
+                      <a:pPr algn="l" fontAlgn="b"/>
+                      <a:r>
+                        <a:rPr lang="es-ES" sz="1100" u="none" strike="noStrike">
+                          <a:effectLst/>
+                        </a:rPr>
+                        <a:t>A02EC</a:t>
+                      </a:r>
+                      <a:endParaRPr lang="es-ES" sz="1100" b="0" i="0" u="none" strike="noStrike">
+                        <a:solidFill>
+                          <a:srgbClr val="000000"/>
+                        </a:solidFill>
+                        <a:effectLst/>
+                        <a:latin typeface="Calibri" panose="020F0502020204030204" pitchFamily="34" charset="0"/>
+                      </a:endParaRPr>
+                    </a:p>
+                  </a:txBody>
+                  <a:tcPr marL="3175" marR="3175" marT="3175" marB="0" anchor="b"/>
+                </a:tc>
+                <a:tc>
+                  <a:txBody>
+                    <a:bodyPr/>
+                    <a:lstStyle/>
+                    <a:p>
+                      <a:pPr algn="l" fontAlgn="b"/>
+                      <a:r>
+                        <a:rPr lang="es-ES" sz="1100" u="none" strike="noStrike">
+                          <a:effectLst/>
+                        </a:rPr>
+                        <a:t>Southern bluefin tuna</a:t>
+                      </a:r>
+                      <a:endParaRPr lang="es-ES" sz="1100" b="0" i="0" u="none" strike="noStrike">
+                        <a:solidFill>
+                          <a:srgbClr val="000000"/>
+                        </a:solidFill>
+                        <a:effectLst/>
+                        <a:latin typeface="Calibri" panose="020F0502020204030204" pitchFamily="34" charset="0"/>
+                      </a:endParaRPr>
+                    </a:p>
+                  </a:txBody>
+                  <a:tcPr marL="3175" marR="3175" marT="3175" marB="0" anchor="b"/>
+                </a:tc>
+                <a:extLst>
+                  <a:ext uri="{0D108BD9-81ED-4DB2-BD59-A6C34878D82A}">
+                    <a16:rowId xmlns:a16="http://schemas.microsoft.com/office/drawing/2014/main" val="3689192806"/>
+                  </a:ext>
+                </a:extLst>
+              </a:tr>
+              <a:tr h="187325">
+                <a:tc>
+                  <a:txBody>
+                    <a:bodyPr/>
+                    <a:lstStyle/>
+                    <a:p>
+                      <a:pPr algn="l" fontAlgn="b"/>
+                      <a:r>
+                        <a:rPr lang="es-ES" sz="1100" u="none" strike="noStrike">
+                          <a:effectLst/>
+                        </a:rPr>
+                        <a:t>A02ED</a:t>
+                      </a:r>
+                      <a:endParaRPr lang="es-ES" sz="1100" b="0" i="0" u="none" strike="noStrike">
+                        <a:solidFill>
+                          <a:srgbClr val="000000"/>
+                        </a:solidFill>
+                        <a:effectLst/>
+                        <a:latin typeface="Calibri" panose="020F0502020204030204" pitchFamily="34" charset="0"/>
+                      </a:endParaRPr>
+                    </a:p>
+                  </a:txBody>
+                  <a:tcPr marL="3175" marR="3175" marT="3175" marB="0" anchor="b"/>
+                </a:tc>
+                <a:tc>
+                  <a:txBody>
+                    <a:bodyPr/>
+                    <a:lstStyle/>
+                    <a:p>
+                      <a:pPr algn="l" fontAlgn="b"/>
+                      <a:r>
+                        <a:rPr lang="es-ES" sz="1100" u="none" strike="noStrike" dirty="0" err="1">
+                          <a:effectLst/>
+                        </a:rPr>
+                        <a:t>Northern</a:t>
+                      </a:r>
+                      <a:r>
+                        <a:rPr lang="es-ES" sz="1100" u="none" strike="noStrike" dirty="0">
+                          <a:effectLst/>
+                        </a:rPr>
+                        <a:t> </a:t>
+                      </a:r>
+                      <a:r>
+                        <a:rPr lang="es-ES" sz="1100" u="none" strike="noStrike" dirty="0" err="1">
+                          <a:effectLst/>
+                        </a:rPr>
+                        <a:t>bluefin</a:t>
+                      </a:r>
+                      <a:r>
+                        <a:rPr lang="es-ES" sz="1100" u="none" strike="noStrike" dirty="0">
+                          <a:effectLst/>
+                        </a:rPr>
+                        <a:t> tuna</a:t>
+                      </a:r>
+                      <a:endParaRPr lang="es-ES" sz="1100" b="0" i="0" u="none" strike="noStrike" dirty="0">
+                        <a:solidFill>
+                          <a:srgbClr val="000000"/>
+                        </a:solidFill>
+                        <a:effectLst/>
+                        <a:latin typeface="Calibri" panose="020F0502020204030204" pitchFamily="34" charset="0"/>
+                      </a:endParaRPr>
+                    </a:p>
+                  </a:txBody>
+                  <a:tcPr marL="3175" marR="3175" marT="3175" marB="0" anchor="b"/>
+                </a:tc>
+                <a:extLst>
+                  <a:ext uri="{0D108BD9-81ED-4DB2-BD59-A6C34878D82A}">
+                    <a16:rowId xmlns:a16="http://schemas.microsoft.com/office/drawing/2014/main" val="370522728"/>
+                  </a:ext>
+                </a:extLst>
+              </a:tr>
+              <a:tr h="187325">
+                <a:tc>
+                  <a:txBody>
+                    <a:bodyPr/>
+                    <a:lstStyle/>
+                    <a:p>
+                      <a:pPr algn="l" fontAlgn="b"/>
+                      <a:r>
+                        <a:rPr lang="es-ES" sz="1100" u="none" strike="noStrike">
+                          <a:effectLst/>
+                        </a:rPr>
+                        <a:t>A02EE</a:t>
+                      </a:r>
+                      <a:endParaRPr lang="es-ES" sz="1100" b="0" i="0" u="none" strike="noStrike">
+                        <a:solidFill>
+                          <a:srgbClr val="000000"/>
+                        </a:solidFill>
+                        <a:effectLst/>
+                        <a:latin typeface="Calibri" panose="020F0502020204030204" pitchFamily="34" charset="0"/>
+                      </a:endParaRPr>
+                    </a:p>
+                  </a:txBody>
+                  <a:tcPr marL="3175" marR="3175" marT="3175" marB="0" anchor="b"/>
+                </a:tc>
+                <a:tc>
+                  <a:txBody>
+                    <a:bodyPr/>
+                    <a:lstStyle/>
+                    <a:p>
+                      <a:pPr algn="l" fontAlgn="b"/>
+                      <a:r>
+                        <a:rPr lang="es-ES" sz="1100" u="none" strike="noStrike">
+                          <a:effectLst/>
+                        </a:rPr>
+                        <a:t>Tuna, longtail</a:t>
+                      </a:r>
+                      <a:endParaRPr lang="es-ES" sz="1100" b="0" i="0" u="none" strike="noStrike">
+                        <a:solidFill>
+                          <a:srgbClr val="000000"/>
+                        </a:solidFill>
+                        <a:effectLst/>
+                        <a:latin typeface="Calibri" panose="020F0502020204030204" pitchFamily="34" charset="0"/>
+                      </a:endParaRPr>
+                    </a:p>
+                  </a:txBody>
+                  <a:tcPr marL="3175" marR="3175" marT="3175" marB="0" anchor="b"/>
+                </a:tc>
+                <a:extLst>
+                  <a:ext uri="{0D108BD9-81ED-4DB2-BD59-A6C34878D82A}">
+                    <a16:rowId xmlns:a16="http://schemas.microsoft.com/office/drawing/2014/main" val="1550068745"/>
+                  </a:ext>
+                </a:extLst>
+              </a:tr>
+              <a:tr h="187325">
+                <a:tc>
+                  <a:txBody>
+                    <a:bodyPr/>
+                    <a:lstStyle/>
+                    <a:p>
+                      <a:pPr algn="l" fontAlgn="b"/>
+                      <a:r>
+                        <a:rPr lang="es-ES" sz="1100" u="none" strike="noStrike">
+                          <a:effectLst/>
+                        </a:rPr>
+                        <a:t>A02EF</a:t>
+                      </a:r>
+                      <a:endParaRPr lang="es-ES" sz="1100" b="0" i="0" u="none" strike="noStrike">
+                        <a:solidFill>
+                          <a:srgbClr val="000000"/>
+                        </a:solidFill>
+                        <a:effectLst/>
+                        <a:latin typeface="Calibri" panose="020F0502020204030204" pitchFamily="34" charset="0"/>
+                      </a:endParaRPr>
+                    </a:p>
+                  </a:txBody>
+                  <a:tcPr marL="3175" marR="3175" marT="3175" marB="0" anchor="b"/>
+                </a:tc>
+                <a:tc>
+                  <a:txBody>
+                    <a:bodyPr/>
+                    <a:lstStyle/>
+                    <a:p>
+                      <a:pPr algn="l" fontAlgn="b"/>
+                      <a:r>
+                        <a:rPr lang="es-ES" sz="1100" u="none" strike="noStrike">
+                          <a:effectLst/>
+                        </a:rPr>
+                        <a:t>Tuna, skipjack</a:t>
+                      </a:r>
+                      <a:endParaRPr lang="es-ES" sz="1100" b="0" i="0" u="none" strike="noStrike">
+                        <a:solidFill>
+                          <a:srgbClr val="000000"/>
+                        </a:solidFill>
+                        <a:effectLst/>
+                        <a:latin typeface="Calibri" panose="020F0502020204030204" pitchFamily="34" charset="0"/>
+                      </a:endParaRPr>
+                    </a:p>
+                  </a:txBody>
+                  <a:tcPr marL="3175" marR="3175" marT="3175" marB="0" anchor="b"/>
+                </a:tc>
+                <a:extLst>
+                  <a:ext uri="{0D108BD9-81ED-4DB2-BD59-A6C34878D82A}">
+                    <a16:rowId xmlns:a16="http://schemas.microsoft.com/office/drawing/2014/main" val="411287438"/>
+                  </a:ext>
+                </a:extLst>
+              </a:tr>
+              <a:tr h="187325">
+                <a:tc>
+                  <a:txBody>
+                    <a:bodyPr/>
+                    <a:lstStyle/>
+                    <a:p>
+                      <a:pPr algn="l" fontAlgn="b"/>
+                      <a:r>
+                        <a:rPr lang="es-ES" sz="1100" u="none" strike="noStrike">
+                          <a:effectLst/>
+                        </a:rPr>
+                        <a:t>A02EG</a:t>
+                      </a:r>
+                      <a:endParaRPr lang="es-ES" sz="1100" b="0" i="0" u="none" strike="noStrike">
+                        <a:solidFill>
+                          <a:srgbClr val="000000"/>
+                        </a:solidFill>
+                        <a:effectLst/>
+                        <a:latin typeface="Calibri" panose="020F0502020204030204" pitchFamily="34" charset="0"/>
+                      </a:endParaRPr>
+                    </a:p>
+                  </a:txBody>
+                  <a:tcPr marL="3175" marR="3175" marT="3175" marB="0" anchor="b"/>
+                </a:tc>
+                <a:tc>
+                  <a:txBody>
+                    <a:bodyPr/>
+                    <a:lstStyle/>
+                    <a:p>
+                      <a:pPr algn="l" fontAlgn="b"/>
+                      <a:r>
+                        <a:rPr lang="es-ES" sz="1100" u="none" strike="noStrike">
+                          <a:effectLst/>
+                        </a:rPr>
+                        <a:t>Tuna, yellowfin</a:t>
+                      </a:r>
+                      <a:endParaRPr lang="es-ES" sz="1100" b="0" i="0" u="none" strike="noStrike">
+                        <a:solidFill>
+                          <a:srgbClr val="000000"/>
+                        </a:solidFill>
+                        <a:effectLst/>
+                        <a:latin typeface="Calibri" panose="020F0502020204030204" pitchFamily="34" charset="0"/>
+                      </a:endParaRPr>
+                    </a:p>
+                  </a:txBody>
+                  <a:tcPr marL="3175" marR="3175" marT="3175" marB="0" anchor="b"/>
+                </a:tc>
+                <a:extLst>
+                  <a:ext uri="{0D108BD9-81ED-4DB2-BD59-A6C34878D82A}">
+                    <a16:rowId xmlns:a16="http://schemas.microsoft.com/office/drawing/2014/main" val="2199586934"/>
+                  </a:ext>
+                </a:extLst>
+              </a:tr>
+              <a:tr h="187325">
+                <a:tc>
+                  <a:txBody>
+                    <a:bodyPr/>
+                    <a:lstStyle/>
+                    <a:p>
+                      <a:pPr algn="l" fontAlgn="b"/>
+                      <a:r>
+                        <a:rPr lang="es-ES" sz="1100" u="none" strike="noStrike">
+                          <a:effectLst/>
+                        </a:rPr>
+                        <a:t>A07Y1</a:t>
+                      </a:r>
+                      <a:endParaRPr lang="es-ES" sz="1100" b="0" i="0" u="none" strike="noStrike">
+                        <a:solidFill>
+                          <a:srgbClr val="000000"/>
+                        </a:solidFill>
+                        <a:effectLst/>
+                        <a:latin typeface="Calibri" panose="020F0502020204030204" pitchFamily="34" charset="0"/>
+                      </a:endParaRPr>
+                    </a:p>
+                  </a:txBody>
+                  <a:tcPr marL="3175" marR="3175" marT="3175" marB="0" anchor="b"/>
+                </a:tc>
+                <a:tc>
+                  <a:txBody>
+                    <a:bodyPr/>
+                    <a:lstStyle/>
+                    <a:p>
+                      <a:pPr algn="l" fontAlgn="b"/>
+                      <a:r>
+                        <a:rPr lang="es-ES" sz="1100" u="none" strike="noStrike" dirty="0" err="1">
+                          <a:effectLst/>
+                        </a:rPr>
+                        <a:t>Bullet</a:t>
+                      </a:r>
+                      <a:r>
+                        <a:rPr lang="es-ES" sz="1100" u="none" strike="noStrike" dirty="0">
+                          <a:effectLst/>
+                        </a:rPr>
+                        <a:t> tuna</a:t>
+                      </a:r>
+                      <a:endParaRPr lang="es-ES" sz="1100" b="0" i="0" u="none" strike="noStrike" dirty="0">
+                        <a:solidFill>
+                          <a:srgbClr val="000000"/>
+                        </a:solidFill>
+                        <a:effectLst/>
+                        <a:latin typeface="Calibri" panose="020F0502020204030204" pitchFamily="34" charset="0"/>
+                      </a:endParaRPr>
+                    </a:p>
+                  </a:txBody>
+                  <a:tcPr marL="3175" marR="3175" marT="3175" marB="0" anchor="b"/>
+                </a:tc>
+                <a:extLst>
+                  <a:ext uri="{0D108BD9-81ED-4DB2-BD59-A6C34878D82A}">
+                    <a16:rowId xmlns:a16="http://schemas.microsoft.com/office/drawing/2014/main" val="4166716095"/>
+                  </a:ext>
+                </a:extLst>
+              </a:tr>
+              <a:tr h="187325">
+                <a:tc>
+                  <a:txBody>
+                    <a:bodyPr/>
+                    <a:lstStyle/>
+                    <a:p>
+                      <a:pPr algn="l" fontAlgn="b"/>
+                      <a:r>
+                        <a:rPr lang="es-ES" sz="1100" u="none" strike="noStrike">
+                          <a:effectLst/>
+                        </a:rPr>
+                        <a:t>A0F9X</a:t>
+                      </a:r>
+                      <a:endParaRPr lang="es-ES" sz="1100" b="0" i="0" u="none" strike="noStrike">
+                        <a:solidFill>
+                          <a:srgbClr val="000000"/>
+                        </a:solidFill>
+                        <a:effectLst/>
+                        <a:latin typeface="Calibri" panose="020F0502020204030204" pitchFamily="34" charset="0"/>
+                      </a:endParaRPr>
+                    </a:p>
+                  </a:txBody>
+                  <a:tcPr marL="3175" marR="3175" marT="3175" marB="0" anchor="b"/>
+                </a:tc>
+                <a:tc>
+                  <a:txBody>
+                    <a:bodyPr/>
+                    <a:lstStyle/>
+                    <a:p>
+                      <a:pPr algn="l" fontAlgn="b"/>
+                      <a:r>
+                        <a:rPr lang="es-ES" sz="1100" u="none" strike="noStrike">
+                          <a:effectLst/>
+                        </a:rPr>
+                        <a:t>Tunas, bonitos, billfishes</a:t>
+                      </a:r>
+                      <a:endParaRPr lang="es-ES" sz="1100" b="0" i="0" u="none" strike="noStrike">
+                        <a:solidFill>
+                          <a:srgbClr val="000000"/>
+                        </a:solidFill>
+                        <a:effectLst/>
+                        <a:latin typeface="Calibri" panose="020F0502020204030204" pitchFamily="34" charset="0"/>
+                      </a:endParaRPr>
+                    </a:p>
+                  </a:txBody>
+                  <a:tcPr marL="3175" marR="3175" marT="3175" marB="0" anchor="b"/>
+                </a:tc>
+                <a:extLst>
+                  <a:ext uri="{0D108BD9-81ED-4DB2-BD59-A6C34878D82A}">
+                    <a16:rowId xmlns:a16="http://schemas.microsoft.com/office/drawing/2014/main" val="2678295428"/>
+                  </a:ext>
+                </a:extLst>
+              </a:tr>
+              <a:tr h="187325">
+                <a:tc>
+                  <a:txBody>
+                    <a:bodyPr/>
+                    <a:lstStyle/>
+                    <a:p>
+                      <a:pPr algn="l" fontAlgn="b"/>
+                      <a:r>
+                        <a:rPr lang="es-ES" sz="1100" u="none" strike="noStrike">
+                          <a:effectLst/>
+                        </a:rPr>
+                        <a:t>A0FBT</a:t>
+                      </a:r>
+                      <a:endParaRPr lang="es-ES" sz="1100" b="0" i="0" u="none" strike="noStrike">
+                        <a:solidFill>
+                          <a:srgbClr val="000000"/>
+                        </a:solidFill>
+                        <a:effectLst/>
+                        <a:latin typeface="Calibri" panose="020F0502020204030204" pitchFamily="34" charset="0"/>
+                      </a:endParaRPr>
+                    </a:p>
+                  </a:txBody>
+                  <a:tcPr marL="3175" marR="3175" marT="3175" marB="0" anchor="b"/>
+                </a:tc>
+                <a:tc>
+                  <a:txBody>
+                    <a:bodyPr/>
+                    <a:lstStyle/>
+                    <a:p>
+                      <a:pPr algn="l" fontAlgn="b"/>
+                      <a:r>
+                        <a:rPr lang="es-ES" sz="1100" u="none" strike="noStrike" dirty="0" err="1">
+                          <a:effectLst/>
+                        </a:rPr>
+                        <a:t>Canned</a:t>
+                      </a:r>
+                      <a:r>
+                        <a:rPr lang="es-ES" sz="1100" u="none" strike="noStrike" dirty="0">
+                          <a:effectLst/>
+                        </a:rPr>
+                        <a:t> tunas and similar</a:t>
+                      </a:r>
+                      <a:endParaRPr lang="es-ES" sz="1100" b="0" i="0" u="none" strike="noStrike" dirty="0">
+                        <a:solidFill>
+                          <a:srgbClr val="000000"/>
+                        </a:solidFill>
+                        <a:effectLst/>
+                        <a:latin typeface="Calibri" panose="020F0502020204030204" pitchFamily="34" charset="0"/>
+                      </a:endParaRPr>
+                    </a:p>
+                  </a:txBody>
+                  <a:tcPr marL="3175" marR="3175" marT="3175" marB="0" anchor="b"/>
+                </a:tc>
+                <a:extLst>
+                  <a:ext uri="{0D108BD9-81ED-4DB2-BD59-A6C34878D82A}">
+                    <a16:rowId xmlns:a16="http://schemas.microsoft.com/office/drawing/2014/main" val="1140975266"/>
+                  </a:ext>
+                </a:extLst>
+              </a:tr>
+            </a:tbl>
+          </a:graphicData>
+        </a:graphic>
+      </p:graphicFrame>
     </p:spTree>
     <p:extLst>
       <p:ext uri="{BB962C8B-B14F-4D97-AF65-F5344CB8AC3E}">
-        <p14:creationId xmlns:p14="http://schemas.microsoft.com/office/powerpoint/2010/main" val="797389041"/>
+        <p14:creationId xmlns:p14="http://schemas.microsoft.com/office/powerpoint/2010/main" val="2975594168"/>
       </p:ext>
     </p:extLst>
   </p:cSld>
